--- a/Intro.pptx
+++ b/Intro.pptx
@@ -8,7 +8,14 @@
     <p:sldId id="256" r:id="rId2"/>
     <p:sldId id="257" r:id="rId3"/>
     <p:sldId id="258" r:id="rId4"/>
-    <p:sldId id="259" r:id="rId5"/>
+    <p:sldId id="262" r:id="rId5"/>
+    <p:sldId id="266" r:id="rId6"/>
+    <p:sldId id="259" r:id="rId7"/>
+    <p:sldId id="260" r:id="rId8"/>
+    <p:sldId id="261" r:id="rId9"/>
+    <p:sldId id="263" r:id="rId10"/>
+    <p:sldId id="264" r:id="rId11"/>
+    <p:sldId id="265" r:id="rId12"/>
   </p:sldIdLst>
   <p:sldSz cx="12192000" cy="6858000"/>
   <p:notesSz cx="6858000" cy="9144000"/>
@@ -107,6 +114,11 @@
       </a:defRPr>
     </a:lvl9pPr>
   </p:defaultTextStyle>
+  <p:extLst>
+    <p:ext uri="{EFAFB233-063F-42B5-8137-9DF3F51BA10A}">
+      <p15:sldGuideLst xmlns:p15="http://schemas.microsoft.com/office/powerpoint/2012/main"/>
+    </p:ext>
+  </p:extLst>
 </p:presentation>
 </file>
 
@@ -257,7 +269,7 @@
           <a:p>
             <a:fld id="{2D799114-CDA5-4BD8-B01E-B17A1237C47A}" type="datetimeFigureOut">
               <a:rPr lang="it-IT" smtClean="0"/>
-              <a:t>20/01/2022</a:t>
+              <a:t>23/01/2022</a:t>
             </a:fld>
             <a:endParaRPr lang="it-IT"/>
           </a:p>
@@ -455,7 +467,7 @@
           <a:p>
             <a:fld id="{2D799114-CDA5-4BD8-B01E-B17A1237C47A}" type="datetimeFigureOut">
               <a:rPr lang="it-IT" smtClean="0"/>
-              <a:t>20/01/2022</a:t>
+              <a:t>23/01/2022</a:t>
             </a:fld>
             <a:endParaRPr lang="it-IT"/>
           </a:p>
@@ -663,7 +675,7 @@
           <a:p>
             <a:fld id="{2D799114-CDA5-4BD8-B01E-B17A1237C47A}" type="datetimeFigureOut">
               <a:rPr lang="it-IT" smtClean="0"/>
-              <a:t>20/01/2022</a:t>
+              <a:t>23/01/2022</a:t>
             </a:fld>
             <a:endParaRPr lang="it-IT"/>
           </a:p>
@@ -861,7 +873,7 @@
           <a:p>
             <a:fld id="{2D799114-CDA5-4BD8-B01E-B17A1237C47A}" type="datetimeFigureOut">
               <a:rPr lang="it-IT" smtClean="0"/>
-              <a:t>20/01/2022</a:t>
+              <a:t>23/01/2022</a:t>
             </a:fld>
             <a:endParaRPr lang="it-IT"/>
           </a:p>
@@ -1136,7 +1148,7 @@
           <a:p>
             <a:fld id="{2D799114-CDA5-4BD8-B01E-B17A1237C47A}" type="datetimeFigureOut">
               <a:rPr lang="it-IT" smtClean="0"/>
-              <a:t>20/01/2022</a:t>
+              <a:t>23/01/2022</a:t>
             </a:fld>
             <a:endParaRPr lang="it-IT"/>
           </a:p>
@@ -1401,7 +1413,7 @@
           <a:p>
             <a:fld id="{2D799114-CDA5-4BD8-B01E-B17A1237C47A}" type="datetimeFigureOut">
               <a:rPr lang="it-IT" smtClean="0"/>
-              <a:t>20/01/2022</a:t>
+              <a:t>23/01/2022</a:t>
             </a:fld>
             <a:endParaRPr lang="it-IT"/>
           </a:p>
@@ -1813,7 +1825,7 @@
           <a:p>
             <a:fld id="{2D799114-CDA5-4BD8-B01E-B17A1237C47A}" type="datetimeFigureOut">
               <a:rPr lang="it-IT" smtClean="0"/>
-              <a:t>20/01/2022</a:t>
+              <a:t>23/01/2022</a:t>
             </a:fld>
             <a:endParaRPr lang="it-IT"/>
           </a:p>
@@ -1954,7 +1966,7 @@
           <a:p>
             <a:fld id="{2D799114-CDA5-4BD8-B01E-B17A1237C47A}" type="datetimeFigureOut">
               <a:rPr lang="it-IT" smtClean="0"/>
-              <a:t>20/01/2022</a:t>
+              <a:t>23/01/2022</a:t>
             </a:fld>
             <a:endParaRPr lang="it-IT"/>
           </a:p>
@@ -2067,7 +2079,7 @@
           <a:p>
             <a:fld id="{2D799114-CDA5-4BD8-B01E-B17A1237C47A}" type="datetimeFigureOut">
               <a:rPr lang="it-IT" smtClean="0"/>
-              <a:t>20/01/2022</a:t>
+              <a:t>23/01/2022</a:t>
             </a:fld>
             <a:endParaRPr lang="it-IT"/>
           </a:p>
@@ -2378,7 +2390,7 @@
           <a:p>
             <a:fld id="{2D799114-CDA5-4BD8-B01E-B17A1237C47A}" type="datetimeFigureOut">
               <a:rPr lang="it-IT" smtClean="0"/>
-              <a:t>20/01/2022</a:t>
+              <a:t>23/01/2022</a:t>
             </a:fld>
             <a:endParaRPr lang="it-IT"/>
           </a:p>
@@ -2666,7 +2678,7 @@
           <a:p>
             <a:fld id="{2D799114-CDA5-4BD8-B01E-B17A1237C47A}" type="datetimeFigureOut">
               <a:rPr lang="it-IT" smtClean="0"/>
-              <a:t>20/01/2022</a:t>
+              <a:t>23/01/2022</a:t>
             </a:fld>
             <a:endParaRPr lang="it-IT"/>
           </a:p>
@@ -2743,9 +2755,23 @@
 <p:sldMaster xmlns:a="http://schemas.openxmlformats.org/drawingml/2006/main" xmlns:r="http://schemas.openxmlformats.org/officeDocument/2006/relationships" xmlns:p="http://schemas.openxmlformats.org/presentationml/2006/main">
   <p:cSld>
     <p:bg>
-      <p:bgRef idx="1001">
-        <a:schemeClr val="bg1"/>
-      </p:bgRef>
+      <p:bgPr>
+        <a:gradFill flip="none" rotWithShape="1">
+          <a:gsLst>
+            <a:gs pos="0">
+              <a:schemeClr val="tx1">
+                <a:lumMod val="100000"/>
+              </a:schemeClr>
+            </a:gs>
+            <a:gs pos="100000">
+              <a:srgbClr val="21448B"/>
+            </a:gs>
+          </a:gsLst>
+          <a:lin ang="5400000" scaled="1"/>
+          <a:tileRect/>
+        </a:gradFill>
+        <a:effectLst/>
+      </p:bgPr>
     </p:bg>
     <p:spTree>
       <p:nvGrpSpPr>
@@ -2907,7 +2933,7 @@
           <a:p>
             <a:fld id="{2D799114-CDA5-4BD8-B01E-B17A1237C47A}" type="datetimeFigureOut">
               <a:rPr lang="it-IT" smtClean="0"/>
-              <a:t>20/01/2022</a:t>
+              <a:t>23/01/2022</a:t>
             </a:fld>
             <a:endParaRPr lang="it-IT"/>
           </a:p>
@@ -3353,7 +3379,11 @@
           <a:lstStyle/>
           <a:p>
             <a:r>
-              <a:rPr lang="it-IT" sz="4000" dirty="0"/>
+              <a:rPr lang="it-IT" sz="4000" dirty="0">
+                <a:solidFill>
+                  <a:schemeClr val="bg1"/>
+                </a:solidFill>
+              </a:rPr>
               <a:t>PhD Course on Python Language and Programming</a:t>
             </a:r>
           </a:p>
@@ -3388,16 +3418,37 @@
           <a:lstStyle/>
           <a:p>
             <a:r>
+              <a:rPr lang="it-IT" dirty="0">
+                <a:solidFill>
+                  <a:schemeClr val="bg1"/>
+                </a:solidFill>
+              </a:rPr>
+              <a:t>Mauro Prencipe:</a:t>
+            </a:r>
+            <a:r>
               <a:rPr lang="it-IT" dirty="0"/>
-              <a:t>Mauro Prencipe: </a:t>
+              <a:t> </a:t>
             </a:r>
             <a:r>
               <a:rPr lang="it-IT" dirty="0">
-                <a:hlinkClick r:id="rId2"/>
+                <a:solidFill>
+                  <a:schemeClr val="bg1"/>
+                </a:solidFill>
+                <a:hlinkClick r:id="rId2">
+                  <a:extLst>
+                    <a:ext uri="{A12FA001-AC4F-418D-AE19-62706E023703}">
+                      <ahyp:hlinkClr xmlns:ahyp="http://schemas.microsoft.com/office/drawing/2018/hyperlinkcolor" val="tx"/>
+                    </a:ext>
+                  </a:extLst>
+                </a:hlinkClick>
               </a:rPr>
               <a:t>mauro.prencipe@unito.it</a:t>
             </a:r>
-            <a:endParaRPr lang="it-IT" dirty="0"/>
+            <a:endParaRPr lang="it-IT" dirty="0">
+              <a:solidFill>
+                <a:schemeClr val="bg1"/>
+              </a:solidFill>
+            </a:endParaRPr>
           </a:p>
         </p:txBody>
       </p:sp>
@@ -3430,11 +3481,19 @@
           <a:lstStyle/>
           <a:p>
             <a:r>
-              <a:rPr lang="it-IT" i="1" dirty="0"/>
+              <a:rPr lang="it-IT" i="1" dirty="0">
+                <a:solidFill>
+                  <a:schemeClr val="bg1"/>
+                </a:solidFill>
+              </a:rPr>
               <a:t>Torino</a:t>
             </a:r>
             <a:r>
-              <a:rPr lang="it-IT" dirty="0"/>
+              <a:rPr lang="it-IT" dirty="0">
+                <a:solidFill>
+                  <a:schemeClr val="bg1"/>
+                </a:solidFill>
+              </a:rPr>
               <a:t>, 2022</a:t>
             </a:r>
           </a:p>
@@ -3462,7 +3521,7 @@
         </p:blipFill>
         <p:spPr>
           <a:xfrm>
-            <a:off x="4110637" y="2172546"/>
+            <a:off x="4236472" y="2256446"/>
             <a:ext cx="3719055" cy="1051595"/>
           </a:xfrm>
           <a:prstGeom prst="rect">
@@ -3531,6 +3590,1301 @@
 </p:sld>
 </file>
 
+<file path=ppt/slides/slide10.xml><?xml version="1.0" encoding="utf-8"?>
+<p:sld xmlns:a="http://schemas.openxmlformats.org/drawingml/2006/main" xmlns:r="http://schemas.openxmlformats.org/officeDocument/2006/relationships" xmlns:p="http://schemas.openxmlformats.org/presentationml/2006/main">
+  <p:cSld>
+    <p:spTree>
+      <p:nvGrpSpPr>
+        <p:cNvPr id="1" name=""/>
+        <p:cNvGrpSpPr/>
+        <p:nvPr/>
+      </p:nvGrpSpPr>
+      <p:grpSpPr>
+        <a:xfrm>
+          <a:off x="0" y="0"/>
+          <a:ext cx="0" cy="0"/>
+          <a:chOff x="0" y="0"/>
+          <a:chExt cx="0" cy="0"/>
+        </a:xfrm>
+      </p:grpSpPr>
+      <p:pic>
+        <p:nvPicPr>
+          <p:cNvPr id="2" name="Immagine 1">
+            <a:extLst>
+              <a:ext uri="{FF2B5EF4-FFF2-40B4-BE49-F238E27FC236}">
+                <a16:creationId xmlns:a16="http://schemas.microsoft.com/office/drawing/2014/main" id="{1DF6D849-075E-4814-849A-9E6B6596160D}"/>
+              </a:ext>
+            </a:extLst>
+          </p:cNvPr>
+          <p:cNvPicPr>
+            <a:picLocks noChangeAspect="1"/>
+          </p:cNvPicPr>
+          <p:nvPr/>
+        </p:nvPicPr>
+        <p:blipFill>
+          <a:blip r:embed="rId2"/>
+          <a:stretch>
+            <a:fillRect/>
+          </a:stretch>
+        </p:blipFill>
+        <p:spPr>
+          <a:xfrm>
+            <a:off x="1994658" y="1281632"/>
+            <a:ext cx="2700998" cy="3850852"/>
+          </a:xfrm>
+          <a:prstGeom prst="rect">
+            <a:avLst/>
+          </a:prstGeom>
+        </p:spPr>
+      </p:pic>
+      <p:pic>
+        <p:nvPicPr>
+          <p:cNvPr id="3" name="Immagine 2">
+            <a:extLst>
+              <a:ext uri="{FF2B5EF4-FFF2-40B4-BE49-F238E27FC236}">
+                <a16:creationId xmlns:a16="http://schemas.microsoft.com/office/drawing/2014/main" id="{E0F8D41E-532B-4281-A1C5-F772096C8FCD}"/>
+              </a:ext>
+            </a:extLst>
+          </p:cNvPr>
+          <p:cNvPicPr>
+            <a:picLocks noChangeAspect="1"/>
+          </p:cNvPicPr>
+          <p:nvPr/>
+        </p:nvPicPr>
+        <p:blipFill>
+          <a:blip r:embed="rId3"/>
+          <a:stretch>
+            <a:fillRect/>
+          </a:stretch>
+        </p:blipFill>
+        <p:spPr>
+          <a:xfrm>
+            <a:off x="7140062" y="1281632"/>
+            <a:ext cx="2940230" cy="3850852"/>
+          </a:xfrm>
+          <a:prstGeom prst="rect">
+            <a:avLst/>
+          </a:prstGeom>
+        </p:spPr>
+      </p:pic>
+      <p:sp>
+        <p:nvSpPr>
+          <p:cNvPr id="4" name="CasellaDiTesto 3">
+            <a:extLst>
+              <a:ext uri="{FF2B5EF4-FFF2-40B4-BE49-F238E27FC236}">
+                <a16:creationId xmlns:a16="http://schemas.microsoft.com/office/drawing/2014/main" id="{A8B0E830-7EEA-4A48-86B9-9C29E9C1546B}"/>
+              </a:ext>
+            </a:extLst>
+          </p:cNvPr>
+          <p:cNvSpPr txBox="1"/>
+          <p:nvPr/>
+        </p:nvSpPr>
+        <p:spPr>
+          <a:xfrm>
+            <a:off x="653265" y="243525"/>
+            <a:ext cx="1341393" cy="646331"/>
+          </a:xfrm>
+          <a:prstGeom prst="rect">
+            <a:avLst/>
+          </a:prstGeom>
+          <a:noFill/>
+        </p:spPr>
+        <p:txBody>
+          <a:bodyPr wrap="none" rtlCol="0">
+            <a:spAutoFit/>
+          </a:bodyPr>
+          <a:lstStyle/>
+          <a:p>
+            <a:r>
+              <a:rPr lang="it-IT" sz="3600" b="1" i="1" dirty="0">
+                <a:solidFill>
+                  <a:schemeClr val="bg1"/>
+                </a:solidFill>
+              </a:rPr>
+              <a:t>Books</a:t>
+            </a:r>
+          </a:p>
+        </p:txBody>
+      </p:sp>
+      <p:sp>
+        <p:nvSpPr>
+          <p:cNvPr id="5" name="CasellaDiTesto 4">
+            <a:extLst>
+              <a:ext uri="{FF2B5EF4-FFF2-40B4-BE49-F238E27FC236}">
+                <a16:creationId xmlns:a16="http://schemas.microsoft.com/office/drawing/2014/main" id="{994EC01D-E9C3-427A-A083-9AB3D07FB761}"/>
+              </a:ext>
+            </a:extLst>
+          </p:cNvPr>
+          <p:cNvSpPr txBox="1"/>
+          <p:nvPr/>
+        </p:nvSpPr>
+        <p:spPr>
+          <a:xfrm>
+            <a:off x="1783340" y="5337829"/>
+            <a:ext cx="3123634" cy="1015663"/>
+          </a:xfrm>
+          <a:prstGeom prst="rect">
+            <a:avLst/>
+          </a:prstGeom>
+          <a:noFill/>
+        </p:spPr>
+        <p:txBody>
+          <a:bodyPr wrap="square" rtlCol="0">
+            <a:spAutoFit/>
+          </a:bodyPr>
+          <a:lstStyle/>
+          <a:p>
+            <a:pPr algn="just"/>
+            <a:r>
+              <a:rPr lang="it-IT" sz="2000" b="1" dirty="0" err="1">
+                <a:solidFill>
+                  <a:schemeClr val="bg1"/>
+                </a:solidFill>
+              </a:rPr>
+              <a:t>Overview</a:t>
+            </a:r>
+            <a:r>
+              <a:rPr lang="it-IT" sz="2000" b="1" dirty="0">
+                <a:solidFill>
+                  <a:schemeClr val="bg1"/>
+                </a:solidFill>
+              </a:rPr>
+              <a:t>, </a:t>
+            </a:r>
+            <a:r>
+              <a:rPr lang="it-IT" sz="2000" b="1" dirty="0" err="1">
+                <a:solidFill>
+                  <a:schemeClr val="bg1"/>
+                </a:solidFill>
+              </a:rPr>
+              <a:t>recipes</a:t>
+            </a:r>
+            <a:r>
+              <a:rPr lang="it-IT" sz="2000" b="1" dirty="0">
+                <a:solidFill>
+                  <a:schemeClr val="bg1"/>
+                </a:solidFill>
+              </a:rPr>
+              <a:t>, </a:t>
+            </a:r>
+            <a:r>
+              <a:rPr lang="it-IT" sz="2000" b="1" dirty="0" err="1">
+                <a:solidFill>
+                  <a:schemeClr val="bg1"/>
+                </a:solidFill>
+              </a:rPr>
+              <a:t>practical</a:t>
+            </a:r>
+            <a:r>
+              <a:rPr lang="it-IT" sz="2000" b="1" dirty="0">
+                <a:solidFill>
+                  <a:schemeClr val="bg1"/>
+                </a:solidFill>
+              </a:rPr>
+              <a:t> </a:t>
+            </a:r>
+            <a:r>
+              <a:rPr lang="it-IT" sz="2000" b="1" dirty="0" err="1">
+                <a:solidFill>
+                  <a:schemeClr val="bg1"/>
+                </a:solidFill>
+              </a:rPr>
+              <a:t>advices</a:t>
+            </a:r>
+            <a:r>
+              <a:rPr lang="it-IT" sz="2000" b="1" dirty="0">
+                <a:solidFill>
+                  <a:schemeClr val="bg1"/>
+                </a:solidFill>
+              </a:rPr>
+              <a:t>, </a:t>
+            </a:r>
+            <a:r>
+              <a:rPr lang="it-IT" sz="2000" b="1" dirty="0" err="1">
+                <a:solidFill>
+                  <a:schemeClr val="bg1"/>
+                </a:solidFill>
+              </a:rPr>
+              <a:t>specialized</a:t>
+            </a:r>
+            <a:r>
+              <a:rPr lang="it-IT" sz="2000" b="1" dirty="0">
+                <a:solidFill>
+                  <a:schemeClr val="bg1"/>
+                </a:solidFill>
+              </a:rPr>
+              <a:t> </a:t>
+            </a:r>
+            <a:r>
+              <a:rPr lang="it-IT" sz="2000" b="1" dirty="0" err="1">
+                <a:solidFill>
+                  <a:schemeClr val="bg1"/>
+                </a:solidFill>
+              </a:rPr>
+              <a:t>topic</a:t>
+            </a:r>
+            <a:r>
+              <a:rPr lang="it-IT" sz="2000" b="1" dirty="0">
+                <a:solidFill>
+                  <a:schemeClr val="bg1"/>
+                </a:solidFill>
+              </a:rPr>
+              <a:t> in </a:t>
+            </a:r>
+            <a:r>
+              <a:rPr lang="it-IT" sz="2000" b="1" dirty="0" err="1">
+                <a:solidFill>
+                  <a:schemeClr val="bg1"/>
+                </a:solidFill>
+              </a:rPr>
+              <a:t>scientific</a:t>
+            </a:r>
+            <a:r>
+              <a:rPr lang="it-IT" sz="2000" b="1" dirty="0">
+                <a:solidFill>
+                  <a:schemeClr val="bg1"/>
+                </a:solidFill>
+              </a:rPr>
+              <a:t> computing</a:t>
+            </a:r>
+          </a:p>
+        </p:txBody>
+      </p:sp>
+      <p:sp>
+        <p:nvSpPr>
+          <p:cNvPr id="6" name="CasellaDiTesto 5">
+            <a:extLst>
+              <a:ext uri="{FF2B5EF4-FFF2-40B4-BE49-F238E27FC236}">
+                <a16:creationId xmlns:a16="http://schemas.microsoft.com/office/drawing/2014/main" id="{F78C3935-66C6-4234-9AEB-416ECBD87EB6}"/>
+              </a:ext>
+            </a:extLst>
+          </p:cNvPr>
+          <p:cNvSpPr txBox="1"/>
+          <p:nvPr/>
+        </p:nvSpPr>
+        <p:spPr>
+          <a:xfrm>
+            <a:off x="6975878" y="5337829"/>
+            <a:ext cx="3268598" cy="1015663"/>
+          </a:xfrm>
+          <a:prstGeom prst="rect">
+            <a:avLst/>
+          </a:prstGeom>
+          <a:noFill/>
+        </p:spPr>
+        <p:txBody>
+          <a:bodyPr wrap="square" rtlCol="0">
+            <a:spAutoFit/>
+          </a:bodyPr>
+          <a:lstStyle/>
+          <a:p>
+            <a:pPr algn="just"/>
+            <a:r>
+              <a:rPr lang="it-IT" sz="2000" b="1" dirty="0" err="1">
+                <a:solidFill>
+                  <a:schemeClr val="bg1"/>
+                </a:solidFill>
+              </a:rPr>
+              <a:t>Very</a:t>
+            </a:r>
+            <a:r>
+              <a:rPr lang="it-IT" sz="2000" b="1" dirty="0">
+                <a:solidFill>
+                  <a:schemeClr val="bg1"/>
+                </a:solidFill>
+              </a:rPr>
+              <a:t> in </a:t>
+            </a:r>
+            <a:r>
+              <a:rPr lang="it-IT" sz="2000" b="1" dirty="0" err="1">
+                <a:solidFill>
+                  <a:schemeClr val="bg1"/>
+                </a:solidFill>
+              </a:rPr>
+              <a:t>depth</a:t>
+            </a:r>
+            <a:r>
+              <a:rPr lang="it-IT" sz="2000" b="1" dirty="0">
+                <a:solidFill>
+                  <a:schemeClr val="bg1"/>
+                </a:solidFill>
+              </a:rPr>
+              <a:t> </a:t>
+            </a:r>
+            <a:r>
+              <a:rPr lang="it-IT" sz="2000" b="1" dirty="0" err="1">
+                <a:solidFill>
+                  <a:schemeClr val="bg1"/>
+                </a:solidFill>
+              </a:rPr>
+              <a:t>analysis</a:t>
+            </a:r>
+            <a:r>
+              <a:rPr lang="it-IT" sz="2000" b="1" dirty="0">
+                <a:solidFill>
+                  <a:schemeClr val="bg1"/>
+                </a:solidFill>
+              </a:rPr>
+              <a:t> of the </a:t>
+            </a:r>
+            <a:r>
+              <a:rPr lang="it-IT" sz="2000" b="1" dirty="0" err="1">
+                <a:solidFill>
+                  <a:schemeClr val="bg1"/>
+                </a:solidFill>
+              </a:rPr>
+              <a:t>language</a:t>
+            </a:r>
+            <a:r>
+              <a:rPr lang="it-IT" sz="2000" b="1" dirty="0">
+                <a:solidFill>
+                  <a:schemeClr val="bg1"/>
+                </a:solidFill>
+              </a:rPr>
+              <a:t>: </a:t>
+            </a:r>
+            <a:r>
+              <a:rPr lang="it-IT" sz="2000" b="1" i="1" dirty="0" err="1">
+                <a:solidFill>
+                  <a:schemeClr val="bg1"/>
+                </a:solidFill>
+              </a:rPr>
+              <a:t>logics</a:t>
+            </a:r>
+            <a:r>
+              <a:rPr lang="it-IT" sz="2000" b="1" dirty="0">
+                <a:solidFill>
+                  <a:schemeClr val="bg1"/>
+                </a:solidFill>
+              </a:rPr>
+              <a:t>, </a:t>
+            </a:r>
+            <a:r>
+              <a:rPr lang="it-IT" sz="2000" b="1" dirty="0" err="1">
+                <a:solidFill>
+                  <a:schemeClr val="bg1"/>
+                </a:solidFill>
+              </a:rPr>
+              <a:t>grammar</a:t>
+            </a:r>
+            <a:r>
+              <a:rPr lang="it-IT" sz="2000" b="1" dirty="0">
+                <a:solidFill>
+                  <a:schemeClr val="bg1"/>
+                </a:solidFill>
+              </a:rPr>
+              <a:t>, </a:t>
+            </a:r>
+            <a:r>
+              <a:rPr lang="it-IT" sz="2000" b="1" dirty="0" err="1">
+                <a:solidFill>
+                  <a:schemeClr val="bg1"/>
+                </a:solidFill>
+              </a:rPr>
+              <a:t>syntax</a:t>
+            </a:r>
+            <a:endParaRPr lang="it-IT" sz="2000" b="1" dirty="0">
+              <a:solidFill>
+                <a:schemeClr val="bg1"/>
+              </a:solidFill>
+            </a:endParaRPr>
+          </a:p>
+        </p:txBody>
+      </p:sp>
+    </p:spTree>
+    <p:extLst>
+      <p:ext uri="{BB962C8B-B14F-4D97-AF65-F5344CB8AC3E}">
+        <p14:creationId xmlns:p14="http://schemas.microsoft.com/office/powerpoint/2010/main" val="3061597457"/>
+      </p:ext>
+    </p:extLst>
+  </p:cSld>
+  <p:clrMapOvr>
+    <a:masterClrMapping/>
+  </p:clrMapOvr>
+</p:sld>
+</file>
+
+<file path=ppt/slides/slide11.xml><?xml version="1.0" encoding="utf-8"?>
+<p:sld xmlns:a="http://schemas.openxmlformats.org/drawingml/2006/main" xmlns:r="http://schemas.openxmlformats.org/officeDocument/2006/relationships" xmlns:p="http://schemas.openxmlformats.org/presentationml/2006/main">
+  <p:cSld>
+    <p:spTree>
+      <p:nvGrpSpPr>
+        <p:cNvPr id="1" name=""/>
+        <p:cNvGrpSpPr/>
+        <p:nvPr/>
+      </p:nvGrpSpPr>
+      <p:grpSpPr>
+        <a:xfrm>
+          <a:off x="0" y="0"/>
+          <a:ext cx="0" cy="0"/>
+          <a:chOff x="0" y="0"/>
+          <a:chExt cx="0" cy="0"/>
+        </a:xfrm>
+      </p:grpSpPr>
+      <p:sp>
+        <p:nvSpPr>
+          <p:cNvPr id="2" name="CasellaDiTesto 1">
+            <a:extLst>
+              <a:ext uri="{FF2B5EF4-FFF2-40B4-BE49-F238E27FC236}">
+                <a16:creationId xmlns:a16="http://schemas.microsoft.com/office/drawing/2014/main" id="{8EA6BEDC-7A48-4DE2-9B96-37DF8AAEAA8E}"/>
+              </a:ext>
+            </a:extLst>
+          </p:cNvPr>
+          <p:cNvSpPr txBox="1"/>
+          <p:nvPr/>
+        </p:nvSpPr>
+        <p:spPr>
+          <a:xfrm>
+            <a:off x="660673" y="371271"/>
+            <a:ext cx="5231047" cy="461665"/>
+          </a:xfrm>
+          <a:prstGeom prst="rect">
+            <a:avLst/>
+          </a:prstGeom>
+          <a:noFill/>
+        </p:spPr>
+        <p:txBody>
+          <a:bodyPr wrap="none" rtlCol="0">
+            <a:spAutoFit/>
+          </a:bodyPr>
+          <a:lstStyle/>
+          <a:p>
+            <a:r>
+              <a:rPr lang="it-IT" sz="2400" b="1" i="1" dirty="0" err="1">
+                <a:solidFill>
+                  <a:schemeClr val="bg1"/>
+                </a:solidFill>
+              </a:rPr>
+              <a:t>Topics</a:t>
+            </a:r>
+            <a:r>
+              <a:rPr lang="it-IT" sz="2400" b="1" i="1" dirty="0">
+                <a:solidFill>
+                  <a:schemeClr val="bg1"/>
+                </a:solidFill>
+              </a:rPr>
+              <a:t> </a:t>
+            </a:r>
+            <a:r>
+              <a:rPr lang="it-IT" sz="2400" b="1" i="1" dirty="0" err="1">
+                <a:solidFill>
+                  <a:schemeClr val="bg1"/>
+                </a:solidFill>
+              </a:rPr>
+              <a:t>specifically</a:t>
+            </a:r>
+            <a:r>
+              <a:rPr lang="it-IT" sz="2400" b="1" i="1" dirty="0">
+                <a:solidFill>
+                  <a:schemeClr val="bg1"/>
+                </a:solidFill>
+              </a:rPr>
+              <a:t> </a:t>
+            </a:r>
+            <a:r>
+              <a:rPr lang="it-IT" sz="2400" b="1" i="1" dirty="0" err="1">
+                <a:solidFill>
+                  <a:schemeClr val="bg1"/>
+                </a:solidFill>
+              </a:rPr>
+              <a:t>covered</a:t>
+            </a:r>
+            <a:r>
+              <a:rPr lang="it-IT" sz="2400" b="1" i="1" dirty="0">
+                <a:solidFill>
+                  <a:schemeClr val="bg1"/>
+                </a:solidFill>
+              </a:rPr>
+              <a:t> in </a:t>
+            </a:r>
+            <a:r>
+              <a:rPr lang="it-IT" sz="2400" b="1" i="1" dirty="0" err="1">
+                <a:solidFill>
+                  <a:schemeClr val="bg1"/>
+                </a:solidFill>
+              </a:rPr>
+              <a:t>this</a:t>
+            </a:r>
+            <a:r>
+              <a:rPr lang="it-IT" sz="2400" b="1" i="1" dirty="0">
+                <a:solidFill>
+                  <a:schemeClr val="bg1"/>
+                </a:solidFill>
+              </a:rPr>
+              <a:t> </a:t>
+            </a:r>
+            <a:r>
+              <a:rPr lang="it-IT" sz="2400" b="1" i="1" dirty="0" err="1">
+                <a:solidFill>
+                  <a:schemeClr val="bg1"/>
+                </a:solidFill>
+              </a:rPr>
+              <a:t>course</a:t>
+            </a:r>
+            <a:endParaRPr lang="it-IT" sz="2400" b="1" i="1" dirty="0">
+              <a:solidFill>
+                <a:schemeClr val="bg1"/>
+              </a:solidFill>
+            </a:endParaRPr>
+          </a:p>
+        </p:txBody>
+      </p:sp>
+      <p:sp>
+        <p:nvSpPr>
+          <p:cNvPr id="6" name="CasellaDiTesto 5">
+            <a:extLst>
+              <a:ext uri="{FF2B5EF4-FFF2-40B4-BE49-F238E27FC236}">
+                <a16:creationId xmlns:a16="http://schemas.microsoft.com/office/drawing/2014/main" id="{AE5010F2-CB07-421B-BE7C-7D3D86289E36}"/>
+              </a:ext>
+            </a:extLst>
+          </p:cNvPr>
+          <p:cNvSpPr txBox="1"/>
+          <p:nvPr/>
+        </p:nvSpPr>
+        <p:spPr>
+          <a:xfrm>
+            <a:off x="4605702" y="1412092"/>
+            <a:ext cx="3387659" cy="4651723"/>
+          </a:xfrm>
+          <a:prstGeom prst="rect">
+            <a:avLst/>
+          </a:prstGeom>
+          <a:noFill/>
+        </p:spPr>
+        <p:txBody>
+          <a:bodyPr wrap="square">
+            <a:spAutoFit/>
+          </a:bodyPr>
+          <a:lstStyle/>
+          <a:p>
+            <a:pPr algn="l">
+              <a:lnSpc>
+                <a:spcPct val="150000"/>
+              </a:lnSpc>
+            </a:pPr>
+            <a:r>
+              <a:rPr lang="en-US" sz="2400" dirty="0">
+                <a:solidFill>
+                  <a:schemeClr val="bg1"/>
+                </a:solidFill>
+                <a:latin typeface="-apple-system"/>
+              </a:rPr>
+              <a:t>V</a:t>
+            </a:r>
+            <a:r>
+              <a:rPr lang="en-US" sz="2400" b="0" i="0" dirty="0">
+                <a:solidFill>
+                  <a:schemeClr val="bg1"/>
+                </a:solidFill>
+                <a:effectLst/>
+                <a:latin typeface="-apple-system"/>
+              </a:rPr>
+              <a:t>ariables</a:t>
+            </a:r>
+            <a:r>
+              <a:rPr lang="en-US" sz="2400" dirty="0">
+                <a:solidFill>
+                  <a:schemeClr val="bg1"/>
+                </a:solidFill>
+                <a:latin typeface="-apple-system"/>
+              </a:rPr>
+              <a:t> </a:t>
+            </a:r>
+            <a:r>
+              <a:rPr lang="en-US" sz="2400" b="0" i="0" dirty="0">
+                <a:solidFill>
+                  <a:schemeClr val="bg1"/>
+                </a:solidFill>
+                <a:effectLst/>
+                <a:latin typeface="-apple-system"/>
+              </a:rPr>
+              <a:t>and</a:t>
+            </a:r>
+            <a:r>
+              <a:rPr lang="en-US" sz="2400" dirty="0">
+                <a:solidFill>
+                  <a:schemeClr val="bg1"/>
+                </a:solidFill>
+                <a:latin typeface="-apple-system"/>
+              </a:rPr>
+              <a:t> </a:t>
+            </a:r>
+            <a:r>
+              <a:rPr lang="en-US" sz="2400" b="0" i="0" dirty="0">
+                <a:solidFill>
+                  <a:schemeClr val="bg1"/>
+                </a:solidFill>
+                <a:effectLst/>
+                <a:latin typeface="-apple-system"/>
+              </a:rPr>
+              <a:t>types</a:t>
+            </a:r>
+          </a:p>
+          <a:p>
+            <a:pPr algn="l">
+              <a:lnSpc>
+                <a:spcPct val="150000"/>
+              </a:lnSpc>
+            </a:pPr>
+            <a:r>
+              <a:rPr lang="en-US" sz="2400" b="0" i="0" dirty="0">
+                <a:solidFill>
+                  <a:schemeClr val="bg1"/>
+                </a:solidFill>
+                <a:effectLst/>
+                <a:latin typeface="-apple-system"/>
+              </a:rPr>
+              <a:t>conditional and</a:t>
+            </a:r>
+            <a:r>
+              <a:rPr lang="en-US" sz="2400" dirty="0">
+                <a:solidFill>
+                  <a:schemeClr val="bg1"/>
+                </a:solidFill>
+                <a:latin typeface="-apple-system"/>
+              </a:rPr>
+              <a:t> </a:t>
+            </a:r>
+            <a:r>
+              <a:rPr lang="en-US" sz="2400" b="0" i="0" dirty="0">
+                <a:solidFill>
+                  <a:schemeClr val="bg1"/>
+                </a:solidFill>
+                <a:effectLst/>
+                <a:latin typeface="-apple-system"/>
+              </a:rPr>
+              <a:t>cycles</a:t>
+            </a:r>
+          </a:p>
+          <a:p>
+            <a:pPr algn="l">
+              <a:lnSpc>
+                <a:spcPct val="150000"/>
+              </a:lnSpc>
+            </a:pPr>
+            <a:r>
+              <a:rPr lang="en-US" sz="2400" b="0" i="0" dirty="0">
+                <a:solidFill>
+                  <a:schemeClr val="bg1"/>
+                </a:solidFill>
+                <a:effectLst/>
+                <a:latin typeface="-apple-system"/>
+              </a:rPr>
+              <a:t>functions</a:t>
+            </a:r>
+          </a:p>
+          <a:p>
+            <a:pPr algn="l">
+              <a:lnSpc>
+                <a:spcPct val="150000"/>
+              </a:lnSpc>
+            </a:pPr>
+            <a:r>
+              <a:rPr lang="en-US" sz="2400" b="0" i="0" dirty="0">
+                <a:solidFill>
+                  <a:schemeClr val="bg1"/>
+                </a:solidFill>
+                <a:effectLst/>
+                <a:latin typeface="-apple-system"/>
+              </a:rPr>
+              <a:t>files</a:t>
+            </a:r>
+          </a:p>
+          <a:p>
+            <a:pPr algn="l">
+              <a:lnSpc>
+                <a:spcPct val="150000"/>
+              </a:lnSpc>
+            </a:pPr>
+            <a:r>
+              <a:rPr lang="en-US" sz="2400" b="0" i="0" dirty="0">
+                <a:solidFill>
+                  <a:schemeClr val="bg1"/>
+                </a:solidFill>
+                <a:effectLst/>
+                <a:latin typeface="-apple-system"/>
+              </a:rPr>
+              <a:t>variable scoping</a:t>
+            </a:r>
+          </a:p>
+          <a:p>
+            <a:pPr algn="l">
+              <a:lnSpc>
+                <a:spcPct val="150000"/>
+              </a:lnSpc>
+            </a:pPr>
+            <a:r>
+              <a:rPr lang="en-US" sz="2400" b="0" i="0" dirty="0">
+                <a:solidFill>
+                  <a:schemeClr val="bg1"/>
+                </a:solidFill>
+                <a:effectLst/>
+                <a:latin typeface="-apple-system"/>
+              </a:rPr>
+              <a:t>classes</a:t>
+            </a:r>
+          </a:p>
+          <a:p>
+            <a:pPr algn="l"/>
+            <a:r>
+              <a:rPr lang="en-US" sz="2400" b="0" i="0" dirty="0">
+                <a:solidFill>
+                  <a:schemeClr val="bg1"/>
+                </a:solidFill>
+                <a:effectLst/>
+                <a:latin typeface="-apple-system"/>
+              </a:rPr>
+              <a:t>least squares and general fits  </a:t>
+            </a:r>
+          </a:p>
+          <a:p>
+            <a:pPr algn="l">
+              <a:lnSpc>
+                <a:spcPct val="150000"/>
+              </a:lnSpc>
+            </a:pPr>
+            <a:r>
+              <a:rPr lang="en-US" sz="2400" dirty="0">
+                <a:solidFill>
+                  <a:schemeClr val="bg1"/>
+                </a:solidFill>
+                <a:latin typeface="-apple-system"/>
+              </a:rPr>
+              <a:t>M</a:t>
+            </a:r>
+            <a:r>
+              <a:rPr lang="en-US" sz="2400" b="0" i="0" dirty="0">
+                <a:solidFill>
+                  <a:schemeClr val="bg1"/>
+                </a:solidFill>
+                <a:effectLst/>
+                <a:latin typeface="-apple-system"/>
+              </a:rPr>
+              <a:t>atplotlib</a:t>
+            </a:r>
+          </a:p>
+        </p:txBody>
+      </p:sp>
+      <p:sp>
+        <p:nvSpPr>
+          <p:cNvPr id="7" name="Parentesi graffa chiusa 6">
+            <a:extLst>
+              <a:ext uri="{FF2B5EF4-FFF2-40B4-BE49-F238E27FC236}">
+                <a16:creationId xmlns:a16="http://schemas.microsoft.com/office/drawing/2014/main" id="{C854D2DF-EBE4-460D-BA04-641F12A82365}"/>
+              </a:ext>
+            </a:extLst>
+          </p:cNvPr>
+          <p:cNvSpPr/>
+          <p:nvPr/>
+        </p:nvSpPr>
+        <p:spPr>
+          <a:xfrm>
+            <a:off x="7873523" y="1708234"/>
+            <a:ext cx="310393" cy="2478973"/>
+          </a:xfrm>
+          <a:prstGeom prst="rightBrace">
+            <a:avLst/>
+          </a:prstGeom>
+          <a:ln>
+            <a:solidFill>
+              <a:schemeClr val="bg1"/>
+            </a:solidFill>
+          </a:ln>
+        </p:spPr>
+        <p:style>
+          <a:lnRef idx="1">
+            <a:schemeClr val="accent1"/>
+          </a:lnRef>
+          <a:fillRef idx="0">
+            <a:schemeClr val="accent1"/>
+          </a:fillRef>
+          <a:effectRef idx="0">
+            <a:schemeClr val="accent1"/>
+          </a:effectRef>
+          <a:fontRef idx="minor">
+            <a:schemeClr val="tx1"/>
+          </a:fontRef>
+        </p:style>
+        <p:txBody>
+          <a:bodyPr rtlCol="0" anchor="ctr"/>
+          <a:lstStyle/>
+          <a:p>
+            <a:pPr algn="ctr"/>
+            <a:endParaRPr lang="it-IT">
+              <a:solidFill>
+                <a:schemeClr val="bg1"/>
+              </a:solidFill>
+            </a:endParaRPr>
+          </a:p>
+        </p:txBody>
+      </p:sp>
+      <p:sp>
+        <p:nvSpPr>
+          <p:cNvPr id="8" name="CasellaDiTesto 7">
+            <a:extLst>
+              <a:ext uri="{FF2B5EF4-FFF2-40B4-BE49-F238E27FC236}">
+                <a16:creationId xmlns:a16="http://schemas.microsoft.com/office/drawing/2014/main" id="{F112922C-702D-4404-9F0C-CC76F25C7398}"/>
+              </a:ext>
+            </a:extLst>
+          </p:cNvPr>
+          <p:cNvSpPr txBox="1"/>
+          <p:nvPr/>
+        </p:nvSpPr>
+        <p:spPr>
+          <a:xfrm>
+            <a:off x="8425822" y="2019971"/>
+            <a:ext cx="2537251" cy="707886"/>
+          </a:xfrm>
+          <a:prstGeom prst="rect">
+            <a:avLst/>
+          </a:prstGeom>
+          <a:noFill/>
+        </p:spPr>
+        <p:txBody>
+          <a:bodyPr wrap="square" rtlCol="0">
+            <a:spAutoFit/>
+          </a:bodyPr>
+          <a:lstStyle/>
+          <a:p>
+            <a:r>
+              <a:rPr lang="it-IT" sz="2000" b="1" i="1" dirty="0">
+                <a:solidFill>
+                  <a:schemeClr val="bg1"/>
+                </a:solidFill>
+              </a:rPr>
+              <a:t>Basic </a:t>
+            </a:r>
+            <a:r>
+              <a:rPr lang="it-IT" sz="2000" b="1" i="1" dirty="0" err="1">
+                <a:solidFill>
+                  <a:schemeClr val="bg1"/>
+                </a:solidFill>
+              </a:rPr>
+              <a:t>elements</a:t>
+            </a:r>
+            <a:r>
+              <a:rPr lang="it-IT" sz="2000" b="1" i="1" dirty="0">
+                <a:solidFill>
+                  <a:schemeClr val="bg1"/>
+                </a:solidFill>
+              </a:rPr>
+              <a:t> of the</a:t>
+            </a:r>
+          </a:p>
+          <a:p>
+            <a:r>
+              <a:rPr lang="it-IT" sz="2000" b="1" i="1" dirty="0" err="1">
+                <a:solidFill>
+                  <a:schemeClr val="bg1"/>
+                </a:solidFill>
+              </a:rPr>
+              <a:t>language</a:t>
+            </a:r>
+            <a:endParaRPr lang="it-IT" sz="2000" b="1" i="1" dirty="0">
+              <a:solidFill>
+                <a:schemeClr val="bg1"/>
+              </a:solidFill>
+            </a:endParaRPr>
+          </a:p>
+        </p:txBody>
+      </p:sp>
+      <p:sp>
+        <p:nvSpPr>
+          <p:cNvPr id="9" name="CasellaDiTesto 8">
+            <a:extLst>
+              <a:ext uri="{FF2B5EF4-FFF2-40B4-BE49-F238E27FC236}">
+                <a16:creationId xmlns:a16="http://schemas.microsoft.com/office/drawing/2014/main" id="{220C37C4-2970-4E63-A684-8E276B2A8FA5}"/>
+              </a:ext>
+            </a:extLst>
+          </p:cNvPr>
+          <p:cNvSpPr txBox="1"/>
+          <p:nvPr/>
+        </p:nvSpPr>
+        <p:spPr>
+          <a:xfrm>
+            <a:off x="368843" y="4187207"/>
+            <a:ext cx="3458191" cy="707886"/>
+          </a:xfrm>
+          <a:prstGeom prst="rect">
+            <a:avLst/>
+          </a:prstGeom>
+          <a:noFill/>
+        </p:spPr>
+        <p:txBody>
+          <a:bodyPr wrap="none" rtlCol="0">
+            <a:spAutoFit/>
+          </a:bodyPr>
+          <a:lstStyle/>
+          <a:p>
+            <a:r>
+              <a:rPr lang="it-IT" sz="2000" b="1" i="1" dirty="0">
+                <a:solidFill>
+                  <a:schemeClr val="bg1"/>
+                </a:solidFill>
+              </a:rPr>
+              <a:t>Object </a:t>
+            </a:r>
+            <a:r>
+              <a:rPr lang="it-IT" sz="2000" b="1" i="1" dirty="0" err="1">
+                <a:solidFill>
+                  <a:schemeClr val="bg1"/>
+                </a:solidFill>
+              </a:rPr>
+              <a:t>Oriented</a:t>
+            </a:r>
+            <a:r>
+              <a:rPr lang="it-IT" sz="2000" b="1" i="1" dirty="0">
+                <a:solidFill>
+                  <a:schemeClr val="bg1"/>
+                </a:solidFill>
+              </a:rPr>
+              <a:t> Programming</a:t>
+            </a:r>
+          </a:p>
+          <a:p>
+            <a:r>
+              <a:rPr lang="it-IT" sz="2000" b="1" i="1" dirty="0" err="1">
+                <a:solidFill>
+                  <a:schemeClr val="bg1"/>
+                </a:solidFill>
+              </a:rPr>
+              <a:t>Structuring</a:t>
+            </a:r>
+            <a:r>
+              <a:rPr lang="it-IT" sz="2000" b="1" i="1" dirty="0">
+                <a:solidFill>
+                  <a:schemeClr val="bg1"/>
+                </a:solidFill>
+              </a:rPr>
+              <a:t> the code</a:t>
+            </a:r>
+          </a:p>
+        </p:txBody>
+      </p:sp>
+      <p:sp>
+        <p:nvSpPr>
+          <p:cNvPr id="10" name="Parentesi graffa chiusa 9">
+            <a:extLst>
+              <a:ext uri="{FF2B5EF4-FFF2-40B4-BE49-F238E27FC236}">
+                <a16:creationId xmlns:a16="http://schemas.microsoft.com/office/drawing/2014/main" id="{2426DE13-0A93-40C8-B4C5-164241F577A6}"/>
+              </a:ext>
+            </a:extLst>
+          </p:cNvPr>
+          <p:cNvSpPr/>
+          <p:nvPr/>
+        </p:nvSpPr>
+        <p:spPr>
+          <a:xfrm>
+            <a:off x="7873523" y="4815191"/>
+            <a:ext cx="310393" cy="1248624"/>
+          </a:xfrm>
+          <a:prstGeom prst="rightBrace">
+            <a:avLst/>
+          </a:prstGeom>
+          <a:ln>
+            <a:solidFill>
+              <a:schemeClr val="bg1"/>
+            </a:solidFill>
+          </a:ln>
+        </p:spPr>
+        <p:style>
+          <a:lnRef idx="1">
+            <a:schemeClr val="accent1"/>
+          </a:lnRef>
+          <a:fillRef idx="0">
+            <a:schemeClr val="accent1"/>
+          </a:fillRef>
+          <a:effectRef idx="0">
+            <a:schemeClr val="accent1"/>
+          </a:effectRef>
+          <a:fontRef idx="minor">
+            <a:schemeClr val="tx1"/>
+          </a:fontRef>
+        </p:style>
+        <p:txBody>
+          <a:bodyPr rtlCol="0" anchor="ctr"/>
+          <a:lstStyle/>
+          <a:p>
+            <a:pPr algn="ctr"/>
+            <a:endParaRPr lang="it-IT"/>
+          </a:p>
+        </p:txBody>
+      </p:sp>
+      <p:sp>
+        <p:nvSpPr>
+          <p:cNvPr id="11" name="CasellaDiTesto 10">
+            <a:extLst>
+              <a:ext uri="{FF2B5EF4-FFF2-40B4-BE49-F238E27FC236}">
+                <a16:creationId xmlns:a16="http://schemas.microsoft.com/office/drawing/2014/main" id="{E78D4714-F075-45A8-8B98-02B94F849630}"/>
+              </a:ext>
+            </a:extLst>
+          </p:cNvPr>
+          <p:cNvSpPr txBox="1"/>
+          <p:nvPr/>
+        </p:nvSpPr>
+        <p:spPr>
+          <a:xfrm>
+            <a:off x="8371119" y="4937890"/>
+            <a:ext cx="2830070" cy="400110"/>
+          </a:xfrm>
+          <a:prstGeom prst="rect">
+            <a:avLst/>
+          </a:prstGeom>
+          <a:noFill/>
+        </p:spPr>
+        <p:txBody>
+          <a:bodyPr wrap="none" rtlCol="0">
+            <a:spAutoFit/>
+          </a:bodyPr>
+          <a:lstStyle/>
+          <a:p>
+            <a:r>
+              <a:rPr lang="it-IT" sz="2000" b="1" i="1" dirty="0">
+                <a:solidFill>
+                  <a:schemeClr val="bg1"/>
+                </a:solidFill>
+              </a:rPr>
+              <a:t>Some </a:t>
+            </a:r>
+            <a:r>
+              <a:rPr lang="it-IT" sz="2000" b="1" i="1" dirty="0" err="1">
+                <a:solidFill>
+                  <a:schemeClr val="bg1"/>
+                </a:solidFill>
+              </a:rPr>
+              <a:t>specialized</a:t>
+            </a:r>
+            <a:r>
+              <a:rPr lang="it-IT" sz="2000" b="1" i="1" dirty="0">
+                <a:solidFill>
+                  <a:schemeClr val="bg1"/>
+                </a:solidFill>
+              </a:rPr>
+              <a:t> </a:t>
+            </a:r>
+            <a:r>
+              <a:rPr lang="it-IT" sz="2000" b="1" i="1" dirty="0" err="1">
+                <a:solidFill>
+                  <a:schemeClr val="bg1"/>
+                </a:solidFill>
+              </a:rPr>
+              <a:t>aspects</a:t>
+            </a:r>
+            <a:endParaRPr lang="it-IT" sz="2000" b="1" i="1" dirty="0">
+              <a:solidFill>
+                <a:schemeClr val="bg1"/>
+              </a:solidFill>
+            </a:endParaRPr>
+          </a:p>
+        </p:txBody>
+      </p:sp>
+      <p:sp>
+        <p:nvSpPr>
+          <p:cNvPr id="12" name="CasellaDiTesto 11">
+            <a:extLst>
+              <a:ext uri="{FF2B5EF4-FFF2-40B4-BE49-F238E27FC236}">
+                <a16:creationId xmlns:a16="http://schemas.microsoft.com/office/drawing/2014/main" id="{108C67AC-5693-442B-8687-5E033A13D1C0}"/>
+              </a:ext>
+            </a:extLst>
+          </p:cNvPr>
+          <p:cNvSpPr txBox="1"/>
+          <p:nvPr/>
+        </p:nvSpPr>
+        <p:spPr>
+          <a:xfrm>
+            <a:off x="8425822" y="3030067"/>
+            <a:ext cx="3119315" cy="707886"/>
+          </a:xfrm>
+          <a:prstGeom prst="rect">
+            <a:avLst/>
+          </a:prstGeom>
+          <a:noFill/>
+        </p:spPr>
+        <p:txBody>
+          <a:bodyPr wrap="none" rtlCol="0">
+            <a:spAutoFit/>
+          </a:bodyPr>
+          <a:lstStyle/>
+          <a:p>
+            <a:r>
+              <a:rPr lang="it-IT" sz="2000" b="1" i="1" dirty="0">
+                <a:solidFill>
+                  <a:schemeClr val="bg1"/>
+                </a:solidFill>
+              </a:rPr>
+              <a:t>Python, </a:t>
+            </a:r>
+            <a:r>
+              <a:rPr lang="it-IT" sz="2000" b="1" i="1" dirty="0" err="1">
+                <a:solidFill>
+                  <a:schemeClr val="bg1"/>
+                </a:solidFill>
+              </a:rPr>
+              <a:t>Numpy</a:t>
+            </a:r>
+            <a:r>
+              <a:rPr lang="it-IT" sz="2000" b="1" i="1" dirty="0">
+                <a:solidFill>
+                  <a:schemeClr val="bg1"/>
+                </a:solidFill>
+              </a:rPr>
+              <a:t>, </a:t>
+            </a:r>
+            <a:r>
+              <a:rPr lang="it-IT" sz="2000" b="1" i="1" dirty="0" err="1">
+                <a:solidFill>
+                  <a:schemeClr val="bg1"/>
+                </a:solidFill>
+              </a:rPr>
+              <a:t>Matplotlib</a:t>
+            </a:r>
+            <a:r>
+              <a:rPr lang="it-IT" sz="2000" b="1" i="1" dirty="0">
+                <a:solidFill>
+                  <a:schemeClr val="bg1"/>
+                </a:solidFill>
+              </a:rPr>
+              <a:t> </a:t>
+            </a:r>
+          </a:p>
+          <a:p>
+            <a:r>
+              <a:rPr lang="it-IT" sz="2000" b="1" i="1" dirty="0">
+                <a:solidFill>
+                  <a:schemeClr val="bg1"/>
+                </a:solidFill>
+              </a:rPr>
+              <a:t>(</a:t>
+            </a:r>
+            <a:r>
+              <a:rPr lang="it-IT" sz="2000" b="1" i="1" dirty="0" err="1">
+                <a:solidFill>
+                  <a:schemeClr val="bg1"/>
+                </a:solidFill>
+              </a:rPr>
+              <a:t>Pandas</a:t>
+            </a:r>
+            <a:r>
+              <a:rPr lang="it-IT" sz="2000" b="1" i="1" dirty="0">
+                <a:solidFill>
+                  <a:schemeClr val="bg1"/>
+                </a:solidFill>
+              </a:rPr>
+              <a:t>)</a:t>
+            </a:r>
+          </a:p>
+        </p:txBody>
+      </p:sp>
+      <p:sp>
+        <p:nvSpPr>
+          <p:cNvPr id="13" name="CasellaDiTesto 12">
+            <a:extLst>
+              <a:ext uri="{FF2B5EF4-FFF2-40B4-BE49-F238E27FC236}">
+                <a16:creationId xmlns:a16="http://schemas.microsoft.com/office/drawing/2014/main" id="{C3BA95E5-552A-4E90-8266-25D3235A0EEF}"/>
+              </a:ext>
+            </a:extLst>
+          </p:cNvPr>
+          <p:cNvSpPr txBox="1"/>
+          <p:nvPr/>
+        </p:nvSpPr>
+        <p:spPr>
+          <a:xfrm>
+            <a:off x="8371119" y="5439503"/>
+            <a:ext cx="877484" cy="400110"/>
+          </a:xfrm>
+          <a:prstGeom prst="rect">
+            <a:avLst/>
+          </a:prstGeom>
+          <a:noFill/>
+        </p:spPr>
+        <p:txBody>
+          <a:bodyPr wrap="none" rtlCol="0">
+            <a:spAutoFit/>
+          </a:bodyPr>
+          <a:lstStyle/>
+          <a:p>
+            <a:r>
+              <a:rPr lang="it-IT" sz="2000" b="1" i="1" dirty="0">
+                <a:solidFill>
+                  <a:schemeClr val="bg1"/>
+                </a:solidFill>
+              </a:rPr>
+              <a:t>(</a:t>
+            </a:r>
+            <a:r>
+              <a:rPr lang="it-IT" sz="2000" b="1" i="1" dirty="0" err="1">
+                <a:solidFill>
+                  <a:schemeClr val="bg1"/>
+                </a:solidFill>
+              </a:rPr>
+              <a:t>Scipy</a:t>
+            </a:r>
+            <a:r>
+              <a:rPr lang="it-IT" sz="2000" b="1" i="1" dirty="0">
+                <a:solidFill>
+                  <a:schemeClr val="bg1"/>
+                </a:solidFill>
+              </a:rPr>
+              <a:t>)</a:t>
+            </a:r>
+          </a:p>
+        </p:txBody>
+      </p:sp>
+      <p:cxnSp>
+        <p:nvCxnSpPr>
+          <p:cNvPr id="4" name="Connettore 2 3">
+            <a:extLst>
+              <a:ext uri="{FF2B5EF4-FFF2-40B4-BE49-F238E27FC236}">
+                <a16:creationId xmlns:a16="http://schemas.microsoft.com/office/drawing/2014/main" id="{48DFC93E-98C3-41B1-BC19-77FCEDB3869B}"/>
+              </a:ext>
+            </a:extLst>
+          </p:cNvPr>
+          <p:cNvCxnSpPr/>
+          <p:nvPr/>
+        </p:nvCxnSpPr>
+        <p:spPr>
+          <a:xfrm>
+            <a:off x="3827034" y="4536490"/>
+            <a:ext cx="682822" cy="0"/>
+          </a:xfrm>
+          <a:prstGeom prst="straightConnector1">
+            <a:avLst/>
+          </a:prstGeom>
+          <a:ln w="25400">
+            <a:solidFill>
+              <a:schemeClr val="bg1"/>
+            </a:solidFill>
+            <a:tailEnd type="triangle"/>
+          </a:ln>
+        </p:spPr>
+        <p:style>
+          <a:lnRef idx="1">
+            <a:schemeClr val="accent1"/>
+          </a:lnRef>
+          <a:fillRef idx="0">
+            <a:schemeClr val="accent1"/>
+          </a:fillRef>
+          <a:effectRef idx="0">
+            <a:schemeClr val="accent1"/>
+          </a:effectRef>
+          <a:fontRef idx="minor">
+            <a:schemeClr val="tx1"/>
+          </a:fontRef>
+        </p:style>
+      </p:cxnSp>
+    </p:spTree>
+    <p:extLst>
+      <p:ext uri="{BB962C8B-B14F-4D97-AF65-F5344CB8AC3E}">
+        <p14:creationId xmlns:p14="http://schemas.microsoft.com/office/powerpoint/2010/main" val="1575887188"/>
+      </p:ext>
+    </p:extLst>
+  </p:cSld>
+  <p:clrMapOvr>
+    <a:masterClrMapping/>
+  </p:clrMapOvr>
+</p:sld>
+</file>
+
 <file path=ppt/slides/slide2.xml><?xml version="1.0" encoding="utf-8"?>
 <p:sld xmlns:a="http://schemas.openxmlformats.org/drawingml/2006/main" xmlns:r="http://schemas.openxmlformats.org/officeDocument/2006/relationships" xmlns:p="http://schemas.openxmlformats.org/presentationml/2006/main">
   <p:cSld>
@@ -3563,7 +4917,7 @@
         <p:spPr>
           <a:xfrm>
             <a:off x="1015069" y="746620"/>
-            <a:ext cx="5285806" cy="369332"/>
+            <a:ext cx="8343181" cy="523220"/>
           </a:xfrm>
           <a:prstGeom prst="rect">
             <a:avLst/>
@@ -3577,47 +4931,91 @@
           <a:lstStyle/>
           <a:p>
             <a:r>
-              <a:rPr lang="it-IT" i="1" dirty="0"/>
+              <a:rPr lang="it-IT" sz="2800" b="1" i="1" dirty="0">
+                <a:solidFill>
+                  <a:schemeClr val="bg1"/>
+                </a:solidFill>
+              </a:rPr>
               <a:t>Some of </a:t>
             </a:r>
             <a:r>
-              <a:rPr lang="it-IT" i="1" dirty="0" err="1"/>
+              <a:rPr lang="it-IT" sz="2800" b="1" i="1" dirty="0" err="1">
+                <a:solidFill>
+                  <a:schemeClr val="bg1"/>
+                </a:solidFill>
+              </a:rPr>
               <a:t>your</a:t>
             </a:r>
             <a:r>
-              <a:rPr lang="it-IT" i="1" dirty="0"/>
+              <a:rPr lang="it-IT" sz="2800" b="1" i="1" dirty="0">
+                <a:solidFill>
+                  <a:schemeClr val="bg1"/>
+                </a:solidFill>
+              </a:rPr>
               <a:t> </a:t>
             </a:r>
             <a:r>
-              <a:rPr lang="it-IT" i="1" dirty="0" err="1"/>
+              <a:rPr lang="it-IT" sz="2800" b="1" i="1" dirty="0" err="1">
+                <a:solidFill>
+                  <a:schemeClr val="bg1"/>
+                </a:solidFill>
+              </a:rPr>
               <a:t>possible</a:t>
             </a:r>
             <a:r>
-              <a:rPr lang="it-IT" i="1" dirty="0"/>
+              <a:rPr lang="it-IT" sz="2800" b="1" i="1" dirty="0">
+                <a:solidFill>
+                  <a:schemeClr val="bg1"/>
+                </a:solidFill>
+              </a:rPr>
               <a:t> </a:t>
             </a:r>
             <a:r>
-              <a:rPr lang="it-IT" i="1" dirty="0" err="1"/>
+              <a:rPr lang="it-IT" sz="2800" b="1" i="1" dirty="0" err="1">
+                <a:solidFill>
+                  <a:schemeClr val="bg1"/>
+                </a:solidFill>
+              </a:rPr>
               <a:t>motivations</a:t>
             </a:r>
             <a:r>
-              <a:rPr lang="it-IT" i="1" dirty="0"/>
+              <a:rPr lang="it-IT" sz="2800" b="1" i="1" dirty="0">
+                <a:solidFill>
+                  <a:schemeClr val="bg1"/>
+                </a:solidFill>
+              </a:rPr>
               <a:t> to take </a:t>
             </a:r>
             <a:r>
-              <a:rPr lang="it-IT" i="1" dirty="0" err="1"/>
+              <a:rPr lang="it-IT" sz="2800" b="1" i="1" dirty="0" err="1">
+                <a:solidFill>
+                  <a:schemeClr val="bg1"/>
+                </a:solidFill>
+              </a:rPr>
               <a:t>this</a:t>
             </a:r>
             <a:r>
-              <a:rPr lang="it-IT" i="1" dirty="0"/>
+              <a:rPr lang="it-IT" sz="2800" b="1" i="1" dirty="0">
+                <a:solidFill>
+                  <a:schemeClr val="bg1"/>
+                </a:solidFill>
+              </a:rPr>
               <a:t> </a:t>
             </a:r>
             <a:r>
-              <a:rPr lang="it-IT" i="1" dirty="0" err="1"/>
+              <a:rPr lang="it-IT" sz="2800" b="1" i="1" dirty="0" err="1">
+                <a:solidFill>
+                  <a:schemeClr val="bg1"/>
+                </a:solidFill>
+              </a:rPr>
               <a:t>course</a:t>
             </a:r>
             <a:r>
-              <a:rPr lang="it-IT" i="1" dirty="0"/>
+              <a:rPr lang="it-IT" sz="2800" b="1" i="1" dirty="0">
+                <a:solidFill>
+                  <a:schemeClr val="bg1"/>
+                </a:solidFill>
+              </a:rPr>
               <a:t>…</a:t>
             </a:r>
           </a:p>
@@ -3637,8 +5035,8 @@
         </p:nvSpPr>
         <p:spPr>
           <a:xfrm>
-            <a:off x="1015069" y="2413066"/>
-            <a:ext cx="9756902" cy="1477328"/>
+            <a:off x="929344" y="2291139"/>
+            <a:ext cx="9609741" cy="2677656"/>
           </a:xfrm>
           <a:prstGeom prst="rect">
             <a:avLst/>
@@ -3646,197 +5044,345 @@
           <a:noFill/>
         </p:spPr>
         <p:txBody>
-          <a:bodyPr wrap="none" rtlCol="0">
+          <a:bodyPr wrap="square" rtlCol="0">
             <a:spAutoFit/>
           </a:bodyPr>
           <a:lstStyle/>
           <a:p>
-            <a:pPr marL="285750" indent="-285750">
-              <a:buFont typeface="Courier New" panose="02070309020205020404" pitchFamily="49" charset="0"/>
-              <a:buChar char="o"/>
-            </a:pPr>
-            <a:r>
-              <a:rPr lang="it-IT" dirty="0" err="1"/>
+            <a:r>
+              <a:rPr lang="it-IT" sz="2400" b="1" dirty="0" err="1">
+                <a:solidFill>
+                  <a:schemeClr val="bg1"/>
+                </a:solidFill>
+              </a:rPr>
               <a:t>Because</a:t>
             </a:r>
             <a:r>
-              <a:rPr lang="it-IT" dirty="0"/>
+              <a:rPr lang="it-IT" sz="2400" b="1" dirty="0">
+                <a:solidFill>
+                  <a:schemeClr val="bg1"/>
+                </a:solidFill>
+              </a:rPr>
               <a:t> </a:t>
             </a:r>
             <a:r>
-              <a:rPr lang="it-IT" dirty="0" err="1"/>
+              <a:rPr lang="it-IT" sz="2400" b="1" dirty="0" err="1">
+                <a:solidFill>
+                  <a:schemeClr val="bg1"/>
+                </a:solidFill>
+              </a:rPr>
               <a:t>it’s</a:t>
             </a:r>
             <a:r>
-              <a:rPr lang="it-IT" dirty="0"/>
+              <a:rPr lang="it-IT" sz="2400" b="1" dirty="0">
+                <a:solidFill>
+                  <a:schemeClr val="bg1"/>
+                </a:solidFill>
+              </a:rPr>
               <a:t> </a:t>
             </a:r>
             <a:r>
-              <a:rPr lang="it-IT" dirty="0" err="1"/>
+              <a:rPr lang="it-IT" sz="2400" b="1" i="1" dirty="0" err="1">
+                <a:solidFill>
+                  <a:schemeClr val="bg1"/>
+                </a:solidFill>
+              </a:rPr>
               <a:t>fun</a:t>
             </a:r>
             <a:r>
-              <a:rPr lang="it-IT" dirty="0"/>
+              <a:rPr lang="it-IT" sz="2400" b="1" dirty="0">
+                <a:solidFill>
+                  <a:schemeClr val="bg1"/>
+                </a:solidFill>
+              </a:rPr>
               <a:t>;</a:t>
             </a:r>
           </a:p>
           <a:p>
-            <a:endParaRPr lang="it-IT" dirty="0"/>
-          </a:p>
-          <a:p>
-            <a:pPr marL="285750" indent="-285750">
-              <a:buFont typeface="Courier New" panose="02070309020205020404" pitchFamily="49" charset="0"/>
-              <a:buChar char="o"/>
-            </a:pPr>
-            <a:r>
-              <a:rPr lang="it-IT" dirty="0" err="1"/>
+            <a:endParaRPr lang="it-IT" sz="2400" b="1" dirty="0">
+              <a:solidFill>
+                <a:schemeClr val="bg1"/>
+              </a:solidFill>
+            </a:endParaRPr>
+          </a:p>
+          <a:p>
+            <a:r>
+              <a:rPr lang="it-IT" sz="2400" b="1" dirty="0" err="1">
+                <a:solidFill>
+                  <a:schemeClr val="bg1"/>
+                </a:solidFill>
+              </a:rPr>
               <a:t>because</a:t>
             </a:r>
             <a:r>
-              <a:rPr lang="it-IT" dirty="0"/>
+              <a:rPr lang="it-IT" sz="2400" b="1" dirty="0">
+                <a:solidFill>
+                  <a:schemeClr val="bg1"/>
+                </a:solidFill>
+              </a:rPr>
+              <a:t> it </a:t>
+            </a:r>
+            <a:r>
+              <a:rPr lang="it-IT" sz="2400" b="1" dirty="0" err="1">
+                <a:solidFill>
+                  <a:schemeClr val="bg1"/>
+                </a:solidFill>
+              </a:rPr>
+              <a:t>will</a:t>
+            </a:r>
+            <a:r>
+              <a:rPr lang="it-IT" sz="2400" b="1" dirty="0">
+                <a:solidFill>
+                  <a:schemeClr val="bg1"/>
+                </a:solidFill>
+              </a:rPr>
               <a:t> </a:t>
             </a:r>
             <a:r>
-              <a:rPr lang="it-IT" dirty="0" err="1"/>
-              <a:t>it</a:t>
-            </a:r>
-            <a:r>
-              <a:rPr lang="it-IT" dirty="0"/>
+              <a:rPr lang="it-IT" sz="2400" b="1" dirty="0" err="1">
+                <a:solidFill>
+                  <a:schemeClr val="bg1"/>
+                </a:solidFill>
+              </a:rPr>
+              <a:t>eventually</a:t>
+            </a:r>
+            <a:r>
+              <a:rPr lang="it-IT" sz="2400" b="1" dirty="0">
+                <a:solidFill>
+                  <a:schemeClr val="bg1"/>
+                </a:solidFill>
+              </a:rPr>
+              <a:t> free </a:t>
+            </a:r>
+            <a:r>
+              <a:rPr lang="it-IT" sz="2400" b="1" dirty="0" err="1">
+                <a:solidFill>
+                  <a:schemeClr val="bg1"/>
+                </a:solidFill>
+              </a:rPr>
+              <a:t>you</a:t>
+            </a:r>
+            <a:r>
+              <a:rPr lang="it-IT" sz="2400" b="1" dirty="0">
+                <a:solidFill>
+                  <a:schemeClr val="bg1"/>
+                </a:solidFill>
+              </a:rPr>
+              <a:t> by the </a:t>
+            </a:r>
+            <a:r>
+              <a:rPr lang="it-IT" sz="2400" b="1" i="1" dirty="0" err="1">
+                <a:solidFill>
+                  <a:schemeClr val="bg1"/>
+                </a:solidFill>
+              </a:rPr>
+              <a:t>slavery</a:t>
+            </a:r>
+            <a:r>
+              <a:rPr lang="it-IT" sz="2400" b="1" dirty="0">
+                <a:solidFill>
+                  <a:schemeClr val="bg1"/>
+                </a:solidFill>
+              </a:rPr>
+              <a:t> and </a:t>
+            </a:r>
+            <a:r>
+              <a:rPr lang="it-IT" sz="2400" b="1" dirty="0" err="1">
+                <a:solidFill>
+                  <a:schemeClr val="bg1"/>
+                </a:solidFill>
+              </a:rPr>
+              <a:t>dependence</a:t>
+            </a:r>
+            <a:r>
+              <a:rPr lang="it-IT" sz="2400" b="1" dirty="0">
+                <a:solidFill>
+                  <a:schemeClr val="bg1"/>
+                </a:solidFill>
+              </a:rPr>
+              <a:t> from </a:t>
+            </a:r>
+            <a:r>
+              <a:rPr lang="it-IT" sz="2400" b="1" dirty="0" err="1">
+                <a:solidFill>
+                  <a:schemeClr val="bg1"/>
+                </a:solidFill>
+              </a:rPr>
+              <a:t>programs</a:t>
+            </a:r>
+            <a:r>
+              <a:rPr lang="it-IT" sz="2400" b="1" dirty="0">
+                <a:solidFill>
+                  <a:schemeClr val="bg1"/>
+                </a:solidFill>
+              </a:rPr>
               <a:t> </a:t>
             </a:r>
             <a:r>
-              <a:rPr lang="it-IT" dirty="0" err="1"/>
-              <a:t>will</a:t>
-            </a:r>
-            <a:r>
-              <a:rPr lang="it-IT" dirty="0"/>
+              <a:rPr lang="it-IT" sz="2400" b="1" dirty="0" err="1">
+                <a:solidFill>
+                  <a:schemeClr val="bg1"/>
+                </a:solidFill>
+              </a:rPr>
+              <a:t>written</a:t>
+            </a:r>
+            <a:r>
+              <a:rPr lang="it-IT" sz="2400" b="1" dirty="0">
+                <a:solidFill>
+                  <a:schemeClr val="bg1"/>
+                </a:solidFill>
+              </a:rPr>
+              <a:t> by </a:t>
+            </a:r>
+            <a:r>
+              <a:rPr lang="it-IT" sz="2400" b="1" dirty="0" err="1">
+                <a:solidFill>
+                  <a:schemeClr val="bg1"/>
+                </a:solidFill>
+              </a:rPr>
+              <a:t>others</a:t>
+            </a:r>
+            <a:endParaRPr lang="it-IT" sz="2400" b="1" dirty="0">
+              <a:solidFill>
+                <a:schemeClr val="bg1"/>
+              </a:solidFill>
+            </a:endParaRPr>
+          </a:p>
+          <a:p>
+            <a:endParaRPr lang="it-IT" sz="2400" b="1" dirty="0">
+              <a:solidFill>
+                <a:schemeClr val="bg1"/>
+              </a:solidFill>
+            </a:endParaRPr>
+          </a:p>
+          <a:p>
+            <a:r>
+              <a:rPr lang="it-IT" sz="2400" b="1" dirty="0" err="1">
+                <a:solidFill>
+                  <a:schemeClr val="bg1"/>
+                </a:solidFill>
+              </a:rPr>
+              <a:t>because</a:t>
+            </a:r>
+            <a:r>
+              <a:rPr lang="it-IT" sz="2400" b="1" dirty="0">
+                <a:solidFill>
+                  <a:schemeClr val="bg1"/>
+                </a:solidFill>
+              </a:rPr>
               <a:t> </a:t>
             </a:r>
             <a:r>
-              <a:rPr lang="it-IT" dirty="0" err="1"/>
-              <a:t>eventually</a:t>
-            </a:r>
-            <a:r>
-              <a:rPr lang="it-IT" dirty="0"/>
-              <a:t> free </a:t>
-            </a:r>
-            <a:r>
-              <a:rPr lang="it-IT" dirty="0" err="1"/>
+              <a:rPr lang="it-IT" sz="2400" b="1" dirty="0" err="1">
+                <a:solidFill>
+                  <a:schemeClr val="bg1"/>
+                </a:solidFill>
+              </a:rPr>
               <a:t>you</a:t>
             </a:r>
             <a:r>
-              <a:rPr lang="it-IT" dirty="0"/>
-              <a:t> by the </a:t>
-            </a:r>
-            <a:r>
-              <a:rPr lang="it-IT" i="1" dirty="0" err="1"/>
-              <a:t>slavery</a:t>
-            </a:r>
-            <a:r>
-              <a:rPr lang="it-IT" dirty="0"/>
-              <a:t> and </a:t>
-            </a:r>
-            <a:r>
-              <a:rPr lang="it-IT" dirty="0" err="1"/>
-              <a:t>dependence</a:t>
-            </a:r>
-            <a:r>
-              <a:rPr lang="it-IT" dirty="0"/>
-              <a:t> from </a:t>
-            </a:r>
-            <a:r>
-              <a:rPr lang="it-IT" dirty="0" err="1"/>
+              <a:rPr lang="it-IT" sz="2400" b="1" dirty="0">
+                <a:solidFill>
+                  <a:schemeClr val="bg1"/>
+                </a:solidFill>
+              </a:rPr>
+              <a:t> </a:t>
+            </a:r>
+            <a:r>
+              <a:rPr lang="it-IT" sz="2400" b="1" dirty="0" err="1">
+                <a:solidFill>
+                  <a:schemeClr val="bg1"/>
+                </a:solidFill>
+              </a:rPr>
+              <a:t>would</a:t>
+            </a:r>
+            <a:r>
+              <a:rPr lang="it-IT" sz="2400" b="1" dirty="0">
+                <a:solidFill>
+                  <a:schemeClr val="bg1"/>
+                </a:solidFill>
+              </a:rPr>
+              <a:t> like to </a:t>
+            </a:r>
+            <a:r>
+              <a:rPr lang="it-IT" sz="2400" b="1" dirty="0" err="1">
+                <a:solidFill>
+                  <a:schemeClr val="bg1"/>
+                </a:solidFill>
+              </a:rPr>
+              <a:t>understand</a:t>
+            </a:r>
+            <a:r>
+              <a:rPr lang="it-IT" sz="2400" b="1" dirty="0">
+                <a:solidFill>
+                  <a:schemeClr val="bg1"/>
+                </a:solidFill>
+              </a:rPr>
+              <a:t> </a:t>
+            </a:r>
+            <a:r>
+              <a:rPr lang="it-IT" sz="2400" b="1" dirty="0" err="1">
+                <a:solidFill>
+                  <a:schemeClr val="bg1"/>
+                </a:solidFill>
+              </a:rPr>
+              <a:t>what</a:t>
+            </a:r>
+            <a:r>
+              <a:rPr lang="it-IT" sz="2400" b="1" dirty="0">
+                <a:solidFill>
+                  <a:schemeClr val="bg1"/>
+                </a:solidFill>
+              </a:rPr>
+              <a:t> </a:t>
+            </a:r>
+            <a:r>
+              <a:rPr lang="it-IT" sz="2400" b="1" dirty="0" err="1">
+                <a:solidFill>
+                  <a:schemeClr val="bg1"/>
+                </a:solidFill>
+              </a:rPr>
               <a:t>programs</a:t>
             </a:r>
             <a:r>
-              <a:rPr lang="it-IT" dirty="0"/>
+              <a:rPr lang="it-IT" sz="2400" b="1" dirty="0">
+                <a:solidFill>
+                  <a:schemeClr val="bg1"/>
+                </a:solidFill>
+              </a:rPr>
               <a:t> </a:t>
             </a:r>
             <a:r>
-              <a:rPr lang="it-IT" dirty="0" err="1"/>
-              <a:t>written</a:t>
-            </a:r>
-            <a:r>
-              <a:rPr lang="it-IT" dirty="0"/>
-              <a:t> by </a:t>
-            </a:r>
-            <a:r>
-              <a:rPr lang="it-IT" dirty="0" err="1"/>
-              <a:t>others</a:t>
-            </a:r>
-            <a:endParaRPr lang="it-IT" dirty="0"/>
-          </a:p>
-          <a:p>
-            <a:endParaRPr lang="it-IT" dirty="0"/>
-          </a:p>
-          <a:p>
-            <a:pPr marL="285750" indent="-285750">
-              <a:buFont typeface="Courier New" panose="02070309020205020404" pitchFamily="49" charset="0"/>
-              <a:buChar char="o"/>
-            </a:pPr>
-            <a:r>
-              <a:rPr lang="it-IT" dirty="0" err="1"/>
-              <a:t>because</a:t>
-            </a:r>
-            <a:r>
-              <a:rPr lang="it-IT" dirty="0"/>
-              <a:t> </a:t>
-            </a:r>
-            <a:r>
-              <a:rPr lang="it-IT" dirty="0" err="1"/>
-              <a:t>you</a:t>
-            </a:r>
-            <a:r>
-              <a:rPr lang="it-IT" dirty="0"/>
-              <a:t> </a:t>
-            </a:r>
-            <a:r>
-              <a:rPr lang="it-IT" dirty="0" err="1"/>
-              <a:t>would</a:t>
-            </a:r>
-            <a:r>
-              <a:rPr lang="it-IT" dirty="0"/>
-              <a:t> like to </a:t>
-            </a:r>
-            <a:r>
-              <a:rPr lang="it-IT" dirty="0" err="1"/>
-              <a:t>understand</a:t>
-            </a:r>
-            <a:r>
-              <a:rPr lang="it-IT" dirty="0"/>
-              <a:t> </a:t>
-            </a:r>
-            <a:r>
-              <a:rPr lang="it-IT" dirty="0" err="1"/>
-              <a:t>what</a:t>
-            </a:r>
-            <a:r>
-              <a:rPr lang="it-IT" dirty="0"/>
-              <a:t> </a:t>
-            </a:r>
-            <a:r>
-              <a:rPr lang="it-IT" dirty="0" err="1"/>
-              <a:t>programs</a:t>
-            </a:r>
-            <a:r>
-              <a:rPr lang="it-IT" dirty="0"/>
-              <a:t>, </a:t>
-            </a:r>
-            <a:r>
-              <a:rPr lang="it-IT" dirty="0" err="1"/>
-              <a:t>you</a:t>
-            </a:r>
-            <a:r>
-              <a:rPr lang="it-IT" dirty="0"/>
-              <a:t> </a:t>
-            </a:r>
-            <a:r>
-              <a:rPr lang="it-IT" dirty="0" err="1"/>
-              <a:t>already</a:t>
-            </a:r>
-            <a:r>
-              <a:rPr lang="it-IT" dirty="0"/>
-              <a:t> use, do   </a:t>
+              <a:rPr lang="it-IT" sz="2400" b="1" dirty="0" err="1">
+                <a:solidFill>
+                  <a:schemeClr val="bg1"/>
+                </a:solidFill>
+              </a:rPr>
+              <a:t>really</a:t>
+            </a:r>
+            <a:r>
+              <a:rPr lang="it-IT" sz="2400" b="1" dirty="0">
+                <a:solidFill>
+                  <a:schemeClr val="bg1"/>
+                </a:solidFill>
+              </a:rPr>
+              <a:t> do under the </a:t>
+            </a:r>
+            <a:r>
+              <a:rPr lang="it-IT" sz="2400" b="1" dirty="0" err="1">
+                <a:solidFill>
+                  <a:schemeClr val="bg1"/>
+                </a:solidFill>
+              </a:rPr>
+              <a:t>hood</a:t>
+            </a:r>
+            <a:r>
+              <a:rPr lang="it-IT" sz="2400" b="1" dirty="0">
+                <a:solidFill>
+                  <a:schemeClr val="bg1"/>
+                </a:solidFill>
+              </a:rPr>
+              <a:t>…    </a:t>
             </a:r>
           </a:p>
         </p:txBody>
@@ -3886,7 +5432,7 @@
         <p:spPr>
           <a:xfrm>
             <a:off x="1216403" y="746620"/>
-            <a:ext cx="3233321" cy="369332"/>
+            <a:ext cx="4996176" cy="523220"/>
           </a:xfrm>
           <a:prstGeom prst="rect">
             <a:avLst/>
@@ -3900,31 +5446,59 @@
           <a:lstStyle/>
           <a:p>
             <a:r>
-              <a:rPr lang="it-IT" dirty="0"/>
+              <a:rPr lang="it-IT" sz="2800" b="1" dirty="0">
+                <a:solidFill>
+                  <a:schemeClr val="bg1"/>
+                </a:solidFill>
+              </a:rPr>
               <a:t>Some </a:t>
             </a:r>
             <a:r>
-              <a:rPr lang="it-IT" i="1" dirty="0" err="1"/>
+              <a:rPr lang="it-IT" sz="2800" b="1" i="1" dirty="0" err="1">
+                <a:solidFill>
+                  <a:schemeClr val="bg1"/>
+                </a:solidFill>
+              </a:rPr>
               <a:t>less</a:t>
             </a:r>
             <a:r>
-              <a:rPr lang="it-IT" i="1" dirty="0"/>
+              <a:rPr lang="it-IT" sz="2800" b="1" i="1" dirty="0">
+                <a:solidFill>
+                  <a:schemeClr val="bg1"/>
+                </a:solidFill>
+              </a:rPr>
               <a:t> </a:t>
             </a:r>
             <a:r>
-              <a:rPr lang="it-IT" i="1" dirty="0" err="1"/>
+              <a:rPr lang="it-IT" sz="2800" b="1" i="1" dirty="0" err="1">
+                <a:solidFill>
+                  <a:schemeClr val="bg1"/>
+                </a:solidFill>
+              </a:rPr>
               <a:t>obvious</a:t>
             </a:r>
             <a:r>
-              <a:rPr lang="it-IT" i="1" dirty="0"/>
+              <a:rPr lang="it-IT" sz="2800" b="1" i="1" dirty="0">
+                <a:solidFill>
+                  <a:schemeClr val="bg1"/>
+                </a:solidFill>
+              </a:rPr>
               <a:t> </a:t>
             </a:r>
             <a:r>
-              <a:rPr lang="it-IT" dirty="0" err="1"/>
+              <a:rPr lang="it-IT" sz="2800" b="1" dirty="0" err="1">
+                <a:solidFill>
+                  <a:schemeClr val="bg1"/>
+                </a:solidFill>
+              </a:rPr>
               <a:t>motivations</a:t>
             </a:r>
             <a:r>
-              <a:rPr lang="it-IT" dirty="0"/>
+              <a:rPr lang="it-IT" sz="2800" b="1" dirty="0">
+                <a:solidFill>
+                  <a:schemeClr val="bg1"/>
+                </a:solidFill>
+              </a:rPr>
               <a:t>…</a:t>
             </a:r>
           </a:p>
@@ -3945,7 +5519,7 @@
         <p:spPr>
           <a:xfrm>
             <a:off x="1216403" y="1870745"/>
-            <a:ext cx="6598088" cy="2585323"/>
+            <a:ext cx="8502199" cy="3785652"/>
           </a:xfrm>
           <a:prstGeom prst="rect">
             <a:avLst/>
@@ -3959,226 +5533,336 @@
           <a:lstStyle/>
           <a:p>
             <a:r>
-              <a:rPr lang="it-IT" dirty="0"/>
+              <a:rPr lang="it-IT" sz="2400" i="1" dirty="0">
+                <a:solidFill>
+                  <a:schemeClr val="bg1"/>
+                </a:solidFill>
+              </a:rPr>
               <a:t>Writing code to solve </a:t>
             </a:r>
             <a:r>
-              <a:rPr lang="it-IT" dirty="0" err="1"/>
+              <a:rPr lang="it-IT" sz="2400" i="1" dirty="0" err="1">
+                <a:solidFill>
+                  <a:schemeClr val="bg1"/>
+                </a:solidFill>
+              </a:rPr>
               <a:t>any</a:t>
             </a:r>
             <a:r>
-              <a:rPr lang="it-IT" dirty="0"/>
+              <a:rPr lang="it-IT" sz="2400" i="1" dirty="0">
+                <a:solidFill>
+                  <a:schemeClr val="bg1"/>
+                </a:solidFill>
+              </a:rPr>
               <a:t> </a:t>
             </a:r>
             <a:r>
-              <a:rPr lang="it-IT" dirty="0" err="1"/>
+              <a:rPr lang="it-IT" sz="2400" i="1" dirty="0" err="1">
+                <a:solidFill>
+                  <a:schemeClr val="bg1"/>
+                </a:solidFill>
+              </a:rPr>
               <a:t>problem</a:t>
             </a:r>
             <a:r>
-              <a:rPr lang="it-IT" dirty="0"/>
+              <a:rPr lang="it-IT" sz="2400" i="1" dirty="0">
+                <a:solidFill>
+                  <a:schemeClr val="bg1"/>
+                </a:solidFill>
+              </a:rPr>
               <a:t> </a:t>
             </a:r>
             <a:r>
-              <a:rPr lang="it-IT" i="1" dirty="0" err="1"/>
+              <a:rPr lang="it-IT" sz="2400" i="1" dirty="0" err="1">
+                <a:solidFill>
+                  <a:schemeClr val="bg1"/>
+                </a:solidFill>
+              </a:rPr>
               <a:t>means</a:t>
             </a:r>
             <a:r>
-              <a:rPr lang="it-IT" dirty="0"/>
+              <a:rPr lang="it-IT" sz="2400" dirty="0">
+                <a:solidFill>
+                  <a:schemeClr val="bg1"/>
+                </a:solidFill>
+              </a:rPr>
               <a:t>:</a:t>
             </a:r>
           </a:p>
           <a:p>
-            <a:endParaRPr lang="it-IT" dirty="0"/>
-          </a:p>
-          <a:p>
-            <a:pPr marL="285750" indent="-285750">
-              <a:buFont typeface="Courier New" panose="02070309020205020404" pitchFamily="49" charset="0"/>
-              <a:buChar char="o"/>
-            </a:pPr>
-            <a:r>
-              <a:rPr lang="it-IT" dirty="0"/>
+            <a:endParaRPr lang="it-IT" sz="2400" dirty="0">
+              <a:solidFill>
+                <a:schemeClr val="bg1"/>
+              </a:solidFill>
+            </a:endParaRPr>
+          </a:p>
+          <a:p>
+            <a:endParaRPr lang="it-IT" sz="2400" dirty="0">
+              <a:solidFill>
+                <a:schemeClr val="bg1"/>
+              </a:solidFill>
+            </a:endParaRPr>
+          </a:p>
+          <a:p>
+            <a:r>
+              <a:rPr lang="it-IT" sz="2400" b="1" dirty="0">
+                <a:solidFill>
+                  <a:schemeClr val="bg1"/>
+                </a:solidFill>
+              </a:rPr>
               <a:t>to be </a:t>
             </a:r>
             <a:r>
-              <a:rPr lang="it-IT" dirty="0" err="1"/>
+              <a:rPr lang="it-IT" sz="2400" b="1" i="1" dirty="0" err="1">
+                <a:solidFill>
+                  <a:schemeClr val="bg1"/>
+                </a:solidFill>
+              </a:rPr>
               <a:t>forced</a:t>
             </a:r>
             <a:r>
-              <a:rPr lang="it-IT" dirty="0"/>
+              <a:rPr lang="it-IT" sz="2400" b="1" dirty="0">
+                <a:solidFill>
+                  <a:schemeClr val="bg1"/>
+                </a:solidFill>
+              </a:rPr>
               <a:t> to </a:t>
             </a:r>
             <a:r>
-              <a:rPr lang="it-IT" dirty="0" err="1"/>
+              <a:rPr lang="it-IT" sz="2400" b="1" dirty="0" err="1">
+                <a:solidFill>
+                  <a:schemeClr val="bg1"/>
+                </a:solidFill>
+              </a:rPr>
               <a:t>understand</a:t>
             </a:r>
             <a:r>
-              <a:rPr lang="it-IT" dirty="0"/>
+              <a:rPr lang="it-IT" sz="2400" b="1" dirty="0">
+                <a:solidFill>
+                  <a:schemeClr val="bg1"/>
+                </a:solidFill>
+              </a:rPr>
               <a:t> the </a:t>
             </a:r>
             <a:r>
-              <a:rPr lang="it-IT" dirty="0" err="1"/>
+              <a:rPr lang="it-IT" sz="2400" b="1" dirty="0" err="1">
+                <a:solidFill>
+                  <a:schemeClr val="bg1"/>
+                </a:solidFill>
+              </a:rPr>
               <a:t>problem</a:t>
             </a:r>
             <a:r>
-              <a:rPr lang="it-IT" dirty="0"/>
+              <a:rPr lang="it-IT" sz="2400" b="1" dirty="0">
+                <a:solidFill>
+                  <a:schemeClr val="bg1"/>
+                </a:solidFill>
+              </a:rPr>
               <a:t> in </a:t>
             </a:r>
             <a:r>
-              <a:rPr lang="it-IT" dirty="0" err="1"/>
+              <a:rPr lang="it-IT" sz="2400" b="1" dirty="0" err="1">
+                <a:solidFill>
+                  <a:schemeClr val="bg1"/>
+                </a:solidFill>
+              </a:rPr>
               <a:t>depth</a:t>
             </a:r>
-            <a:endParaRPr lang="it-IT" dirty="0"/>
-          </a:p>
-          <a:p>
-            <a:endParaRPr lang="it-IT" dirty="0"/>
-          </a:p>
-          <a:p>
-            <a:pPr marL="285750" indent="-285750">
-              <a:buFont typeface="Courier New" panose="02070309020205020404" pitchFamily="49" charset="0"/>
-              <a:buChar char="o"/>
-            </a:pPr>
-            <a:r>
-              <a:rPr lang="it-IT" dirty="0"/>
+            <a:endParaRPr lang="it-IT" sz="2400" b="1" dirty="0">
+              <a:solidFill>
+                <a:schemeClr val="bg1"/>
+              </a:solidFill>
+            </a:endParaRPr>
+          </a:p>
+          <a:p>
+            <a:endParaRPr lang="it-IT" sz="2400" b="1" dirty="0">
+              <a:solidFill>
+                <a:schemeClr val="bg1"/>
+              </a:solidFill>
+            </a:endParaRPr>
+          </a:p>
+          <a:p>
+            <a:r>
+              <a:rPr lang="it-IT" sz="2400" b="1" dirty="0">
+                <a:solidFill>
+                  <a:schemeClr val="bg1"/>
+                </a:solidFill>
+              </a:rPr>
               <a:t>to be </a:t>
             </a:r>
             <a:r>
-              <a:rPr lang="it-IT" dirty="0" err="1"/>
+              <a:rPr lang="it-IT" sz="2400" b="1" i="1" dirty="0" err="1">
+                <a:solidFill>
+                  <a:schemeClr val="bg1"/>
+                </a:solidFill>
+              </a:rPr>
               <a:t>forced</a:t>
             </a:r>
             <a:r>
-              <a:rPr lang="it-IT" dirty="0"/>
+              <a:rPr lang="it-IT" sz="2400" b="1" dirty="0">
+                <a:solidFill>
+                  <a:schemeClr val="bg1"/>
+                </a:solidFill>
+              </a:rPr>
               <a:t> to </a:t>
             </a:r>
             <a:r>
-              <a:rPr lang="it-IT" dirty="0" err="1"/>
+              <a:rPr lang="it-IT" sz="2400" b="1" dirty="0" err="1">
+                <a:solidFill>
+                  <a:schemeClr val="bg1"/>
+                </a:solidFill>
+              </a:rPr>
               <a:t>understand</a:t>
             </a:r>
             <a:r>
-              <a:rPr lang="it-IT" dirty="0"/>
+              <a:rPr lang="it-IT" sz="2400" b="1" dirty="0">
+                <a:solidFill>
+                  <a:schemeClr val="bg1"/>
+                </a:solidFill>
+              </a:rPr>
               <a:t> the </a:t>
             </a:r>
             <a:r>
-              <a:rPr lang="it-IT" dirty="0" err="1"/>
+              <a:rPr lang="it-IT" sz="2400" b="1" dirty="0" err="1">
+                <a:solidFill>
+                  <a:schemeClr val="bg1"/>
+                </a:solidFill>
+              </a:rPr>
               <a:t>required</a:t>
             </a:r>
             <a:r>
-              <a:rPr lang="it-IT" dirty="0"/>
+              <a:rPr lang="it-IT" sz="2400" b="1" dirty="0">
+                <a:solidFill>
+                  <a:schemeClr val="bg1"/>
+                </a:solidFill>
+              </a:rPr>
               <a:t> </a:t>
             </a:r>
             <a:r>
-              <a:rPr lang="it-IT" dirty="0" err="1"/>
+              <a:rPr lang="it-IT" sz="2400" b="1" dirty="0" err="1">
+                <a:solidFill>
+                  <a:schemeClr val="bg1"/>
+                </a:solidFill>
+              </a:rPr>
               <a:t>algorithms</a:t>
             </a:r>
             <a:r>
-              <a:rPr lang="it-IT" dirty="0"/>
+              <a:rPr lang="it-IT" sz="2400" b="1" dirty="0">
+                <a:solidFill>
+                  <a:schemeClr val="bg1"/>
+                </a:solidFill>
+              </a:rPr>
               <a:t> </a:t>
             </a:r>
             <a:r>
-              <a:rPr lang="it-IT" dirty="0" err="1"/>
+              <a:rPr lang="it-IT" sz="2400" b="1" dirty="0" err="1">
+                <a:solidFill>
+                  <a:schemeClr val="bg1"/>
+                </a:solidFill>
+              </a:rPr>
               <a:t>very</a:t>
             </a:r>
             <a:r>
-              <a:rPr lang="it-IT" dirty="0"/>
+              <a:rPr lang="it-IT" sz="2400" b="1" dirty="0">
+                <a:solidFill>
+                  <a:schemeClr val="bg1"/>
+                </a:solidFill>
+              </a:rPr>
               <a:t> </a:t>
             </a:r>
             <a:r>
-              <a:rPr lang="it-IT" dirty="0" err="1"/>
+              <a:rPr lang="it-IT" sz="2400" b="1" dirty="0" err="1">
+                <a:solidFill>
+                  <a:schemeClr val="bg1"/>
+                </a:solidFill>
+              </a:rPr>
               <a:t>precisely</a:t>
             </a:r>
-            <a:endParaRPr lang="it-IT" dirty="0"/>
-          </a:p>
-          <a:p>
-            <a:pPr marL="285750" indent="-285750">
-              <a:buFont typeface="Courier New" panose="02070309020205020404" pitchFamily="49" charset="0"/>
-              <a:buChar char="o"/>
-            </a:pPr>
-            <a:endParaRPr lang="it-IT" dirty="0"/>
-          </a:p>
-          <a:p>
-            <a:pPr marL="285750" indent="-285750">
-              <a:buFont typeface="Courier New" panose="02070309020205020404" pitchFamily="49" charset="0"/>
-              <a:buChar char="o"/>
-            </a:pPr>
-            <a:r>
-              <a:rPr lang="it-IT" dirty="0"/>
+            <a:endParaRPr lang="it-IT" sz="2400" b="1" dirty="0">
+              <a:solidFill>
+                <a:schemeClr val="bg1"/>
+              </a:solidFill>
+            </a:endParaRPr>
+          </a:p>
+          <a:p>
+            <a:endParaRPr lang="it-IT" sz="2400" b="1" dirty="0">
+              <a:solidFill>
+                <a:schemeClr val="bg1"/>
+              </a:solidFill>
+            </a:endParaRPr>
+          </a:p>
+          <a:p>
+            <a:r>
+              <a:rPr lang="en-US" sz="2400" b="1" dirty="0">
+                <a:solidFill>
+                  <a:schemeClr val="bg1"/>
+                </a:solidFill>
+              </a:rPr>
+              <a:t>to strengthen your logic and skills in the analysis of problems</a:t>
+            </a:r>
+          </a:p>
+          <a:p>
+            <a:endParaRPr lang="it-IT" sz="2400" b="1" dirty="0">
+              <a:solidFill>
+                <a:schemeClr val="bg1"/>
+              </a:solidFill>
+            </a:endParaRPr>
+          </a:p>
+          <a:p>
+            <a:r>
+              <a:rPr lang="it-IT" sz="2400" b="1" dirty="0">
+                <a:solidFill>
+                  <a:schemeClr val="bg1"/>
+                </a:solidFill>
+              </a:rPr>
               <a:t>to </a:t>
             </a:r>
             <a:r>
-              <a:rPr lang="it-IT" dirty="0" err="1"/>
-              <a:t>enforce</a:t>
-            </a:r>
-            <a:r>
-              <a:rPr lang="it-IT" dirty="0"/>
+              <a:rPr lang="it-IT" sz="2400" b="1" i="1" dirty="0" err="1">
+                <a:solidFill>
+                  <a:schemeClr val="bg1"/>
+                </a:solidFill>
+              </a:rPr>
+              <a:t>learn</a:t>
+            </a:r>
+            <a:r>
+              <a:rPr lang="it-IT" sz="2400" b="1" dirty="0">
+                <a:solidFill>
+                  <a:schemeClr val="bg1"/>
+                </a:solidFill>
+              </a:rPr>
+              <a:t> to </a:t>
+            </a:r>
+            <a:r>
+              <a:rPr lang="it-IT" sz="2400" b="1" dirty="0" err="1">
+                <a:solidFill>
+                  <a:schemeClr val="bg1"/>
+                </a:solidFill>
+              </a:rPr>
+              <a:t>think</a:t>
+            </a:r>
+            <a:r>
+              <a:rPr lang="it-IT" sz="2400" b="1" dirty="0">
+                <a:solidFill>
+                  <a:schemeClr val="bg1"/>
+                </a:solidFill>
+              </a:rPr>
               <a:t> </a:t>
             </a:r>
             <a:r>
-              <a:rPr lang="it-IT" dirty="0" err="1"/>
-              <a:t>your</a:t>
-            </a:r>
-            <a:r>
-              <a:rPr lang="it-IT" dirty="0"/>
-              <a:t> </a:t>
-            </a:r>
-            <a:r>
-              <a:rPr lang="it-IT" dirty="0" err="1"/>
-              <a:t>logic</a:t>
-            </a:r>
-            <a:r>
-              <a:rPr lang="it-IT" dirty="0"/>
-              <a:t> and skills in the </a:t>
-            </a:r>
-            <a:r>
-              <a:rPr lang="it-IT" dirty="0" err="1"/>
-              <a:t>analysis</a:t>
-            </a:r>
-            <a:r>
-              <a:rPr lang="it-IT" dirty="0"/>
-              <a:t> of </a:t>
-            </a:r>
-            <a:r>
-              <a:rPr lang="it-IT" dirty="0" err="1"/>
-              <a:t>problems</a:t>
-            </a:r>
-            <a:endParaRPr lang="it-IT" dirty="0"/>
-          </a:p>
-          <a:p>
-            <a:pPr marL="285750" indent="-285750">
-              <a:buFont typeface="Courier New" panose="02070309020205020404" pitchFamily="49" charset="0"/>
-              <a:buChar char="o"/>
-            </a:pPr>
-            <a:endParaRPr lang="it-IT" dirty="0"/>
-          </a:p>
-          <a:p>
-            <a:pPr marL="285750" indent="-285750">
-              <a:buFont typeface="Courier New" panose="02070309020205020404" pitchFamily="49" charset="0"/>
-              <a:buChar char="o"/>
-            </a:pPr>
-            <a:r>
-              <a:rPr lang="it-IT" dirty="0"/>
-              <a:t>to </a:t>
-            </a:r>
-            <a:r>
-              <a:rPr lang="it-IT" dirty="0" err="1"/>
-              <a:t>learn</a:t>
-            </a:r>
-            <a:r>
-              <a:rPr lang="it-IT" dirty="0"/>
-              <a:t> to </a:t>
-            </a:r>
-            <a:r>
-              <a:rPr lang="it-IT" dirty="0" err="1"/>
-              <a:t>think</a:t>
-            </a:r>
-            <a:r>
-              <a:rPr lang="it-IT" dirty="0"/>
-              <a:t> </a:t>
-            </a:r>
-            <a:r>
-              <a:rPr lang="it-IT" i="1" dirty="0" err="1"/>
+              <a:rPr lang="it-IT" sz="2400" b="1" i="1" dirty="0" err="1">
+                <a:solidFill>
+                  <a:schemeClr val="bg1"/>
+                </a:solidFill>
+              </a:rPr>
               <a:t>algorithmically</a:t>
             </a:r>
             <a:r>
-              <a:rPr lang="it-IT" dirty="0"/>
+              <a:rPr lang="it-IT" sz="2400" b="1" dirty="0">
+                <a:solidFill>
+                  <a:schemeClr val="bg1"/>
+                </a:solidFill>
+              </a:rPr>
               <a:t>   </a:t>
             </a:r>
           </a:p>
@@ -4216,10 +5900,10 @@
       </p:grpSpPr>
       <p:sp>
         <p:nvSpPr>
-          <p:cNvPr id="2" name="CasellaDiTesto 1">
-            <a:extLst>
-              <a:ext uri="{FF2B5EF4-FFF2-40B4-BE49-F238E27FC236}">
-                <a16:creationId xmlns:a16="http://schemas.microsoft.com/office/drawing/2014/main" id="{F6E7C98C-F537-406B-A903-7590D43F167D}"/>
+          <p:cNvPr id="3" name="CasellaDiTesto 2">
+            <a:extLst>
+              <a:ext uri="{FF2B5EF4-FFF2-40B4-BE49-F238E27FC236}">
+                <a16:creationId xmlns:a16="http://schemas.microsoft.com/office/drawing/2014/main" id="{70B6E2D7-90B0-46DB-ADEE-4C3D157B4CA2}"/>
               </a:ext>
             </a:extLst>
           </p:cNvPr>
@@ -4228,8 +5912,376 @@
         </p:nvSpPr>
         <p:spPr>
           <a:xfrm>
-            <a:off x="503338" y="265069"/>
-            <a:ext cx="2204258" cy="369332"/>
+            <a:off x="1366345" y="4134001"/>
+            <a:ext cx="8001838" cy="1631216"/>
+          </a:xfrm>
+          <a:prstGeom prst="rect">
+            <a:avLst/>
+          </a:prstGeom>
+          <a:solidFill>
+            <a:schemeClr val="tx2"/>
+          </a:solidFill>
+        </p:spPr>
+        <p:txBody>
+          <a:bodyPr wrap="square">
+            <a:spAutoFit/>
+          </a:bodyPr>
+          <a:lstStyle/>
+          <a:p>
+            <a:r>
+              <a:rPr lang="en-US" sz="2000" dirty="0">
+                <a:solidFill>
+                  <a:srgbClr val="FFFF00"/>
+                </a:solidFill>
+                <a:latin typeface="Courier New" panose="02070309020205020404" pitchFamily="49" charset="0"/>
+                <a:cs typeface="Courier New" panose="02070309020205020404" pitchFamily="49" charset="0"/>
+              </a:rPr>
+              <a:t>for </a:t>
+            </a:r>
+            <a:r>
+              <a:rPr lang="en-US" sz="2000" dirty="0" err="1">
+                <a:solidFill>
+                  <a:srgbClr val="FFFF00"/>
+                </a:solidFill>
+                <a:latin typeface="Courier New" panose="02070309020205020404" pitchFamily="49" charset="0"/>
+                <a:cs typeface="Courier New" panose="02070309020205020404" pitchFamily="49" charset="0"/>
+              </a:rPr>
+              <a:t>iset</a:t>
+            </a:r>
+            <a:r>
+              <a:rPr lang="en-US" sz="2000" dirty="0">
+                <a:solidFill>
+                  <a:srgbClr val="FFFF00"/>
+                </a:solidFill>
+                <a:latin typeface="Courier New" panose="02070309020205020404" pitchFamily="49" charset="0"/>
+                <a:cs typeface="Courier New" panose="02070309020205020404" pitchFamily="49" charset="0"/>
+              </a:rPr>
+              <a:t>, ix, </a:t>
+            </a:r>
+            <a:r>
+              <a:rPr lang="en-US" sz="2000" dirty="0" err="1">
+                <a:solidFill>
+                  <a:srgbClr val="FFFF00"/>
+                </a:solidFill>
+                <a:latin typeface="Courier New" panose="02070309020205020404" pitchFamily="49" charset="0"/>
+                <a:cs typeface="Courier New" panose="02070309020205020404" pitchFamily="49" charset="0"/>
+              </a:rPr>
+              <a:t>iname</a:t>
+            </a:r>
+            <a:r>
+              <a:rPr lang="en-US" sz="2000" dirty="0">
+                <a:solidFill>
+                  <a:srgbClr val="FFFF00"/>
+                </a:solidFill>
+                <a:latin typeface="Courier New" panose="02070309020205020404" pitchFamily="49" charset="0"/>
+                <a:cs typeface="Courier New" panose="02070309020205020404" pitchFamily="49" charset="0"/>
+              </a:rPr>
+              <a:t> in zip(</a:t>
+            </a:r>
+            <a:r>
+              <a:rPr lang="en-US" sz="2000" dirty="0" err="1">
+                <a:solidFill>
+                  <a:srgbClr val="FFFF00"/>
+                </a:solidFill>
+                <a:latin typeface="Courier New" panose="02070309020205020404" pitchFamily="49" charset="0"/>
+                <a:cs typeface="Courier New" panose="02070309020205020404" pitchFamily="49" charset="0"/>
+              </a:rPr>
+              <a:t>set_list</a:t>
+            </a:r>
+            <a:r>
+              <a:rPr lang="en-US" sz="2000" dirty="0">
+                <a:solidFill>
+                  <a:srgbClr val="FFFF00"/>
+                </a:solidFill>
+                <a:latin typeface="Courier New" panose="02070309020205020404" pitchFamily="49" charset="0"/>
+                <a:cs typeface="Courier New" panose="02070309020205020404" pitchFamily="49" charset="0"/>
+              </a:rPr>
+              <a:t>, x, </a:t>
+            </a:r>
+            <a:r>
+              <a:rPr lang="en-US" sz="2000" dirty="0" err="1">
+                <a:solidFill>
+                  <a:srgbClr val="FFFF00"/>
+                </a:solidFill>
+                <a:latin typeface="Courier New" panose="02070309020205020404" pitchFamily="49" charset="0"/>
+                <a:cs typeface="Courier New" panose="02070309020205020404" pitchFamily="49" charset="0"/>
+              </a:rPr>
+              <a:t>set_name</a:t>
+            </a:r>
+            <a:r>
+              <a:rPr lang="en-US" sz="2000" dirty="0">
+                <a:solidFill>
+                  <a:srgbClr val="FFFF00"/>
+                </a:solidFill>
+                <a:latin typeface="Courier New" panose="02070309020205020404" pitchFamily="49" charset="0"/>
+                <a:cs typeface="Courier New" panose="02070309020205020404" pitchFamily="49" charset="0"/>
+              </a:rPr>
+              <a:t>):</a:t>
+            </a:r>
+          </a:p>
+          <a:p>
+            <a:r>
+              <a:rPr lang="en-US" sz="2000" dirty="0">
+                <a:solidFill>
+                  <a:srgbClr val="FFFF00"/>
+                </a:solidFill>
+                <a:latin typeface="Courier New" panose="02070309020205020404" pitchFamily="49" charset="0"/>
+                <a:cs typeface="Courier New" panose="02070309020205020404" pitchFamily="49" charset="0"/>
+              </a:rPr>
+              <a:t>    exec(</a:t>
+            </a:r>
+            <a:r>
+              <a:rPr lang="en-US" sz="2000" dirty="0" err="1">
+                <a:solidFill>
+                  <a:srgbClr val="FFFF00"/>
+                </a:solidFill>
+                <a:latin typeface="Courier New" panose="02070309020205020404" pitchFamily="49" charset="0"/>
+                <a:cs typeface="Courier New" panose="02070309020205020404" pitchFamily="49" charset="0"/>
+              </a:rPr>
+              <a:t>iset</a:t>
+            </a:r>
+            <a:r>
+              <a:rPr lang="en-US" sz="2000" dirty="0">
+                <a:solidFill>
+                  <a:srgbClr val="FFFF00"/>
+                </a:solidFill>
+                <a:latin typeface="Courier New" panose="02070309020205020404" pitchFamily="49" charset="0"/>
+                <a:cs typeface="Courier New" panose="02070309020205020404" pitchFamily="49" charset="0"/>
+              </a:rPr>
+              <a:t> + '= </a:t>
+            </a:r>
+            <a:r>
+              <a:rPr lang="en-US" sz="2000" dirty="0" err="1">
+                <a:solidFill>
+                  <a:srgbClr val="FFFF00"/>
+                </a:solidFill>
+                <a:latin typeface="Courier New" panose="02070309020205020404" pitchFamily="49" charset="0"/>
+                <a:cs typeface="Courier New" panose="02070309020205020404" pitchFamily="49" charset="0"/>
+              </a:rPr>
+              <a:t>data_class</a:t>
+            </a:r>
+            <a:r>
+              <a:rPr lang="en-US" sz="2000" dirty="0">
+                <a:solidFill>
+                  <a:srgbClr val="FFFF00"/>
+                </a:solidFill>
+                <a:latin typeface="Courier New" panose="02070309020205020404" pitchFamily="49" charset="0"/>
+                <a:cs typeface="Courier New" panose="02070309020205020404" pitchFamily="49" charset="0"/>
+              </a:rPr>
+              <a:t>(</a:t>
+            </a:r>
+            <a:r>
+              <a:rPr lang="en-US" sz="2000" dirty="0" err="1">
+                <a:solidFill>
+                  <a:srgbClr val="FFFF00"/>
+                </a:solidFill>
+                <a:latin typeface="Courier New" panose="02070309020205020404" pitchFamily="49" charset="0"/>
+                <a:cs typeface="Courier New" panose="02070309020205020404" pitchFamily="49" charset="0"/>
+              </a:rPr>
+              <a:t>iname</a:t>
+            </a:r>
+            <a:r>
+              <a:rPr lang="en-US" sz="2000" dirty="0">
+                <a:solidFill>
+                  <a:srgbClr val="FFFF00"/>
+                </a:solidFill>
+                <a:latin typeface="Courier New" panose="02070309020205020404" pitchFamily="49" charset="0"/>
+                <a:cs typeface="Courier New" panose="02070309020205020404" pitchFamily="49" charset="0"/>
+              </a:rPr>
+              <a:t>, ix)')</a:t>
+            </a:r>
+          </a:p>
+          <a:p>
+            <a:r>
+              <a:rPr lang="en-US" sz="2000" dirty="0">
+                <a:solidFill>
+                  <a:srgbClr val="FFFF00"/>
+                </a:solidFill>
+                <a:latin typeface="Courier New" panose="02070309020205020404" pitchFamily="49" charset="0"/>
+                <a:cs typeface="Courier New" panose="02070309020205020404" pitchFamily="49" charset="0"/>
+              </a:rPr>
+              <a:t>    </a:t>
+            </a:r>
+          </a:p>
+          <a:p>
+            <a:r>
+              <a:rPr lang="en-US" sz="2000" dirty="0" err="1">
+                <a:solidFill>
+                  <a:srgbClr val="FFFF00"/>
+                </a:solidFill>
+                <a:latin typeface="Courier New" panose="02070309020205020404" pitchFamily="49" charset="0"/>
+                <a:cs typeface="Courier New" panose="02070309020205020404" pitchFamily="49" charset="0"/>
+              </a:rPr>
+              <a:t>l_set</a:t>
+            </a:r>
+            <a:r>
+              <a:rPr lang="en-US" sz="2000" dirty="0">
+                <a:solidFill>
+                  <a:srgbClr val="FFFF00"/>
+                </a:solidFill>
+                <a:latin typeface="Courier New" panose="02070309020205020404" pitchFamily="49" charset="0"/>
+                <a:cs typeface="Courier New" panose="02070309020205020404" pitchFamily="49" charset="0"/>
+              </a:rPr>
+              <a:t>=list(eval(</a:t>
+            </a:r>
+            <a:r>
+              <a:rPr lang="en-US" sz="2000" dirty="0" err="1">
+                <a:solidFill>
+                  <a:srgbClr val="FFFF00"/>
+                </a:solidFill>
+                <a:latin typeface="Courier New" panose="02070309020205020404" pitchFamily="49" charset="0"/>
+                <a:cs typeface="Courier New" panose="02070309020205020404" pitchFamily="49" charset="0"/>
+              </a:rPr>
+              <a:t>iset</a:t>
+            </a:r>
+            <a:r>
+              <a:rPr lang="en-US" sz="2000" dirty="0">
+                <a:solidFill>
+                  <a:srgbClr val="FFFF00"/>
+                </a:solidFill>
+                <a:latin typeface="Courier New" panose="02070309020205020404" pitchFamily="49" charset="0"/>
+                <a:cs typeface="Courier New" panose="02070309020205020404" pitchFamily="49" charset="0"/>
+              </a:rPr>
+              <a:t>) for </a:t>
+            </a:r>
+            <a:r>
+              <a:rPr lang="en-US" sz="2000" dirty="0" err="1">
+                <a:solidFill>
+                  <a:srgbClr val="FFFF00"/>
+                </a:solidFill>
+                <a:latin typeface="Courier New" panose="02070309020205020404" pitchFamily="49" charset="0"/>
+                <a:cs typeface="Courier New" panose="02070309020205020404" pitchFamily="49" charset="0"/>
+              </a:rPr>
+              <a:t>iset</a:t>
+            </a:r>
+            <a:r>
+              <a:rPr lang="en-US" sz="2000" dirty="0">
+                <a:solidFill>
+                  <a:srgbClr val="FFFF00"/>
+                </a:solidFill>
+                <a:latin typeface="Courier New" panose="02070309020205020404" pitchFamily="49" charset="0"/>
+                <a:cs typeface="Courier New" panose="02070309020205020404" pitchFamily="49" charset="0"/>
+              </a:rPr>
+              <a:t> in </a:t>
+            </a:r>
+            <a:r>
+              <a:rPr lang="en-US" sz="2000" dirty="0" err="1">
+                <a:solidFill>
+                  <a:srgbClr val="FFFF00"/>
+                </a:solidFill>
+                <a:latin typeface="Courier New" panose="02070309020205020404" pitchFamily="49" charset="0"/>
+                <a:cs typeface="Courier New" panose="02070309020205020404" pitchFamily="49" charset="0"/>
+              </a:rPr>
+              <a:t>set_list</a:t>
+            </a:r>
+            <a:r>
+              <a:rPr lang="en-US" sz="2000" dirty="0">
+                <a:solidFill>
+                  <a:srgbClr val="FFFF00"/>
+                </a:solidFill>
+                <a:latin typeface="Courier New" panose="02070309020205020404" pitchFamily="49" charset="0"/>
+                <a:cs typeface="Courier New" panose="02070309020205020404" pitchFamily="49" charset="0"/>
+              </a:rPr>
+              <a:t>)</a:t>
+            </a:r>
+          </a:p>
+          <a:p>
+            <a:r>
+              <a:rPr lang="en-US" sz="2000" dirty="0">
+                <a:solidFill>
+                  <a:srgbClr val="FFFF00"/>
+                </a:solidFill>
+                <a:latin typeface="Courier New" panose="02070309020205020404" pitchFamily="49" charset="0"/>
+                <a:cs typeface="Courier New" panose="02070309020205020404" pitchFamily="49" charset="0"/>
+              </a:rPr>
+              <a:t>sets=</a:t>
+            </a:r>
+            <a:r>
+              <a:rPr lang="en-US" sz="2000" dirty="0" err="1">
+                <a:solidFill>
+                  <a:srgbClr val="FFFF00"/>
+                </a:solidFill>
+                <a:latin typeface="Courier New" panose="02070309020205020404" pitchFamily="49" charset="0"/>
+                <a:cs typeface="Courier New" panose="02070309020205020404" pitchFamily="49" charset="0"/>
+              </a:rPr>
+              <a:t>np.array</a:t>
+            </a:r>
+            <a:r>
+              <a:rPr lang="en-US" sz="2000" dirty="0">
+                <a:solidFill>
+                  <a:srgbClr val="FFFF00"/>
+                </a:solidFill>
+                <a:latin typeface="Courier New" panose="02070309020205020404" pitchFamily="49" charset="0"/>
+                <a:cs typeface="Courier New" panose="02070309020205020404" pitchFamily="49" charset="0"/>
+              </a:rPr>
+              <a:t>(</a:t>
+            </a:r>
+            <a:r>
+              <a:rPr lang="en-US" sz="2000" dirty="0" err="1">
+                <a:solidFill>
+                  <a:srgbClr val="FFFF00"/>
+                </a:solidFill>
+                <a:latin typeface="Courier New" panose="02070309020205020404" pitchFamily="49" charset="0"/>
+                <a:cs typeface="Courier New" panose="02070309020205020404" pitchFamily="49" charset="0"/>
+              </a:rPr>
+              <a:t>l_set</a:t>
+            </a:r>
+            <a:r>
+              <a:rPr lang="en-US" sz="2000" dirty="0">
+                <a:solidFill>
+                  <a:srgbClr val="FFFF00"/>
+                </a:solidFill>
+                <a:latin typeface="Courier New" panose="02070309020205020404" pitchFamily="49" charset="0"/>
+                <a:cs typeface="Courier New" panose="02070309020205020404" pitchFamily="49" charset="0"/>
+              </a:rPr>
+              <a:t>, </a:t>
+            </a:r>
+            <a:r>
+              <a:rPr lang="en-US" sz="2000" dirty="0" err="1">
+                <a:solidFill>
+                  <a:srgbClr val="FFFF00"/>
+                </a:solidFill>
+                <a:latin typeface="Courier New" panose="02070309020205020404" pitchFamily="49" charset="0"/>
+                <a:cs typeface="Courier New" panose="02070309020205020404" pitchFamily="49" charset="0"/>
+              </a:rPr>
+              <a:t>dtype</a:t>
+            </a:r>
+            <a:r>
+              <a:rPr lang="en-US" sz="2000" dirty="0">
+                <a:solidFill>
+                  <a:srgbClr val="FFFF00"/>
+                </a:solidFill>
+                <a:latin typeface="Courier New" panose="02070309020205020404" pitchFamily="49" charset="0"/>
+                <a:cs typeface="Courier New" panose="02070309020205020404" pitchFamily="49" charset="0"/>
+              </a:rPr>
+              <a:t>='object')</a:t>
+            </a:r>
+            <a:endParaRPr lang="it-IT" sz="2000" dirty="0">
+              <a:solidFill>
+                <a:srgbClr val="FFFF00"/>
+              </a:solidFill>
+              <a:latin typeface="Courier New" panose="02070309020205020404" pitchFamily="49" charset="0"/>
+              <a:cs typeface="Courier New" panose="02070309020205020404" pitchFamily="49" charset="0"/>
+            </a:endParaRPr>
+          </a:p>
+        </p:txBody>
+      </p:sp>
+      <p:sp>
+        <p:nvSpPr>
+          <p:cNvPr id="4" name="CasellaDiTesto 3">
+            <a:extLst>
+              <a:ext uri="{FF2B5EF4-FFF2-40B4-BE49-F238E27FC236}">
+                <a16:creationId xmlns:a16="http://schemas.microsoft.com/office/drawing/2014/main" id="{80A6B7D7-3080-4268-81BD-C4C47F9E95AD}"/>
+              </a:ext>
+            </a:extLst>
+          </p:cNvPr>
+          <p:cNvSpPr txBox="1"/>
+          <p:nvPr/>
+        </p:nvSpPr>
+        <p:spPr>
+          <a:xfrm>
+            <a:off x="874207" y="622998"/>
+            <a:ext cx="6322372" cy="584775"/>
           </a:xfrm>
           <a:prstGeom prst="rect">
             <a:avLst/>
@@ -4243,27 +6295,110 @@
           <a:lstStyle/>
           <a:p>
             <a:r>
-              <a:rPr lang="it-IT" b="1" dirty="0" err="1"/>
-              <a:t>Think</a:t>
-            </a:r>
-            <a:r>
-              <a:rPr lang="it-IT" b="1" dirty="0"/>
+              <a:rPr lang="it-IT" sz="3200" b="1" i="1" dirty="0" err="1">
+                <a:solidFill>
+                  <a:schemeClr val="bg1"/>
+                </a:solidFill>
+              </a:rPr>
+              <a:t>What</a:t>
+            </a:r>
+            <a:r>
+              <a:rPr lang="it-IT" sz="3200" b="1" i="1" dirty="0">
+                <a:solidFill>
+                  <a:schemeClr val="bg1"/>
+                </a:solidFill>
+              </a:rPr>
               <a:t> </a:t>
             </a:r>
             <a:r>
-              <a:rPr lang="it-IT" b="1" i="1" dirty="0" err="1"/>
-              <a:t>algorithmically</a:t>
-            </a:r>
-            <a:endParaRPr lang="it-IT" b="1" i="1" dirty="0"/>
+              <a:rPr lang="it-IT" sz="3200" b="1" i="1" dirty="0" err="1">
+                <a:solidFill>
+                  <a:schemeClr val="bg1"/>
+                </a:solidFill>
+              </a:rPr>
+              <a:t>you</a:t>
+            </a:r>
+            <a:r>
+              <a:rPr lang="it-IT" sz="3200" b="1" i="1" dirty="0">
+                <a:solidFill>
+                  <a:schemeClr val="bg1"/>
+                </a:solidFill>
+              </a:rPr>
+              <a:t> </a:t>
+            </a:r>
+            <a:r>
+              <a:rPr lang="it-IT" sz="3200" b="1" i="1" dirty="0" err="1">
+                <a:solidFill>
+                  <a:schemeClr val="bg1"/>
+                </a:solidFill>
+              </a:rPr>
+              <a:t>will</a:t>
+            </a:r>
+            <a:r>
+              <a:rPr lang="it-IT" sz="3200" b="1" i="1" dirty="0">
+                <a:solidFill>
+                  <a:schemeClr val="bg1"/>
+                </a:solidFill>
+              </a:rPr>
+              <a:t> </a:t>
+            </a:r>
+            <a:r>
+              <a:rPr lang="it-IT" sz="3200" b="1" i="1" dirty="0" err="1">
+                <a:solidFill>
+                  <a:schemeClr val="bg1"/>
+                </a:solidFill>
+              </a:rPr>
+              <a:t>get</a:t>
+            </a:r>
+            <a:r>
+              <a:rPr lang="it-IT" sz="3200" b="1" i="1" dirty="0">
+                <a:solidFill>
+                  <a:schemeClr val="bg1"/>
+                </a:solidFill>
+              </a:rPr>
+              <a:t> from </a:t>
+            </a:r>
+            <a:r>
+              <a:rPr lang="it-IT" sz="3200" b="1" i="1" dirty="0" err="1">
+                <a:solidFill>
+                  <a:schemeClr val="bg1"/>
+                </a:solidFill>
+              </a:rPr>
+              <a:t>this</a:t>
+            </a:r>
+            <a:r>
+              <a:rPr lang="it-IT" sz="3200" b="1" i="1" dirty="0">
+                <a:solidFill>
+                  <a:schemeClr val="bg1"/>
+                </a:solidFill>
+              </a:rPr>
+              <a:t> </a:t>
+            </a:r>
+            <a:r>
+              <a:rPr lang="it-IT" sz="3200" b="1" i="1" dirty="0" err="1">
+                <a:solidFill>
+                  <a:schemeClr val="bg1"/>
+                </a:solidFill>
+              </a:rPr>
+              <a:t>course</a:t>
+            </a:r>
+            <a:r>
+              <a:rPr lang="it-IT" sz="3200" b="1" dirty="0">
+                <a:solidFill>
+                  <a:schemeClr val="bg1"/>
+                </a:solidFill>
+              </a:rPr>
+              <a:t>…</a:t>
+            </a:r>
           </a:p>
         </p:txBody>
       </p:sp>
       <p:sp>
         <p:nvSpPr>
-          <p:cNvPr id="3" name="CasellaDiTesto 2">
-            <a:extLst>
-              <a:ext uri="{FF2B5EF4-FFF2-40B4-BE49-F238E27FC236}">
-                <a16:creationId xmlns:a16="http://schemas.microsoft.com/office/drawing/2014/main" id="{408228B6-3A2F-43E9-BA47-3500498EE7EF}"/>
+          <p:cNvPr id="6" name="CasellaDiTesto 5">
+            <a:extLst>
+              <a:ext uri="{FF2B5EF4-FFF2-40B4-BE49-F238E27FC236}">
+                <a16:creationId xmlns:a16="http://schemas.microsoft.com/office/drawing/2014/main" id="{A2DC7E38-5733-470B-A6F4-6D361B5A6CC3}"/>
               </a:ext>
             </a:extLst>
           </p:cNvPr>
@@ -4272,8 +6407,166 @@
         </p:nvSpPr>
         <p:spPr>
           <a:xfrm>
-            <a:off x="503338" y="947956"/>
-            <a:ext cx="7868874" cy="1477328"/>
+            <a:off x="1366345" y="3349609"/>
+            <a:ext cx="7916334" cy="461665"/>
+          </a:xfrm>
+          <a:prstGeom prst="rect">
+            <a:avLst/>
+          </a:prstGeom>
+          <a:noFill/>
+        </p:spPr>
+        <p:txBody>
+          <a:bodyPr wrap="none" rtlCol="0">
+            <a:spAutoFit/>
+          </a:bodyPr>
+          <a:lstStyle/>
+          <a:p>
+            <a:r>
+              <a:rPr lang="it-IT" sz="2400" b="1" dirty="0" err="1">
+                <a:solidFill>
+                  <a:schemeClr val="bg1"/>
+                </a:solidFill>
+              </a:rPr>
+              <a:t>Essentially</a:t>
+            </a:r>
+            <a:r>
+              <a:rPr lang="it-IT" sz="2400" b="1" dirty="0">
+                <a:solidFill>
+                  <a:schemeClr val="bg1"/>
+                </a:solidFill>
+              </a:rPr>
+              <a:t> to </a:t>
+            </a:r>
+            <a:r>
+              <a:rPr lang="it-IT" sz="2400" b="1" dirty="0" err="1">
+                <a:solidFill>
+                  <a:schemeClr val="bg1"/>
+                </a:solidFill>
+              </a:rPr>
+              <a:t>understand</a:t>
+            </a:r>
+            <a:r>
+              <a:rPr lang="it-IT" sz="2400" b="1" dirty="0">
+                <a:solidFill>
+                  <a:schemeClr val="bg1"/>
+                </a:solidFill>
+              </a:rPr>
+              <a:t> and </a:t>
+            </a:r>
+            <a:r>
+              <a:rPr lang="it-IT" sz="2400" b="1" dirty="0" err="1">
+                <a:solidFill>
+                  <a:schemeClr val="bg1"/>
+                </a:solidFill>
+              </a:rPr>
+              <a:t>write</a:t>
+            </a:r>
+            <a:r>
+              <a:rPr lang="it-IT" sz="2400" b="1" dirty="0">
+                <a:solidFill>
+                  <a:schemeClr val="bg1"/>
+                </a:solidFill>
+              </a:rPr>
+              <a:t> (</a:t>
+            </a:r>
+            <a:r>
+              <a:rPr lang="it-IT" sz="2400" b="1" i="1" dirty="0" err="1">
+                <a:solidFill>
+                  <a:schemeClr val="bg1"/>
+                </a:solidFill>
+              </a:rPr>
+              <a:t>esoteric</a:t>
+            </a:r>
+            <a:r>
+              <a:rPr lang="it-IT" sz="2400" b="1" dirty="0">
+                <a:solidFill>
+                  <a:schemeClr val="bg1"/>
+                </a:solidFill>
+              </a:rPr>
+              <a:t>) code like </a:t>
+            </a:r>
+            <a:r>
+              <a:rPr lang="it-IT" sz="2400" b="1" dirty="0" err="1">
+                <a:solidFill>
+                  <a:schemeClr val="bg1"/>
+                </a:solidFill>
+              </a:rPr>
+              <a:t>that</a:t>
+            </a:r>
+            <a:r>
+              <a:rPr lang="it-IT" sz="2400" b="1" dirty="0">
+                <a:solidFill>
+                  <a:schemeClr val="bg1"/>
+                </a:solidFill>
+              </a:rPr>
+              <a:t>…</a:t>
+            </a:r>
+          </a:p>
+        </p:txBody>
+      </p:sp>
+      <p:sp>
+        <p:nvSpPr>
+          <p:cNvPr id="7" name="CasellaDiTesto 6">
+            <a:extLst>
+              <a:ext uri="{FF2B5EF4-FFF2-40B4-BE49-F238E27FC236}">
+                <a16:creationId xmlns:a16="http://schemas.microsoft.com/office/drawing/2014/main" id="{1B8E4300-57E4-4CBF-B99E-6906C56C6562}"/>
+              </a:ext>
+            </a:extLst>
+          </p:cNvPr>
+          <p:cNvSpPr txBox="1"/>
+          <p:nvPr/>
+        </p:nvSpPr>
+        <p:spPr>
+          <a:xfrm>
+            <a:off x="10812026" y="5898383"/>
+            <a:ext cx="835485" cy="461665"/>
+          </a:xfrm>
+          <a:prstGeom prst="rect">
+            <a:avLst/>
+          </a:prstGeom>
+          <a:noFill/>
+        </p:spPr>
+        <p:txBody>
+          <a:bodyPr wrap="none" rtlCol="0">
+            <a:spAutoFit/>
+          </a:bodyPr>
+          <a:lstStyle/>
+          <a:p>
+            <a:r>
+              <a:rPr lang="it-IT" sz="2400" b="1" i="1" dirty="0" err="1">
+                <a:solidFill>
+                  <a:schemeClr val="bg1"/>
+                </a:solidFill>
+              </a:rPr>
+              <a:t>but</a:t>
+            </a:r>
+            <a:r>
+              <a:rPr lang="it-IT" sz="2400" b="1" i="1" dirty="0">
+                <a:solidFill>
+                  <a:schemeClr val="bg1"/>
+                </a:solidFill>
+              </a:rPr>
+              <a:t>…</a:t>
+            </a:r>
+          </a:p>
+        </p:txBody>
+      </p:sp>
+      <p:sp>
+        <p:nvSpPr>
+          <p:cNvPr id="2" name="CasellaDiTesto 1">
+            <a:extLst>
+              <a:ext uri="{FF2B5EF4-FFF2-40B4-BE49-F238E27FC236}">
+                <a16:creationId xmlns:a16="http://schemas.microsoft.com/office/drawing/2014/main" id="{85D5B224-2E59-4CF4-8095-D2B74072E76A}"/>
+              </a:ext>
+            </a:extLst>
+          </p:cNvPr>
+          <p:cNvSpPr txBox="1"/>
+          <p:nvPr/>
+        </p:nvSpPr>
+        <p:spPr>
+          <a:xfrm>
+            <a:off x="1366345" y="1749321"/>
+            <a:ext cx="9038284" cy="830997"/>
           </a:xfrm>
           <a:prstGeom prst="rect">
             <a:avLst/>
@@ -4287,257 +6580,1708 @@
           <a:lstStyle/>
           <a:p>
             <a:r>
-              <a:rPr lang="it-IT" dirty="0" err="1"/>
+              <a:rPr lang="it-IT" sz="2400" b="1" dirty="0">
+                <a:solidFill>
+                  <a:schemeClr val="bg1"/>
+                </a:solidFill>
+              </a:rPr>
+              <a:t>You </a:t>
+            </a:r>
+            <a:r>
+              <a:rPr lang="it-IT" sz="2400" b="1" dirty="0" err="1">
+                <a:solidFill>
+                  <a:schemeClr val="bg1"/>
+                </a:solidFill>
+              </a:rPr>
+              <a:t>will</a:t>
+            </a:r>
+            <a:r>
+              <a:rPr lang="it-IT" sz="2400" b="1" dirty="0">
+                <a:solidFill>
+                  <a:schemeClr val="bg1"/>
+                </a:solidFill>
+              </a:rPr>
+              <a:t> </a:t>
+            </a:r>
+            <a:r>
+              <a:rPr lang="it-IT" sz="2400" b="1" dirty="0" err="1">
+                <a:solidFill>
+                  <a:schemeClr val="bg1"/>
+                </a:solidFill>
+              </a:rPr>
+              <a:t>get</a:t>
+            </a:r>
+            <a:r>
+              <a:rPr lang="it-IT" sz="2400" b="1" dirty="0">
+                <a:solidFill>
+                  <a:schemeClr val="bg1"/>
+                </a:solidFill>
+              </a:rPr>
+              <a:t> the </a:t>
+            </a:r>
+            <a:r>
+              <a:rPr lang="it-IT" sz="2400" b="1" dirty="0" err="1">
+                <a:solidFill>
+                  <a:schemeClr val="bg1"/>
+                </a:solidFill>
+              </a:rPr>
+              <a:t>basic</a:t>
+            </a:r>
+            <a:r>
+              <a:rPr lang="it-IT" sz="2400" b="1" dirty="0">
+                <a:solidFill>
+                  <a:schemeClr val="bg1"/>
+                </a:solidFill>
+              </a:rPr>
+              <a:t> tools to </a:t>
+            </a:r>
+            <a:r>
+              <a:rPr lang="it-IT" sz="2400" b="1" dirty="0" err="1">
+                <a:solidFill>
+                  <a:schemeClr val="bg1"/>
+                </a:solidFill>
+              </a:rPr>
+              <a:t>learn</a:t>
+            </a:r>
+            <a:r>
+              <a:rPr lang="it-IT" sz="2400" b="1" dirty="0">
+                <a:solidFill>
+                  <a:schemeClr val="bg1"/>
+                </a:solidFill>
+              </a:rPr>
+              <a:t> to </a:t>
+            </a:r>
+            <a:r>
+              <a:rPr lang="it-IT" sz="2400" b="1" dirty="0" err="1">
+                <a:solidFill>
+                  <a:schemeClr val="bg1"/>
+                </a:solidFill>
+              </a:rPr>
+              <a:t>write</a:t>
+            </a:r>
+            <a:r>
+              <a:rPr lang="it-IT" sz="2400" b="1" dirty="0">
+                <a:solidFill>
+                  <a:schemeClr val="bg1"/>
+                </a:solidFill>
+              </a:rPr>
+              <a:t> </a:t>
+            </a:r>
+            <a:r>
+              <a:rPr lang="it-IT" sz="2400" b="1" dirty="0" err="1">
+                <a:solidFill>
+                  <a:schemeClr val="bg1"/>
+                </a:solidFill>
+              </a:rPr>
+              <a:t>codes</a:t>
+            </a:r>
+            <a:r>
+              <a:rPr lang="it-IT" sz="2400" b="1" dirty="0">
+                <a:solidFill>
+                  <a:schemeClr val="bg1"/>
+                </a:solidFill>
+              </a:rPr>
+              <a:t> to </a:t>
+            </a:r>
+            <a:r>
+              <a:rPr lang="it-IT" sz="2400" b="1" dirty="0" err="1">
+                <a:solidFill>
+                  <a:schemeClr val="bg1"/>
+                </a:solidFill>
+              </a:rPr>
+              <a:t>manipulate</a:t>
+            </a:r>
+            <a:r>
+              <a:rPr lang="it-IT" sz="2400" b="1" dirty="0">
+                <a:solidFill>
+                  <a:schemeClr val="bg1"/>
+                </a:solidFill>
+              </a:rPr>
+              <a:t> and to elaborate data </a:t>
+            </a:r>
+          </a:p>
+        </p:txBody>
+      </p:sp>
+    </p:spTree>
+    <p:extLst>
+      <p:ext uri="{BB962C8B-B14F-4D97-AF65-F5344CB8AC3E}">
+        <p14:creationId xmlns:p14="http://schemas.microsoft.com/office/powerpoint/2010/main" val="2296210180"/>
+      </p:ext>
+    </p:extLst>
+  </p:cSld>
+  <p:clrMapOvr>
+    <a:masterClrMapping/>
+  </p:clrMapOvr>
+</p:sld>
+</file>
+
+<file path=ppt/slides/slide5.xml><?xml version="1.0" encoding="utf-8"?>
+<p:sld xmlns:a="http://schemas.openxmlformats.org/drawingml/2006/main" xmlns:r="http://schemas.openxmlformats.org/officeDocument/2006/relationships" xmlns:p="http://schemas.openxmlformats.org/presentationml/2006/main">
+  <p:cSld>
+    <p:spTree>
+      <p:nvGrpSpPr>
+        <p:cNvPr id="1" name=""/>
+        <p:cNvGrpSpPr/>
+        <p:nvPr/>
+      </p:nvGrpSpPr>
+      <p:grpSpPr>
+        <a:xfrm>
+          <a:off x="0" y="0"/>
+          <a:ext cx="0" cy="0"/>
+          <a:chOff x="0" y="0"/>
+          <a:chExt cx="0" cy="0"/>
+        </a:xfrm>
+      </p:grpSpPr>
+      <p:sp>
+        <p:nvSpPr>
+          <p:cNvPr id="2" name="CasellaDiTesto 1">
+            <a:extLst>
+              <a:ext uri="{FF2B5EF4-FFF2-40B4-BE49-F238E27FC236}">
+                <a16:creationId xmlns:a16="http://schemas.microsoft.com/office/drawing/2014/main" id="{5B0A83CE-0E39-4681-97F0-F13EA8DC3E8A}"/>
+              </a:ext>
+            </a:extLst>
+          </p:cNvPr>
+          <p:cNvSpPr txBox="1"/>
+          <p:nvPr/>
+        </p:nvSpPr>
+        <p:spPr>
+          <a:xfrm>
+            <a:off x="538579" y="949909"/>
+            <a:ext cx="11114842" cy="3046988"/>
+          </a:xfrm>
+          <a:prstGeom prst="rect">
+            <a:avLst/>
+          </a:prstGeom>
+          <a:noFill/>
+        </p:spPr>
+        <p:txBody>
+          <a:bodyPr wrap="square" rtlCol="0">
+            <a:spAutoFit/>
+          </a:bodyPr>
+          <a:lstStyle/>
+          <a:p>
+            <a:r>
+              <a:rPr lang="it-IT" b="1" dirty="0">
+                <a:solidFill>
+                  <a:schemeClr val="bg1"/>
+                </a:solidFill>
+              </a:rPr>
+              <a:t> … </a:t>
+            </a:r>
+            <a:r>
+              <a:rPr lang="it-IT" sz="2400" b="1" i="1" dirty="0" err="1">
+                <a:solidFill>
+                  <a:schemeClr val="bg1"/>
+                </a:solidFill>
+              </a:rPr>
+              <a:t>but</a:t>
+            </a:r>
+            <a:r>
+              <a:rPr lang="it-IT" sz="2400" b="1" i="1" dirty="0">
+                <a:solidFill>
+                  <a:schemeClr val="bg1"/>
+                </a:solidFill>
+              </a:rPr>
+              <a:t>, </a:t>
+            </a:r>
+            <a:r>
+              <a:rPr lang="it-IT" sz="2400" b="1" i="1" dirty="0" err="1">
+                <a:solidFill>
+                  <a:schemeClr val="bg1"/>
+                </a:solidFill>
+              </a:rPr>
+              <a:t>if</a:t>
+            </a:r>
+            <a:r>
+              <a:rPr lang="it-IT" sz="2400" b="1" i="1" dirty="0">
+                <a:solidFill>
+                  <a:schemeClr val="bg1"/>
+                </a:solidFill>
+              </a:rPr>
+              <a:t> </a:t>
+            </a:r>
+            <a:r>
+              <a:rPr lang="it-IT" sz="2400" b="1" i="1" dirty="0" err="1">
+                <a:solidFill>
+                  <a:schemeClr val="bg1"/>
+                </a:solidFill>
+              </a:rPr>
+              <a:t>you</a:t>
+            </a:r>
+            <a:r>
+              <a:rPr lang="it-IT" sz="2400" b="1" i="1" dirty="0">
+                <a:solidFill>
+                  <a:schemeClr val="bg1"/>
+                </a:solidFill>
+              </a:rPr>
+              <a:t> </a:t>
+            </a:r>
+            <a:r>
+              <a:rPr lang="it-IT" sz="2400" b="1" i="1" dirty="0" err="1">
+                <a:solidFill>
+                  <a:schemeClr val="bg1"/>
+                </a:solidFill>
+              </a:rPr>
+              <a:t>really</a:t>
+            </a:r>
+            <a:r>
+              <a:rPr lang="it-IT" sz="2400" b="1" i="1" dirty="0">
+                <a:solidFill>
+                  <a:schemeClr val="bg1"/>
+                </a:solidFill>
+              </a:rPr>
+              <a:t> </a:t>
+            </a:r>
+            <a:r>
+              <a:rPr lang="it-IT" sz="2400" b="1" i="1" dirty="0" err="1">
+                <a:solidFill>
+                  <a:schemeClr val="bg1"/>
+                </a:solidFill>
+              </a:rPr>
+              <a:t>want</a:t>
+            </a:r>
+            <a:r>
+              <a:rPr lang="it-IT" sz="2400" b="1" i="1" dirty="0">
+                <a:solidFill>
+                  <a:schemeClr val="bg1"/>
+                </a:solidFill>
+              </a:rPr>
+              <a:t> to </a:t>
+            </a:r>
+            <a:r>
+              <a:rPr lang="it-IT" sz="2400" b="1" i="1" dirty="0" err="1">
+                <a:solidFill>
+                  <a:schemeClr val="bg1"/>
+                </a:solidFill>
+              </a:rPr>
+              <a:t>learn</a:t>
+            </a:r>
+            <a:r>
+              <a:rPr lang="it-IT" sz="2400" b="1" i="1" dirty="0">
+                <a:solidFill>
+                  <a:schemeClr val="bg1"/>
+                </a:solidFill>
+              </a:rPr>
+              <a:t>, </a:t>
+            </a:r>
+            <a:r>
+              <a:rPr lang="it-IT" sz="2400" b="1" i="1" dirty="0" err="1">
+                <a:solidFill>
+                  <a:schemeClr val="bg1"/>
+                </a:solidFill>
+              </a:rPr>
+              <a:t>you</a:t>
+            </a:r>
+            <a:r>
+              <a:rPr lang="it-IT" sz="2400" b="1" i="1" dirty="0">
+                <a:solidFill>
+                  <a:schemeClr val="bg1"/>
+                </a:solidFill>
+              </a:rPr>
+              <a:t> must </a:t>
+            </a:r>
+            <a:r>
+              <a:rPr lang="it-IT" sz="2400" b="1" i="1" dirty="0" err="1">
+                <a:solidFill>
+                  <a:schemeClr val="bg1"/>
+                </a:solidFill>
+              </a:rPr>
+              <a:t>practice</a:t>
+            </a:r>
+            <a:r>
+              <a:rPr lang="it-IT" sz="2400" b="1" i="1" dirty="0">
+                <a:solidFill>
+                  <a:schemeClr val="bg1"/>
+                </a:solidFill>
+              </a:rPr>
+              <a:t> a </a:t>
+            </a:r>
+            <a:r>
+              <a:rPr lang="it-IT" sz="2400" b="1" i="1" dirty="0" err="1">
+                <a:solidFill>
+                  <a:schemeClr val="bg1"/>
+                </a:solidFill>
+              </a:rPr>
+              <a:t>lot</a:t>
+            </a:r>
+            <a:r>
+              <a:rPr lang="it-IT" sz="2400" b="1" dirty="0">
+                <a:solidFill>
+                  <a:schemeClr val="bg1"/>
+                </a:solidFill>
+              </a:rPr>
+              <a:t>…</a:t>
+            </a:r>
+          </a:p>
+          <a:p>
+            <a:endParaRPr lang="it-IT" sz="2400" b="1" dirty="0">
+              <a:solidFill>
+                <a:schemeClr val="bg1"/>
+              </a:solidFill>
+            </a:endParaRPr>
+          </a:p>
+          <a:p>
+            <a:endParaRPr lang="it-IT" sz="2400" b="1" dirty="0">
+              <a:solidFill>
+                <a:schemeClr val="bg1"/>
+              </a:solidFill>
+            </a:endParaRPr>
+          </a:p>
+          <a:p>
+            <a:pPr algn="just"/>
+            <a:r>
+              <a:rPr lang="it-IT" sz="2400" b="1" dirty="0">
+                <a:solidFill>
+                  <a:schemeClr val="bg1"/>
+                </a:solidFill>
+              </a:rPr>
+              <a:t>learning </a:t>
+            </a:r>
+            <a:r>
+              <a:rPr lang="it-IT" sz="2400" b="1" dirty="0" err="1">
+                <a:solidFill>
+                  <a:schemeClr val="bg1"/>
+                </a:solidFill>
+              </a:rPr>
+              <a:t>how</a:t>
+            </a:r>
+            <a:r>
+              <a:rPr lang="it-IT" sz="2400" b="1" dirty="0">
+                <a:solidFill>
+                  <a:schemeClr val="bg1"/>
+                </a:solidFill>
+              </a:rPr>
+              <a:t> to use a programming </a:t>
+            </a:r>
+            <a:r>
+              <a:rPr lang="it-IT" sz="2400" b="1" dirty="0" err="1">
+                <a:solidFill>
+                  <a:schemeClr val="bg1"/>
+                </a:solidFill>
+              </a:rPr>
+              <a:t>language</a:t>
+            </a:r>
+            <a:r>
+              <a:rPr lang="it-IT" sz="2400" b="1" dirty="0">
+                <a:solidFill>
+                  <a:schemeClr val="bg1"/>
+                </a:solidFill>
+              </a:rPr>
+              <a:t> </a:t>
+            </a:r>
+            <a:r>
+              <a:rPr lang="it-IT" sz="2400" b="1" dirty="0" err="1">
+                <a:solidFill>
+                  <a:schemeClr val="bg1"/>
+                </a:solidFill>
+              </a:rPr>
+              <a:t>is</a:t>
+            </a:r>
+            <a:r>
+              <a:rPr lang="it-IT" sz="2400" b="1" dirty="0">
+                <a:solidFill>
+                  <a:schemeClr val="bg1"/>
+                </a:solidFill>
+              </a:rPr>
+              <a:t> </a:t>
+            </a:r>
+            <a:r>
+              <a:rPr lang="it-IT" sz="2400" b="1" dirty="0" err="1">
+                <a:solidFill>
+                  <a:schemeClr val="bg1"/>
+                </a:solidFill>
+              </a:rPr>
+              <a:t>much</a:t>
+            </a:r>
+            <a:r>
+              <a:rPr lang="it-IT" sz="2400" b="1" dirty="0">
+                <a:solidFill>
+                  <a:schemeClr val="bg1"/>
+                </a:solidFill>
+              </a:rPr>
+              <a:t> like learning a </a:t>
+            </a:r>
+            <a:r>
+              <a:rPr lang="it-IT" sz="2400" b="1" dirty="0" err="1">
+                <a:solidFill>
+                  <a:schemeClr val="bg1"/>
+                </a:solidFill>
+              </a:rPr>
+              <a:t>foreign</a:t>
+            </a:r>
+            <a:r>
+              <a:rPr lang="it-IT" sz="2400" b="1" dirty="0">
+                <a:solidFill>
+                  <a:schemeClr val="bg1"/>
+                </a:solidFill>
+              </a:rPr>
+              <a:t> </a:t>
+            </a:r>
+            <a:r>
+              <a:rPr lang="it-IT" sz="2400" b="1" dirty="0" err="1">
+                <a:solidFill>
+                  <a:schemeClr val="bg1"/>
+                </a:solidFill>
+              </a:rPr>
+              <a:t>language</a:t>
+            </a:r>
+            <a:r>
+              <a:rPr lang="it-IT" sz="2400" b="1" dirty="0">
+                <a:solidFill>
+                  <a:schemeClr val="bg1"/>
+                </a:solidFill>
+              </a:rPr>
+              <a:t>:</a:t>
+            </a:r>
+          </a:p>
+          <a:p>
+            <a:pPr algn="just"/>
+            <a:endParaRPr lang="it-IT" sz="2400" b="1" dirty="0">
+              <a:solidFill>
+                <a:schemeClr val="bg1"/>
+              </a:solidFill>
+            </a:endParaRPr>
+          </a:p>
+          <a:p>
+            <a:pPr algn="just"/>
+            <a:r>
+              <a:rPr lang="it-IT" sz="2400" b="1" dirty="0">
+                <a:solidFill>
+                  <a:schemeClr val="bg1"/>
+                </a:solidFill>
+              </a:rPr>
+              <a:t>just </a:t>
+            </a:r>
+            <a:r>
+              <a:rPr lang="it-IT" sz="2400" b="1" dirty="0" err="1">
+                <a:solidFill>
+                  <a:schemeClr val="bg1"/>
+                </a:solidFill>
+              </a:rPr>
+              <a:t>studying</a:t>
+            </a:r>
+            <a:r>
+              <a:rPr lang="it-IT" sz="2400" b="1" dirty="0">
+                <a:solidFill>
+                  <a:schemeClr val="bg1"/>
+                </a:solidFill>
+              </a:rPr>
+              <a:t> the </a:t>
+            </a:r>
+            <a:r>
+              <a:rPr lang="it-IT" sz="2400" b="1" i="1" dirty="0" err="1">
+                <a:solidFill>
+                  <a:schemeClr val="bg1"/>
+                </a:solidFill>
+              </a:rPr>
+              <a:t>grammar</a:t>
+            </a:r>
+            <a:r>
+              <a:rPr lang="it-IT" sz="2400" b="1" dirty="0">
+                <a:solidFill>
+                  <a:schemeClr val="bg1"/>
+                </a:solidFill>
+              </a:rPr>
+              <a:t>, the </a:t>
+            </a:r>
+            <a:r>
+              <a:rPr lang="it-IT" sz="2400" b="1" i="1" dirty="0" err="1">
+                <a:solidFill>
+                  <a:schemeClr val="bg1"/>
+                </a:solidFill>
+              </a:rPr>
+              <a:t>syntax</a:t>
+            </a:r>
+            <a:r>
+              <a:rPr lang="it-IT" sz="2400" b="1" dirty="0">
+                <a:solidFill>
+                  <a:schemeClr val="bg1"/>
+                </a:solidFill>
+              </a:rPr>
+              <a:t> and learning by </a:t>
+            </a:r>
+            <a:r>
+              <a:rPr lang="it-IT" sz="2400" b="1" dirty="0" err="1">
+                <a:solidFill>
+                  <a:schemeClr val="bg1"/>
+                </a:solidFill>
+              </a:rPr>
+              <a:t>heart</a:t>
+            </a:r>
+            <a:r>
+              <a:rPr lang="it-IT" sz="2400" b="1" dirty="0">
+                <a:solidFill>
+                  <a:schemeClr val="bg1"/>
+                </a:solidFill>
+              </a:rPr>
+              <a:t> a more or </a:t>
+            </a:r>
+            <a:r>
+              <a:rPr lang="it-IT" sz="2400" b="1" dirty="0" err="1">
+                <a:solidFill>
+                  <a:schemeClr val="bg1"/>
+                </a:solidFill>
+              </a:rPr>
+              <a:t>less</a:t>
+            </a:r>
+            <a:r>
+              <a:rPr lang="it-IT" sz="2400" b="1" dirty="0">
+                <a:solidFill>
+                  <a:schemeClr val="bg1"/>
+                </a:solidFill>
+              </a:rPr>
+              <a:t> </a:t>
+            </a:r>
+            <a:r>
+              <a:rPr lang="it-IT" sz="2400" b="1" dirty="0" err="1">
+                <a:solidFill>
+                  <a:schemeClr val="bg1"/>
+                </a:solidFill>
+              </a:rPr>
+              <a:t>rich</a:t>
+            </a:r>
+            <a:r>
+              <a:rPr lang="it-IT" sz="2400" b="1" dirty="0">
+                <a:solidFill>
+                  <a:schemeClr val="bg1"/>
+                </a:solidFill>
+              </a:rPr>
+              <a:t> </a:t>
+            </a:r>
+            <a:r>
+              <a:rPr lang="it-IT" sz="2400" b="1" i="1" dirty="0" err="1">
+                <a:solidFill>
+                  <a:schemeClr val="bg1"/>
+                </a:solidFill>
+              </a:rPr>
+              <a:t>vocabulary</a:t>
+            </a:r>
+            <a:r>
+              <a:rPr lang="it-IT" sz="2400" b="1" dirty="0">
+                <a:solidFill>
+                  <a:schemeClr val="bg1"/>
+                </a:solidFill>
+              </a:rPr>
+              <a:t>  </a:t>
+            </a:r>
+            <a:r>
+              <a:rPr lang="it-IT" sz="2400" b="1" dirty="0" err="1">
+                <a:solidFill>
+                  <a:schemeClr val="bg1"/>
+                </a:solidFill>
+              </a:rPr>
+              <a:t>is</a:t>
+            </a:r>
+            <a:r>
+              <a:rPr lang="it-IT" sz="2400" b="1" dirty="0">
+                <a:solidFill>
+                  <a:schemeClr val="bg1"/>
+                </a:solidFill>
+              </a:rPr>
+              <a:t> </a:t>
+            </a:r>
+            <a:r>
+              <a:rPr lang="it-IT" sz="2400" b="1" i="1" dirty="0" err="1">
+                <a:solidFill>
+                  <a:schemeClr val="bg1"/>
+                </a:solidFill>
+              </a:rPr>
+              <a:t>definitely</a:t>
+            </a:r>
+            <a:r>
+              <a:rPr lang="it-IT" sz="2400" b="1" i="1" dirty="0">
+                <a:solidFill>
+                  <a:schemeClr val="bg1"/>
+                </a:solidFill>
+              </a:rPr>
+              <a:t> </a:t>
+            </a:r>
+            <a:r>
+              <a:rPr lang="it-IT" sz="2400" b="1" i="1" dirty="0" err="1">
+                <a:solidFill>
+                  <a:schemeClr val="bg1"/>
+                </a:solidFill>
+              </a:rPr>
+              <a:t>not</a:t>
+            </a:r>
+            <a:r>
+              <a:rPr lang="it-IT" sz="2400" b="1" i="1" dirty="0">
+                <a:solidFill>
+                  <a:schemeClr val="bg1"/>
+                </a:solidFill>
+              </a:rPr>
+              <a:t> </a:t>
+            </a:r>
+            <a:r>
+              <a:rPr lang="it-IT" sz="2400" b="1" i="1" dirty="0" err="1">
+                <a:solidFill>
+                  <a:schemeClr val="bg1"/>
+                </a:solidFill>
+              </a:rPr>
+              <a:t>enough</a:t>
+            </a:r>
+            <a:r>
+              <a:rPr lang="it-IT" sz="2400" b="1" dirty="0">
+                <a:solidFill>
+                  <a:schemeClr val="bg1"/>
+                </a:solidFill>
+              </a:rPr>
+              <a:t>: </a:t>
+            </a:r>
+            <a:r>
+              <a:rPr lang="it-IT" sz="2400" b="1" dirty="0" err="1">
+                <a:solidFill>
+                  <a:schemeClr val="bg1"/>
+                </a:solidFill>
+              </a:rPr>
+              <a:t>you</a:t>
+            </a:r>
+            <a:r>
+              <a:rPr lang="it-IT" sz="2400" b="1" dirty="0">
+                <a:solidFill>
+                  <a:schemeClr val="bg1"/>
+                </a:solidFill>
+              </a:rPr>
+              <a:t> must </a:t>
+            </a:r>
+            <a:r>
+              <a:rPr lang="it-IT" sz="2400" b="1" i="1" dirty="0" err="1">
+                <a:solidFill>
+                  <a:schemeClr val="bg1"/>
+                </a:solidFill>
+              </a:rPr>
+              <a:t>practice</a:t>
+            </a:r>
+            <a:r>
+              <a:rPr lang="it-IT" sz="2400" b="1" i="1" dirty="0">
+                <a:solidFill>
+                  <a:schemeClr val="bg1"/>
+                </a:solidFill>
+              </a:rPr>
+              <a:t> the </a:t>
+            </a:r>
+            <a:r>
+              <a:rPr lang="it-IT" sz="2400" b="1" i="1" dirty="0" err="1">
+                <a:solidFill>
+                  <a:schemeClr val="bg1"/>
+                </a:solidFill>
+              </a:rPr>
+              <a:t>language</a:t>
+            </a:r>
+            <a:r>
+              <a:rPr lang="it-IT" sz="2400" b="1" i="1" dirty="0">
+                <a:solidFill>
+                  <a:schemeClr val="bg1"/>
+                </a:solidFill>
+              </a:rPr>
+              <a:t> </a:t>
+            </a:r>
+            <a:r>
+              <a:rPr lang="it-IT" sz="2400" b="1" dirty="0" err="1">
+                <a:solidFill>
+                  <a:schemeClr val="bg1"/>
+                </a:solidFill>
+              </a:rPr>
+              <a:t>until</a:t>
+            </a:r>
+            <a:r>
+              <a:rPr lang="it-IT" sz="2400" b="1" dirty="0">
+                <a:solidFill>
+                  <a:schemeClr val="bg1"/>
+                </a:solidFill>
+              </a:rPr>
+              <a:t>, al </a:t>
+            </a:r>
+            <a:r>
+              <a:rPr lang="it-IT" sz="2400" b="1" dirty="0" err="1">
+                <a:solidFill>
+                  <a:schemeClr val="bg1"/>
+                </a:solidFill>
+              </a:rPr>
+              <a:t>least</a:t>
+            </a:r>
+            <a:r>
+              <a:rPr lang="it-IT" sz="2400" b="1" dirty="0">
+                <a:solidFill>
+                  <a:schemeClr val="bg1"/>
+                </a:solidFill>
+              </a:rPr>
+              <a:t>, </a:t>
+            </a:r>
+            <a:r>
+              <a:rPr lang="it-IT" sz="2400" b="1" dirty="0" err="1">
+                <a:solidFill>
+                  <a:schemeClr val="bg1"/>
+                </a:solidFill>
+              </a:rPr>
+              <a:t>you</a:t>
+            </a:r>
+            <a:r>
+              <a:rPr lang="it-IT" sz="2400" b="1" dirty="0">
+                <a:solidFill>
+                  <a:schemeClr val="bg1"/>
+                </a:solidFill>
+              </a:rPr>
+              <a:t> start to </a:t>
+            </a:r>
+            <a:r>
+              <a:rPr lang="it-IT" sz="2400" b="1" i="1" dirty="0" err="1">
+                <a:solidFill>
+                  <a:schemeClr val="bg1"/>
+                </a:solidFill>
+              </a:rPr>
+              <a:t>think</a:t>
+            </a:r>
+            <a:r>
+              <a:rPr lang="it-IT" sz="2400" b="1" i="1" dirty="0">
+                <a:solidFill>
+                  <a:schemeClr val="bg1"/>
+                </a:solidFill>
+              </a:rPr>
+              <a:t> in </a:t>
+            </a:r>
+            <a:r>
+              <a:rPr lang="it-IT" sz="2400" b="1" i="1" dirty="0" err="1">
+                <a:solidFill>
+                  <a:schemeClr val="bg1"/>
+                </a:solidFill>
+              </a:rPr>
+              <a:t>that</a:t>
+            </a:r>
+            <a:r>
+              <a:rPr lang="it-IT" sz="2400" b="1" i="1" dirty="0">
+                <a:solidFill>
+                  <a:schemeClr val="bg1"/>
+                </a:solidFill>
+              </a:rPr>
+              <a:t> </a:t>
+            </a:r>
+            <a:r>
+              <a:rPr lang="it-IT" sz="2400" b="1" i="1" dirty="0" err="1">
+                <a:solidFill>
+                  <a:schemeClr val="bg1"/>
+                </a:solidFill>
+              </a:rPr>
+              <a:t>language</a:t>
+            </a:r>
+            <a:r>
+              <a:rPr lang="it-IT" sz="2400" b="1" dirty="0">
+                <a:solidFill>
+                  <a:schemeClr val="bg1"/>
+                </a:solidFill>
+              </a:rPr>
+              <a:t>!</a:t>
+            </a:r>
+          </a:p>
+        </p:txBody>
+      </p:sp>
+      <p:sp>
+        <p:nvSpPr>
+          <p:cNvPr id="3" name="CasellaDiTesto 2">
+            <a:extLst>
+              <a:ext uri="{FF2B5EF4-FFF2-40B4-BE49-F238E27FC236}">
+                <a16:creationId xmlns:a16="http://schemas.microsoft.com/office/drawing/2014/main" id="{2E9DED11-5FE5-473C-8EE7-DAF2725B2CD8}"/>
+              </a:ext>
+            </a:extLst>
+          </p:cNvPr>
+          <p:cNvSpPr txBox="1"/>
+          <p:nvPr/>
+        </p:nvSpPr>
+        <p:spPr>
+          <a:xfrm>
+            <a:off x="8584705" y="5952479"/>
+            <a:ext cx="2973250" cy="461665"/>
+          </a:xfrm>
+          <a:prstGeom prst="rect">
+            <a:avLst/>
+          </a:prstGeom>
+          <a:noFill/>
+        </p:spPr>
+        <p:txBody>
+          <a:bodyPr wrap="none" rtlCol="0">
+            <a:spAutoFit/>
+          </a:bodyPr>
+          <a:lstStyle/>
+          <a:p>
+            <a:r>
+              <a:rPr lang="it-IT" sz="2400" b="1" i="1" dirty="0">
+                <a:solidFill>
+                  <a:schemeClr val="bg1"/>
+                </a:solidFill>
+              </a:rPr>
+              <a:t> So, </a:t>
+            </a:r>
+            <a:r>
+              <a:rPr lang="it-IT" sz="2400" b="1" i="1" dirty="0" err="1">
+                <a:solidFill>
+                  <a:schemeClr val="bg1"/>
+                </a:solidFill>
+              </a:rPr>
+              <a:t>you</a:t>
+            </a:r>
+            <a:r>
+              <a:rPr lang="it-IT" sz="2400" b="1" i="1" dirty="0">
+                <a:solidFill>
+                  <a:schemeClr val="bg1"/>
+                </a:solidFill>
+              </a:rPr>
+              <a:t> </a:t>
+            </a:r>
+            <a:r>
+              <a:rPr lang="it-IT" sz="2400" b="1" i="1" dirty="0" err="1">
+                <a:solidFill>
+                  <a:schemeClr val="bg1"/>
+                </a:solidFill>
+              </a:rPr>
+              <a:t>should</a:t>
+            </a:r>
+            <a:r>
+              <a:rPr lang="it-IT" sz="2400" b="1" i="1" dirty="0">
+                <a:solidFill>
+                  <a:schemeClr val="bg1"/>
+                </a:solidFill>
+              </a:rPr>
+              <a:t> start…</a:t>
+            </a:r>
+          </a:p>
+        </p:txBody>
+      </p:sp>
+    </p:spTree>
+    <p:extLst>
+      <p:ext uri="{BB962C8B-B14F-4D97-AF65-F5344CB8AC3E}">
+        <p14:creationId xmlns:p14="http://schemas.microsoft.com/office/powerpoint/2010/main" val="984049314"/>
+      </p:ext>
+    </p:extLst>
+  </p:cSld>
+  <p:clrMapOvr>
+    <a:masterClrMapping/>
+  </p:clrMapOvr>
+</p:sld>
+</file>
+
+<file path=ppt/slides/slide6.xml><?xml version="1.0" encoding="utf-8"?>
+<p:sld xmlns:a="http://schemas.openxmlformats.org/drawingml/2006/main" xmlns:r="http://schemas.openxmlformats.org/officeDocument/2006/relationships" xmlns:p="http://schemas.openxmlformats.org/presentationml/2006/main">
+  <p:cSld>
+    <p:spTree>
+      <p:nvGrpSpPr>
+        <p:cNvPr id="1" name=""/>
+        <p:cNvGrpSpPr/>
+        <p:nvPr/>
+      </p:nvGrpSpPr>
+      <p:grpSpPr>
+        <a:xfrm>
+          <a:off x="0" y="0"/>
+          <a:ext cx="0" cy="0"/>
+          <a:chOff x="0" y="0"/>
+          <a:chExt cx="0" cy="0"/>
+        </a:xfrm>
+      </p:grpSpPr>
+      <p:sp>
+        <p:nvSpPr>
+          <p:cNvPr id="2" name="CasellaDiTesto 1">
+            <a:extLst>
+              <a:ext uri="{FF2B5EF4-FFF2-40B4-BE49-F238E27FC236}">
+                <a16:creationId xmlns:a16="http://schemas.microsoft.com/office/drawing/2014/main" id="{F6E7C98C-F537-406B-A903-7590D43F167D}"/>
+              </a:ext>
+            </a:extLst>
+          </p:cNvPr>
+          <p:cNvSpPr txBox="1"/>
+          <p:nvPr/>
+        </p:nvSpPr>
+        <p:spPr>
+          <a:xfrm>
+            <a:off x="379513" y="217444"/>
+            <a:ext cx="4545219" cy="584775"/>
+          </a:xfrm>
+          <a:prstGeom prst="rect">
+            <a:avLst/>
+          </a:prstGeom>
+          <a:noFill/>
+        </p:spPr>
+        <p:txBody>
+          <a:bodyPr wrap="none" rtlCol="0">
+            <a:spAutoFit/>
+          </a:bodyPr>
+          <a:lstStyle/>
+          <a:p>
+            <a:r>
+              <a:rPr lang="it-IT" sz="3200" b="1" i="1" dirty="0">
+                <a:solidFill>
+                  <a:schemeClr val="bg1"/>
+                </a:solidFill>
+              </a:rPr>
+              <a:t>… to </a:t>
+            </a:r>
+            <a:r>
+              <a:rPr lang="it-IT" sz="3200" b="1" i="1" dirty="0" err="1">
+                <a:solidFill>
+                  <a:schemeClr val="bg1"/>
+                </a:solidFill>
+              </a:rPr>
+              <a:t>think</a:t>
+            </a:r>
+            <a:r>
+              <a:rPr lang="it-IT" sz="3200" b="1" i="1" dirty="0">
+                <a:solidFill>
+                  <a:schemeClr val="bg1"/>
+                </a:solidFill>
+              </a:rPr>
+              <a:t> </a:t>
+            </a:r>
+            <a:r>
+              <a:rPr lang="it-IT" sz="3200" b="1" i="1" dirty="0" err="1">
+                <a:solidFill>
+                  <a:schemeClr val="bg1"/>
+                </a:solidFill>
+              </a:rPr>
+              <a:t>algorithmically</a:t>
+            </a:r>
+            <a:endParaRPr lang="it-IT" sz="3200" b="1" i="1" dirty="0">
+              <a:solidFill>
+                <a:schemeClr val="bg1"/>
+              </a:solidFill>
+            </a:endParaRPr>
+          </a:p>
+        </p:txBody>
+      </p:sp>
+      <p:sp>
+        <p:nvSpPr>
+          <p:cNvPr id="3" name="CasellaDiTesto 2">
+            <a:extLst>
+              <a:ext uri="{FF2B5EF4-FFF2-40B4-BE49-F238E27FC236}">
+                <a16:creationId xmlns:a16="http://schemas.microsoft.com/office/drawing/2014/main" id="{408228B6-3A2F-43E9-BA47-3500498EE7EF}"/>
+              </a:ext>
+            </a:extLst>
+          </p:cNvPr>
+          <p:cNvSpPr txBox="1"/>
+          <p:nvPr/>
+        </p:nvSpPr>
+        <p:spPr>
+          <a:xfrm>
+            <a:off x="379513" y="1293537"/>
+            <a:ext cx="10793312" cy="2677656"/>
+          </a:xfrm>
+          <a:prstGeom prst="rect">
+            <a:avLst/>
+          </a:prstGeom>
+          <a:noFill/>
+        </p:spPr>
+        <p:txBody>
+          <a:bodyPr wrap="square" rtlCol="0">
+            <a:spAutoFit/>
+          </a:bodyPr>
+          <a:lstStyle/>
+          <a:p>
+            <a:r>
+              <a:rPr lang="it-IT" sz="2400" b="1" dirty="0" err="1">
+                <a:solidFill>
+                  <a:schemeClr val="bg1"/>
+                </a:solidFill>
+              </a:rPr>
               <a:t>Imagine</a:t>
             </a:r>
             <a:r>
-              <a:rPr lang="it-IT" dirty="0"/>
+              <a:rPr lang="it-IT" sz="2400" b="1" dirty="0">
+                <a:solidFill>
+                  <a:schemeClr val="bg1"/>
+                </a:solidFill>
+              </a:rPr>
               <a:t> </a:t>
             </a:r>
             <a:r>
-              <a:rPr lang="it-IT" dirty="0" err="1"/>
+              <a:rPr lang="it-IT" sz="2400" b="1" dirty="0" err="1">
+                <a:solidFill>
+                  <a:schemeClr val="bg1"/>
+                </a:solidFill>
+              </a:rPr>
               <a:t>you</a:t>
             </a:r>
             <a:r>
-              <a:rPr lang="it-IT" dirty="0"/>
+              <a:rPr lang="it-IT" sz="2400" b="1" dirty="0">
+                <a:solidFill>
+                  <a:schemeClr val="bg1"/>
+                </a:solidFill>
+              </a:rPr>
               <a:t> </a:t>
             </a:r>
             <a:r>
-              <a:rPr lang="it-IT" dirty="0" err="1"/>
+              <a:rPr lang="it-IT" sz="2400" b="1" dirty="0" err="1">
+                <a:solidFill>
+                  <a:schemeClr val="bg1"/>
+                </a:solidFill>
+              </a:rPr>
               <a:t>have</a:t>
             </a:r>
             <a:r>
-              <a:rPr lang="it-IT" dirty="0"/>
+              <a:rPr lang="it-IT" sz="2400" b="1" dirty="0">
+                <a:solidFill>
+                  <a:schemeClr val="bg1"/>
+                </a:solidFill>
+              </a:rPr>
               <a:t> to </a:t>
             </a:r>
             <a:r>
-              <a:rPr lang="it-IT" i="1" dirty="0"/>
+              <a:rPr lang="it-IT" sz="2400" b="1" i="1" dirty="0">
+                <a:solidFill>
+                  <a:schemeClr val="bg1"/>
+                </a:solidFill>
+              </a:rPr>
               <a:t>swap</a:t>
             </a:r>
             <a:r>
-              <a:rPr lang="it-IT" dirty="0"/>
+              <a:rPr lang="it-IT" sz="2400" b="1" dirty="0">
+                <a:solidFill>
+                  <a:schemeClr val="bg1"/>
+                </a:solidFill>
+              </a:rPr>
               <a:t> the </a:t>
             </a:r>
             <a:r>
-              <a:rPr lang="it-IT" dirty="0" err="1"/>
+              <a:rPr lang="it-IT" sz="2400" b="1" dirty="0" err="1">
+                <a:solidFill>
+                  <a:schemeClr val="bg1"/>
+                </a:solidFill>
+              </a:rPr>
               <a:t>values</a:t>
             </a:r>
             <a:r>
-              <a:rPr lang="it-IT" dirty="0"/>
+              <a:rPr lang="it-IT" sz="2400" b="1" dirty="0">
+                <a:solidFill>
+                  <a:schemeClr val="bg1"/>
+                </a:solidFill>
+              </a:rPr>
               <a:t> </a:t>
             </a:r>
             <a:r>
-              <a:rPr lang="it-IT" dirty="0" err="1"/>
+              <a:rPr lang="it-IT" sz="2400" b="1" dirty="0" err="1">
+                <a:solidFill>
+                  <a:schemeClr val="bg1"/>
+                </a:solidFill>
+              </a:rPr>
               <a:t>stored</a:t>
             </a:r>
             <a:r>
-              <a:rPr lang="it-IT" dirty="0"/>
+              <a:rPr lang="it-IT" sz="2400" b="1" dirty="0">
+                <a:solidFill>
+                  <a:schemeClr val="bg1"/>
+                </a:solidFill>
+              </a:rPr>
               <a:t> in a </a:t>
             </a:r>
             <a:r>
-              <a:rPr lang="it-IT" dirty="0" err="1"/>
+              <a:rPr lang="it-IT" sz="2400" b="1" dirty="0" err="1">
+                <a:solidFill>
+                  <a:schemeClr val="bg1"/>
+                </a:solidFill>
+              </a:rPr>
               <a:t>pair</a:t>
             </a:r>
             <a:r>
-              <a:rPr lang="it-IT" dirty="0"/>
+              <a:rPr lang="it-IT" sz="2400" b="1" dirty="0">
+                <a:solidFill>
+                  <a:schemeClr val="bg1"/>
+                </a:solidFill>
+              </a:rPr>
               <a:t> of </a:t>
             </a:r>
             <a:r>
-              <a:rPr lang="it-IT" dirty="0" err="1"/>
+              <a:rPr lang="it-IT" sz="2400" b="1" dirty="0" err="1">
+                <a:solidFill>
+                  <a:schemeClr val="bg1"/>
+                </a:solidFill>
+              </a:rPr>
               <a:t>variables</a:t>
             </a:r>
             <a:r>
-              <a:rPr lang="it-IT" dirty="0"/>
+              <a:rPr lang="it-IT" sz="2400" b="1" dirty="0">
+                <a:solidFill>
+                  <a:schemeClr val="bg1"/>
+                </a:solidFill>
+              </a:rPr>
               <a:t>, </a:t>
             </a:r>
             <a:r>
-              <a:rPr lang="it-IT" b="1" i="1" dirty="0"/>
+              <a:rPr lang="it-IT" sz="2400" b="1" i="1" dirty="0">
+                <a:solidFill>
+                  <a:srgbClr val="FFFF00"/>
+                </a:solidFill>
+              </a:rPr>
               <a:t>a</a:t>
             </a:r>
             <a:r>
-              <a:rPr lang="it-IT" b="1" dirty="0"/>
+              <a:rPr lang="it-IT" sz="2400" b="1" dirty="0">
+                <a:solidFill>
+                  <a:srgbClr val="FFFF00"/>
+                </a:solidFill>
+              </a:rPr>
               <a:t>1</a:t>
             </a:r>
             <a:r>
-              <a:rPr lang="it-IT" dirty="0"/>
+              <a:rPr lang="it-IT" sz="2400" b="1" dirty="0">
+                <a:solidFill>
+                  <a:schemeClr val="bg1"/>
+                </a:solidFill>
+              </a:rPr>
               <a:t> and </a:t>
             </a:r>
             <a:r>
-              <a:rPr lang="it-IT" b="1" i="1" dirty="0"/>
+              <a:rPr lang="it-IT" sz="2400" b="1" i="1" dirty="0">
+                <a:solidFill>
+                  <a:srgbClr val="FFFF00"/>
+                </a:solidFill>
+              </a:rPr>
               <a:t>a</a:t>
             </a:r>
             <a:r>
-              <a:rPr lang="it-IT" b="1" dirty="0"/>
+              <a:rPr lang="it-IT" sz="2400" b="1" dirty="0">
+                <a:solidFill>
+                  <a:srgbClr val="FFFF00"/>
+                </a:solidFill>
+              </a:rPr>
               <a:t>2</a:t>
             </a:r>
             <a:r>
-              <a:rPr lang="it-IT" dirty="0"/>
+              <a:rPr lang="it-IT" sz="2400" b="1" dirty="0">
+                <a:solidFill>
+                  <a:schemeClr val="bg1"/>
+                </a:solidFill>
+              </a:rPr>
               <a:t>...</a:t>
             </a:r>
           </a:p>
           <a:p>
-            <a:endParaRPr lang="it-IT" dirty="0"/>
-          </a:p>
-          <a:p>
-            <a:r>
-              <a:rPr lang="it-IT" dirty="0"/>
+            <a:endParaRPr lang="it-IT" sz="2400" b="1" dirty="0">
+              <a:solidFill>
+                <a:schemeClr val="bg1"/>
+              </a:solidFill>
+            </a:endParaRPr>
+          </a:p>
+          <a:p>
+            <a:r>
+              <a:rPr lang="it-IT" sz="2400" b="1" dirty="0">
+                <a:solidFill>
+                  <a:schemeClr val="bg1"/>
+                </a:solidFill>
+              </a:rPr>
               <a:t>For </a:t>
             </a:r>
             <a:r>
-              <a:rPr lang="it-IT" dirty="0" err="1"/>
+              <a:rPr lang="it-IT" sz="2400" b="1" dirty="0" err="1">
+                <a:solidFill>
+                  <a:schemeClr val="bg1"/>
+                </a:solidFill>
+              </a:rPr>
               <a:t>instance</a:t>
             </a:r>
             <a:r>
-              <a:rPr lang="it-IT" dirty="0"/>
+              <a:rPr lang="it-IT" sz="2400" b="1" dirty="0">
+                <a:solidFill>
+                  <a:schemeClr val="bg1"/>
+                </a:solidFill>
+              </a:rPr>
+              <a:t>, </a:t>
+            </a:r>
+            <a:r>
+              <a:rPr lang="it-IT" sz="2400" b="1" dirty="0" err="1">
+                <a:solidFill>
+                  <a:schemeClr val="bg1"/>
+                </a:solidFill>
+              </a:rPr>
+              <a:t>you</a:t>
+            </a:r>
+            <a:r>
+              <a:rPr lang="it-IT" sz="2400" b="1" dirty="0">
+                <a:solidFill>
+                  <a:schemeClr val="bg1"/>
+                </a:solidFill>
+              </a:rPr>
+              <a:t> start with </a:t>
+            </a:r>
+            <a:r>
+              <a:rPr lang="it-IT" sz="2400" b="1" i="1" dirty="0">
+                <a:solidFill>
+                  <a:srgbClr val="FFFF00"/>
+                </a:solidFill>
+              </a:rPr>
+              <a:t>a</a:t>
+            </a:r>
+            <a:r>
+              <a:rPr lang="it-IT" sz="2400" b="1" dirty="0">
+                <a:solidFill>
+                  <a:srgbClr val="FFFF00"/>
+                </a:solidFill>
+              </a:rPr>
+              <a:t>1 = 2 </a:t>
+            </a:r>
+            <a:r>
+              <a:rPr lang="it-IT" sz="2400" b="1" dirty="0">
+                <a:solidFill>
+                  <a:schemeClr val="bg1"/>
+                </a:solidFill>
+              </a:rPr>
+              <a:t>and </a:t>
+            </a:r>
+            <a:r>
+              <a:rPr lang="it-IT" sz="2400" b="1" i="1" dirty="0">
+                <a:solidFill>
+                  <a:srgbClr val="FFFF00"/>
+                </a:solidFill>
+              </a:rPr>
+              <a:t>a</a:t>
+            </a:r>
+            <a:r>
+              <a:rPr lang="it-IT" sz="2400" b="1" dirty="0">
+                <a:solidFill>
+                  <a:srgbClr val="FFFF00"/>
+                </a:solidFill>
+              </a:rPr>
+              <a:t>2 = 1 </a:t>
+            </a:r>
+            <a:r>
+              <a:rPr lang="it-IT" sz="2400" b="1" dirty="0">
+                <a:solidFill>
+                  <a:schemeClr val="bg1"/>
+                </a:solidFill>
+              </a:rPr>
+              <a:t>and </a:t>
+            </a:r>
+            <a:r>
+              <a:rPr lang="it-IT" sz="2400" b="1" dirty="0" err="1">
+                <a:solidFill>
+                  <a:schemeClr val="bg1"/>
+                </a:solidFill>
+              </a:rPr>
+              <a:t>you</a:t>
+            </a:r>
+            <a:r>
+              <a:rPr lang="it-IT" sz="2400" b="1" dirty="0">
+                <a:solidFill>
+                  <a:schemeClr val="bg1"/>
+                </a:solidFill>
+              </a:rPr>
               <a:t> </a:t>
             </a:r>
             <a:r>
-              <a:rPr lang="it-IT" dirty="0" err="1"/>
+              <a:rPr lang="it-IT" sz="2400" b="1" dirty="0" err="1">
+                <a:solidFill>
+                  <a:schemeClr val="bg1"/>
+                </a:solidFill>
+              </a:rPr>
+              <a:t>want</a:t>
+            </a:r>
+            <a:r>
+              <a:rPr lang="it-IT" sz="2400" b="1" dirty="0">
+                <a:solidFill>
+                  <a:schemeClr val="bg1"/>
+                </a:solidFill>
+              </a:rPr>
+              <a:t> to </a:t>
+            </a:r>
+            <a:r>
+              <a:rPr lang="it-IT" sz="2400" b="1" dirty="0" err="1">
+                <a:solidFill>
+                  <a:schemeClr val="bg1"/>
+                </a:solidFill>
+              </a:rPr>
+              <a:t>get</a:t>
+            </a:r>
+            <a:r>
+              <a:rPr lang="it-IT" sz="2400" b="1" dirty="0">
+                <a:solidFill>
+                  <a:schemeClr val="bg1"/>
+                </a:solidFill>
+              </a:rPr>
+              <a:t> </a:t>
+            </a:r>
+            <a:r>
+              <a:rPr lang="it-IT" sz="2400" b="1" i="1" dirty="0">
+                <a:solidFill>
+                  <a:srgbClr val="FFFF00"/>
+                </a:solidFill>
+              </a:rPr>
+              <a:t>a</a:t>
+            </a:r>
+            <a:r>
+              <a:rPr lang="it-IT" sz="2400" b="1" dirty="0">
+                <a:solidFill>
+                  <a:srgbClr val="FFFF00"/>
+                </a:solidFill>
+              </a:rPr>
+              <a:t>1 = 1 </a:t>
+            </a:r>
+            <a:r>
+              <a:rPr lang="it-IT" sz="2400" b="1" dirty="0">
+                <a:solidFill>
+                  <a:schemeClr val="bg1"/>
+                </a:solidFill>
+              </a:rPr>
+              <a:t>and </a:t>
+            </a:r>
+            <a:r>
+              <a:rPr lang="it-IT" sz="2400" b="1" i="1" dirty="0">
+                <a:solidFill>
+                  <a:srgbClr val="FFFF00"/>
+                </a:solidFill>
+              </a:rPr>
+              <a:t>a</a:t>
+            </a:r>
+            <a:r>
+              <a:rPr lang="it-IT" sz="2400" b="1" dirty="0">
+                <a:solidFill>
+                  <a:srgbClr val="FFFF00"/>
+                </a:solidFill>
+              </a:rPr>
+              <a:t>2 = 2</a:t>
+            </a:r>
+          </a:p>
+          <a:p>
+            <a:endParaRPr lang="it-IT" sz="2400" b="1" dirty="0">
+              <a:solidFill>
+                <a:schemeClr val="bg1"/>
+              </a:solidFill>
+            </a:endParaRPr>
+          </a:p>
+          <a:p>
+            <a:endParaRPr lang="it-IT" sz="2400" b="1" dirty="0"/>
+          </a:p>
+          <a:p>
+            <a:endParaRPr lang="it-IT" sz="2400" b="1" dirty="0"/>
+          </a:p>
+          <a:p>
+            <a:r>
+              <a:rPr lang="it-IT" sz="2400" b="1" i="1" dirty="0" err="1">
+                <a:solidFill>
+                  <a:schemeClr val="bg1"/>
+                </a:solidFill>
+              </a:rPr>
+              <a:t>Intuitively</a:t>
+            </a:r>
+            <a:r>
+              <a:rPr lang="it-IT" sz="2400" b="1" dirty="0">
+                <a:solidFill>
+                  <a:schemeClr val="bg1"/>
+                </a:solidFill>
+              </a:rPr>
+              <a:t>, </a:t>
+            </a:r>
+            <a:r>
+              <a:rPr lang="it-IT" sz="2400" b="1" dirty="0" err="1">
+                <a:solidFill>
+                  <a:schemeClr val="bg1"/>
+                </a:solidFill>
+              </a:rPr>
               <a:t>you</a:t>
             </a:r>
             <a:r>
-              <a:rPr lang="it-IT" dirty="0"/>
-              <a:t> start with </a:t>
-            </a:r>
-            <a:r>
-              <a:rPr lang="it-IT" b="1" i="1" dirty="0"/>
+              <a:rPr lang="it-IT" sz="2400" b="1" dirty="0">
+                <a:solidFill>
+                  <a:schemeClr val="bg1"/>
+                </a:solidFill>
+              </a:rPr>
+              <a:t> do  </a:t>
+            </a:r>
+            <a:r>
+              <a:rPr lang="it-IT" sz="2400" b="1" i="1" dirty="0">
+                <a:solidFill>
+                  <a:srgbClr val="FFFF00"/>
+                </a:solidFill>
+              </a:rPr>
               <a:t>a</a:t>
             </a:r>
             <a:r>
-              <a:rPr lang="it-IT" b="1" dirty="0"/>
-              <a:t>1 = 2</a:t>
-            </a:r>
-            <a:r>
-              <a:rPr lang="it-IT" dirty="0"/>
-              <a:t> and </a:t>
-            </a:r>
-            <a:r>
-              <a:rPr lang="it-IT" b="1" i="1" dirty="0"/>
+              <a:rPr lang="it-IT" sz="2400" b="1" dirty="0">
+                <a:solidFill>
+                  <a:srgbClr val="FFFF00"/>
+                </a:solidFill>
+              </a:rPr>
+              <a:t>1 = </a:t>
+            </a:r>
+            <a:r>
+              <a:rPr lang="it-IT" sz="2400" b="1" i="1" dirty="0">
+                <a:solidFill>
+                  <a:srgbClr val="FFFF00"/>
+                </a:solidFill>
+              </a:rPr>
               <a:t>a</a:t>
             </a:r>
             <a:r>
-              <a:rPr lang="it-IT" b="1" dirty="0"/>
-              <a:t>2 = 1</a:t>
-            </a:r>
-            <a:r>
-              <a:rPr lang="it-IT" dirty="0"/>
-              <a:t> and </a:t>
-            </a:r>
-            <a:r>
-              <a:rPr lang="it-IT" dirty="0" err="1"/>
-              <a:t>you</a:t>
-            </a:r>
-            <a:r>
-              <a:rPr lang="it-IT" dirty="0"/>
+              <a:rPr lang="it-IT" sz="2400" b="1" dirty="0">
+                <a:solidFill>
+                  <a:srgbClr val="FFFF00"/>
+                </a:solidFill>
+              </a:rPr>
+              <a:t>2  </a:t>
+            </a:r>
+            <a:r>
+              <a:rPr lang="it-IT" sz="2400" b="1" i="1" dirty="0">
+                <a:solidFill>
+                  <a:srgbClr val="FFFF00"/>
+                </a:solidFill>
+              </a:rPr>
+              <a:t>and</a:t>
+            </a:r>
+            <a:r>
+              <a:rPr lang="it-IT" sz="2400" b="1" dirty="0">
+                <a:solidFill>
+                  <a:srgbClr val="FFFF00"/>
+                </a:solidFill>
+              </a:rPr>
+              <a:t>  </a:t>
+            </a:r>
+            <a:r>
+              <a:rPr lang="it-IT" sz="2400" b="1" i="1" dirty="0">
+                <a:solidFill>
+                  <a:srgbClr val="FFFF00"/>
+                </a:solidFill>
+              </a:rPr>
+              <a:t>a</a:t>
+            </a:r>
+            <a:r>
+              <a:rPr lang="it-IT" sz="2400" b="1" dirty="0">
+                <a:solidFill>
+                  <a:srgbClr val="FFFF00"/>
+                </a:solidFill>
+              </a:rPr>
+              <a:t>2 = </a:t>
+            </a:r>
+            <a:r>
+              <a:rPr lang="it-IT" sz="2400" b="1" i="1" dirty="0">
+                <a:solidFill>
+                  <a:srgbClr val="FFFF00"/>
+                </a:solidFill>
+              </a:rPr>
+              <a:t>a</a:t>
+            </a:r>
+            <a:r>
+              <a:rPr lang="it-IT" sz="2400" b="1" dirty="0">
+                <a:solidFill>
+                  <a:srgbClr val="FFFF00"/>
+                </a:solidFill>
+              </a:rPr>
+              <a:t>1</a:t>
+            </a:r>
+          </a:p>
+        </p:txBody>
+      </p:sp>
+      <p:sp>
+        <p:nvSpPr>
+          <p:cNvPr id="6" name="CasellaDiTesto 5">
+            <a:extLst>
+              <a:ext uri="{FF2B5EF4-FFF2-40B4-BE49-F238E27FC236}">
+                <a16:creationId xmlns:a16="http://schemas.microsoft.com/office/drawing/2014/main" id="{E51EFE92-2CE6-41A6-ADF3-21E844BA8F6D}"/>
+              </a:ext>
+            </a:extLst>
+          </p:cNvPr>
+          <p:cNvSpPr txBox="1"/>
+          <p:nvPr/>
+        </p:nvSpPr>
+        <p:spPr>
+          <a:xfrm>
+            <a:off x="379513" y="4719240"/>
+            <a:ext cx="5142562" cy="1200329"/>
+          </a:xfrm>
+          <a:prstGeom prst="rect">
+            <a:avLst/>
+          </a:prstGeom>
+          <a:noFill/>
+        </p:spPr>
+        <p:txBody>
+          <a:bodyPr wrap="none" rtlCol="0">
+            <a:spAutoFit/>
+          </a:bodyPr>
+          <a:lstStyle/>
+          <a:p>
+            <a:r>
+              <a:rPr lang="it-IT" sz="2400" b="1" dirty="0" err="1">
+                <a:solidFill>
+                  <a:schemeClr val="accent2">
+                    <a:lumMod val="75000"/>
+                  </a:schemeClr>
+                </a:solidFill>
+              </a:rPr>
+              <a:t>Then</a:t>
+            </a:r>
+            <a:r>
+              <a:rPr lang="it-IT" sz="2400" b="1" dirty="0">
+                <a:solidFill>
+                  <a:schemeClr val="accent2">
+                    <a:lumMod val="75000"/>
+                  </a:schemeClr>
+                </a:solidFill>
+              </a:rPr>
+              <a:t>, </a:t>
+            </a:r>
+            <a:r>
+              <a:rPr lang="it-IT" sz="2400" b="1" dirty="0" err="1">
+                <a:solidFill>
+                  <a:schemeClr val="accent2">
+                    <a:lumMod val="75000"/>
+                  </a:schemeClr>
+                </a:solidFill>
+              </a:rPr>
+              <a:t>see</a:t>
+            </a:r>
+            <a:r>
+              <a:rPr lang="it-IT" sz="2400" b="1" dirty="0">
+                <a:solidFill>
+                  <a:schemeClr val="accent2">
+                    <a:lumMod val="75000"/>
+                  </a:schemeClr>
+                </a:solidFill>
+              </a:rPr>
               <a:t> </a:t>
             </a:r>
             <a:r>
-              <a:rPr lang="it-IT" dirty="0" err="1"/>
-              <a:t>want</a:t>
-            </a:r>
-            <a:r>
-              <a:rPr lang="it-IT" dirty="0"/>
-              <a:t> to </a:t>
-            </a:r>
-            <a:r>
-              <a:rPr lang="it-IT" dirty="0" err="1"/>
-              <a:t>get</a:t>
-            </a:r>
-            <a:r>
-              <a:rPr lang="it-IT" dirty="0"/>
+              <a:rPr lang="it-IT" sz="2400" b="1" dirty="0" err="1">
+                <a:solidFill>
+                  <a:schemeClr val="accent2">
+                    <a:lumMod val="75000"/>
+                  </a:schemeClr>
+                </a:solidFill>
+              </a:rPr>
+              <a:t>what</a:t>
+            </a:r>
+            <a:r>
+              <a:rPr lang="it-IT" sz="2400" b="1" dirty="0">
+                <a:solidFill>
+                  <a:schemeClr val="accent2">
+                    <a:lumMod val="75000"/>
+                  </a:schemeClr>
+                </a:solidFill>
+              </a:rPr>
               <a:t> </a:t>
             </a:r>
             <a:r>
-              <a:rPr lang="it-IT" b="1" i="1" dirty="0"/>
-              <a:t>a</a:t>
-            </a:r>
-            <a:r>
-              <a:rPr lang="it-IT" b="1" dirty="0"/>
-              <a:t>1 = 1</a:t>
-            </a:r>
-            <a:r>
-              <a:rPr lang="it-IT" dirty="0"/>
-              <a:t> and </a:t>
-            </a:r>
-            <a:r>
-              <a:rPr lang="it-IT" b="1" i="1" dirty="0"/>
-              <a:t>a</a:t>
-            </a:r>
-            <a:r>
-              <a:rPr lang="it-IT" b="1" dirty="0"/>
-              <a:t>2 = 2</a:t>
-            </a:r>
-          </a:p>
-          <a:p>
-            <a:endParaRPr lang="it-IT" dirty="0"/>
-          </a:p>
-          <a:p>
-            <a:r>
-              <a:rPr lang="it-IT" i="1" dirty="0" err="1"/>
-              <a:t>Intuitively</a:t>
-            </a:r>
-            <a:r>
-              <a:rPr lang="it-IT" dirty="0"/>
-              <a:t>, </a:t>
-            </a:r>
-            <a:r>
-              <a:rPr lang="it-IT" dirty="0" err="1"/>
-              <a:t>you</a:t>
-            </a:r>
-            <a:r>
-              <a:rPr lang="it-IT" dirty="0"/>
-              <a:t> do  </a:t>
-            </a:r>
-            <a:r>
-              <a:rPr lang="it-IT" b="1" i="1" dirty="0"/>
-              <a:t>a</a:t>
-            </a:r>
-            <a:r>
-              <a:rPr lang="it-IT" b="1" dirty="0"/>
-              <a:t>1 = </a:t>
-            </a:r>
-            <a:r>
-              <a:rPr lang="it-IT" b="1" i="1" dirty="0"/>
-              <a:t>a</a:t>
-            </a:r>
-            <a:r>
-              <a:rPr lang="it-IT" b="1" dirty="0"/>
-              <a:t>2  </a:t>
-            </a:r>
-            <a:r>
-              <a:rPr lang="it-IT" b="1" i="1" dirty="0"/>
-              <a:t>and</a:t>
-            </a:r>
-            <a:r>
-              <a:rPr lang="it-IT" b="1" dirty="0"/>
-              <a:t>  </a:t>
-            </a:r>
-            <a:r>
-              <a:rPr lang="it-IT" b="1" i="1" dirty="0"/>
-              <a:t>a</a:t>
-            </a:r>
-            <a:r>
-              <a:rPr lang="it-IT" b="1" dirty="0"/>
-              <a:t>2 = </a:t>
-            </a:r>
-            <a:r>
-              <a:rPr lang="it-IT" b="1" i="1" dirty="0"/>
-              <a:t>a</a:t>
-            </a:r>
-            <a:r>
-              <a:rPr lang="it-IT" b="1" dirty="0"/>
-              <a:t>1</a:t>
+              <a:rPr lang="it-IT" sz="2400" b="1" dirty="0" err="1">
+                <a:solidFill>
+                  <a:schemeClr val="accent2">
+                    <a:lumMod val="75000"/>
+                  </a:schemeClr>
+                </a:solidFill>
+              </a:rPr>
+              <a:t>happens</a:t>
+            </a:r>
+            <a:r>
+              <a:rPr lang="it-IT" sz="2400" b="1" dirty="0">
+                <a:solidFill>
+                  <a:schemeClr val="accent2">
+                    <a:lumMod val="75000"/>
+                  </a:schemeClr>
+                </a:solidFill>
+              </a:rPr>
+              <a:t>…</a:t>
+            </a:r>
+          </a:p>
+          <a:p>
+            <a:endParaRPr lang="it-IT" sz="2400" b="1" dirty="0">
+              <a:solidFill>
+                <a:schemeClr val="accent2">
+                  <a:lumMod val="75000"/>
+                </a:schemeClr>
+              </a:solidFill>
+            </a:endParaRPr>
+          </a:p>
+          <a:p>
+            <a:r>
+              <a:rPr lang="it-IT" sz="2400" b="1" dirty="0">
+                <a:solidFill>
+                  <a:schemeClr val="accent2">
+                    <a:lumMod val="75000"/>
+                  </a:schemeClr>
+                </a:solidFill>
+              </a:rPr>
+              <a:t>and </a:t>
+            </a:r>
+            <a:r>
+              <a:rPr lang="it-IT" sz="2400" b="1" dirty="0" err="1">
+                <a:solidFill>
+                  <a:schemeClr val="accent2">
+                    <a:lumMod val="75000"/>
+                  </a:schemeClr>
+                </a:solidFill>
+              </a:rPr>
+              <a:t>what</a:t>
+            </a:r>
+            <a:r>
+              <a:rPr lang="it-IT" sz="2400" b="1" dirty="0">
+                <a:solidFill>
+                  <a:schemeClr val="accent2">
+                    <a:lumMod val="75000"/>
+                  </a:schemeClr>
+                </a:solidFill>
+              </a:rPr>
+              <a:t> </a:t>
+            </a:r>
+            <a:r>
+              <a:rPr lang="it-IT" sz="2400" b="1" dirty="0" err="1">
+                <a:solidFill>
+                  <a:schemeClr val="accent2">
+                    <a:lumMod val="75000"/>
+                  </a:schemeClr>
+                </a:solidFill>
+              </a:rPr>
+              <a:t>is</a:t>
+            </a:r>
+            <a:r>
+              <a:rPr lang="it-IT" sz="2400" b="1" dirty="0">
+                <a:solidFill>
+                  <a:schemeClr val="accent2">
+                    <a:lumMod val="75000"/>
+                  </a:schemeClr>
+                </a:solidFill>
+              </a:rPr>
+              <a:t> the </a:t>
+            </a:r>
+            <a:r>
+              <a:rPr lang="it-IT" sz="2400" b="1" dirty="0" err="1">
+                <a:solidFill>
+                  <a:schemeClr val="accent2">
+                    <a:lumMod val="75000"/>
+                  </a:schemeClr>
+                </a:solidFill>
+              </a:rPr>
+              <a:t>correct</a:t>
+            </a:r>
+            <a:r>
+              <a:rPr lang="it-IT" sz="2400" b="1" dirty="0">
+                <a:solidFill>
+                  <a:schemeClr val="accent2">
+                    <a:lumMod val="75000"/>
+                  </a:schemeClr>
+                </a:solidFill>
+              </a:rPr>
+              <a:t> way to do </a:t>
+            </a:r>
+            <a:r>
+              <a:rPr lang="it-IT" sz="2400" b="1" dirty="0" err="1">
+                <a:solidFill>
+                  <a:schemeClr val="accent2">
+                    <a:lumMod val="75000"/>
+                  </a:schemeClr>
+                </a:solidFill>
+              </a:rPr>
+              <a:t>that</a:t>
+            </a:r>
+            <a:r>
+              <a:rPr lang="it-IT" sz="2400" b="1" dirty="0">
+                <a:solidFill>
+                  <a:schemeClr val="accent2">
+                    <a:lumMod val="75000"/>
+                  </a:schemeClr>
+                </a:solidFill>
+              </a:rPr>
+              <a:t>!</a:t>
             </a:r>
           </a:p>
         </p:txBody>
       </p:sp>
       <p:pic>
         <p:nvPicPr>
-          <p:cNvPr id="5" name="2022-01-20 15-53-18">
+          <p:cNvPr id="4" name="python">
             <a:hlinkClick r:id="" action="ppaction://media"/>
             <a:extLst>
               <a:ext uri="{FF2B5EF4-FFF2-40B4-BE49-F238E27FC236}">
-                <a16:creationId xmlns:a16="http://schemas.microsoft.com/office/drawing/2014/main" id="{223D4E9C-CEA9-4A9B-A3F1-E119110C0E63}"/>
+                <a16:creationId xmlns:a16="http://schemas.microsoft.com/office/drawing/2014/main" id="{FCC40B3E-4BD2-42A8-AB07-52D68DF85844}"/>
               </a:ext>
             </a:extLst>
           </p:cNvPr>
@@ -4561,16 +8305,15 @@
         </p:blipFill>
         <p:spPr>
           <a:xfrm>
-            <a:off x="5417913" y="2654727"/>
-            <a:ext cx="6174012" cy="3472882"/>
+            <a:off x="6096000" y="3074131"/>
+            <a:ext cx="5484502" cy="3085032"/>
           </a:xfrm>
           <a:prstGeom prst="rect">
             <a:avLst/>
           </a:prstGeom>
           <a:effectLst>
             <a:glow rad="228600">
-              <a:schemeClr val="accent1">
-                <a:lumMod val="75000"/>
+              <a:schemeClr val="bg1">
                 <a:alpha val="40000"/>
               </a:schemeClr>
             </a:glow>
@@ -4579,125 +8322,16 @@
                 <a:alpha val="20000"/>
               </a:prstClr>
             </a:outerShdw>
-            <a:softEdge rad="31750"/>
           </a:effectLst>
           <a:scene3d>
             <a:camera prst="perspectiveLeft"/>
-            <a:lightRig rig="morning" dir="t">
-              <a:rot lat="0" lon="0" rev="0"/>
-            </a:lightRig>
+            <a:lightRig rig="threePt" dir="t"/>
           </a:scene3d>
-          <a:sp3d extrusionH="88900" prstMaterial="plastic">
-            <a:extrusionClr>
-              <a:schemeClr val="bg2"/>
-            </a:extrusionClr>
+          <a:sp3d prstMaterial="metal">
+            <a:bevelB/>
           </a:sp3d>
         </p:spPr>
       </p:pic>
-      <p:sp>
-        <p:nvSpPr>
-          <p:cNvPr id="6" name="CasellaDiTesto 5">
-            <a:extLst>
-              <a:ext uri="{FF2B5EF4-FFF2-40B4-BE49-F238E27FC236}">
-                <a16:creationId xmlns:a16="http://schemas.microsoft.com/office/drawing/2014/main" id="{E51EFE92-2CE6-41A6-ADF3-21E844BA8F6D}"/>
-              </a:ext>
-            </a:extLst>
-          </p:cNvPr>
-          <p:cNvSpPr txBox="1"/>
-          <p:nvPr/>
-        </p:nvSpPr>
-        <p:spPr>
-          <a:xfrm>
-            <a:off x="503338" y="3509387"/>
-            <a:ext cx="3829253" cy="923330"/>
-          </a:xfrm>
-          <a:prstGeom prst="rect">
-            <a:avLst/>
-          </a:prstGeom>
-          <a:noFill/>
-        </p:spPr>
-        <p:txBody>
-          <a:bodyPr wrap="none" rtlCol="0">
-            <a:spAutoFit/>
-          </a:bodyPr>
-          <a:lstStyle/>
-          <a:p>
-            <a:r>
-              <a:rPr lang="it-IT" dirty="0" err="1"/>
-              <a:t>Then</a:t>
-            </a:r>
-            <a:r>
-              <a:rPr lang="it-IT" dirty="0"/>
-              <a:t>, </a:t>
-            </a:r>
-            <a:r>
-              <a:rPr lang="it-IT" dirty="0" err="1"/>
-              <a:t>see</a:t>
-            </a:r>
-            <a:r>
-              <a:rPr lang="it-IT" dirty="0"/>
-              <a:t> </a:t>
-            </a:r>
-            <a:r>
-              <a:rPr lang="it-IT" dirty="0" err="1"/>
-              <a:t>what</a:t>
-            </a:r>
-            <a:r>
-              <a:rPr lang="it-IT" dirty="0"/>
-              <a:t> </a:t>
-            </a:r>
-            <a:r>
-              <a:rPr lang="it-IT" dirty="0" err="1"/>
-              <a:t>happens</a:t>
-            </a:r>
-            <a:r>
-              <a:rPr lang="it-IT" dirty="0"/>
-              <a:t>…</a:t>
-            </a:r>
-          </a:p>
-          <a:p>
-            <a:endParaRPr lang="it-IT" dirty="0"/>
-          </a:p>
-          <a:p>
-            <a:r>
-              <a:rPr lang="it-IT" dirty="0"/>
-              <a:t>and </a:t>
-            </a:r>
-            <a:r>
-              <a:rPr lang="it-IT" dirty="0" err="1"/>
-              <a:t>what</a:t>
-            </a:r>
-            <a:r>
-              <a:rPr lang="it-IT" dirty="0"/>
-              <a:t> </a:t>
-            </a:r>
-            <a:r>
-              <a:rPr lang="it-IT" dirty="0" err="1"/>
-              <a:t>is</a:t>
-            </a:r>
-            <a:r>
-              <a:rPr lang="it-IT" dirty="0"/>
-              <a:t> the </a:t>
-            </a:r>
-            <a:r>
-              <a:rPr lang="it-IT" dirty="0" err="1"/>
-              <a:t>correct</a:t>
-            </a:r>
-            <a:r>
-              <a:rPr lang="it-IT" dirty="0"/>
-              <a:t> way to do </a:t>
-            </a:r>
-            <a:r>
-              <a:rPr lang="it-IT" dirty="0" err="1"/>
-              <a:t>that</a:t>
-            </a:r>
-            <a:r>
-              <a:rPr lang="it-IT" dirty="0"/>
-              <a:t>!</a:t>
-            </a:r>
-          </a:p>
-        </p:txBody>
-      </p:sp>
     </p:spTree>
     <p:extLst>
       <p:ext uri="{BB962C8B-B14F-4D97-AF65-F5344CB8AC3E}">
@@ -4736,9 +8370,9 @@
                                   <p:childTnLst>
                                     <p:cmd type="call" cmd="playFrom(0.0)">
                                       <p:cBhvr>
-                                        <p:cTn id="6" dur="73515" fill="hold"/>
+                                        <p:cTn id="6" dur="54571" fill="hold"/>
                                         <p:tgtEl>
-                                          <p:spTgt spid="5"/>
+                                          <p:spTgt spid="4"/>
                                         </p:tgtEl>
                                       </p:cBhvr>
                                     </p:cmd>
@@ -4776,7 +8410,7 @@
                   </p:stCondLst>
                 </p:cTn>
                 <p:tgtEl>
-                  <p:spTgt spid="5"/>
+                  <p:spTgt spid="4"/>
                 </p:tgtEl>
               </p:cMediaNode>
             </p:video>
@@ -4785,7 +8419,7 @@
                 <p:stCondLst>
                   <p:cond evt="onClick" delay="0">
                     <p:tgtEl>
-                      <p:spTgt spid="5"/>
+                      <p:spTgt spid="4"/>
                     </p:tgtEl>
                   </p:cond>
                 </p:stCondLst>
@@ -4815,7 +8449,7 @@
                                       <p:cBhvr>
                                         <p:cTn id="12" dur="1" fill="hold"/>
                                         <p:tgtEl>
-                                          <p:spTgt spid="5"/>
+                                          <p:spTgt spid="4"/>
                                         </p:tgtEl>
                                       </p:cBhvr>
                                     </p:cmd>
@@ -4833,7 +8467,7 @@
               <p:nextCondLst>
                 <p:cond evt="onClick" delay="0">
                   <p:tgtEl>
-                    <p:spTgt spid="5"/>
+                    <p:spTgt spid="4"/>
                   </p:tgtEl>
                 </p:cond>
               </p:nextCondLst>
@@ -4843,6 +8477,2354 @@
       </p:par>
     </p:tnLst>
   </p:timing>
+</p:sld>
+</file>
+
+<file path=ppt/slides/slide7.xml><?xml version="1.0" encoding="utf-8"?>
+<p:sld xmlns:a="http://schemas.openxmlformats.org/drawingml/2006/main" xmlns:r="http://schemas.openxmlformats.org/officeDocument/2006/relationships" xmlns:p="http://schemas.openxmlformats.org/presentationml/2006/main">
+  <p:cSld>
+    <p:spTree>
+      <p:nvGrpSpPr>
+        <p:cNvPr id="1" name=""/>
+        <p:cNvGrpSpPr/>
+        <p:nvPr/>
+      </p:nvGrpSpPr>
+      <p:grpSpPr>
+        <a:xfrm>
+          <a:off x="0" y="0"/>
+          <a:ext cx="0" cy="0"/>
+          <a:chOff x="0" y="0"/>
+          <a:chExt cx="0" cy="0"/>
+        </a:xfrm>
+      </p:grpSpPr>
+      <p:sp>
+        <p:nvSpPr>
+          <p:cNvPr id="2" name="CasellaDiTesto 1">
+            <a:extLst>
+              <a:ext uri="{FF2B5EF4-FFF2-40B4-BE49-F238E27FC236}">
+                <a16:creationId xmlns:a16="http://schemas.microsoft.com/office/drawing/2014/main" id="{C4CB5442-A253-46C8-ACA3-0363616BF774}"/>
+              </a:ext>
+            </a:extLst>
+          </p:cNvPr>
+          <p:cNvSpPr txBox="1"/>
+          <p:nvPr/>
+        </p:nvSpPr>
+        <p:spPr>
+          <a:xfrm>
+            <a:off x="508653" y="722947"/>
+            <a:ext cx="2466509" cy="584775"/>
+          </a:xfrm>
+          <a:prstGeom prst="rect">
+            <a:avLst/>
+          </a:prstGeom>
+          <a:noFill/>
+        </p:spPr>
+        <p:txBody>
+          <a:bodyPr wrap="none" rtlCol="0">
+            <a:spAutoFit/>
+          </a:bodyPr>
+          <a:lstStyle/>
+          <a:p>
+            <a:r>
+              <a:rPr lang="it-IT" sz="3200" b="1" dirty="0" err="1">
+                <a:solidFill>
+                  <a:schemeClr val="bg1"/>
+                </a:solidFill>
+              </a:rPr>
+              <a:t>Why</a:t>
+            </a:r>
+            <a:r>
+              <a:rPr lang="it-IT" sz="3200" b="1" dirty="0">
+                <a:solidFill>
+                  <a:schemeClr val="bg1"/>
+                </a:solidFill>
+              </a:rPr>
+              <a:t> Python?</a:t>
+            </a:r>
+          </a:p>
+        </p:txBody>
+      </p:sp>
+      <p:sp>
+        <p:nvSpPr>
+          <p:cNvPr id="5" name="CasellaDiTesto 4">
+            <a:extLst>
+              <a:ext uri="{FF2B5EF4-FFF2-40B4-BE49-F238E27FC236}">
+                <a16:creationId xmlns:a16="http://schemas.microsoft.com/office/drawing/2014/main" id="{354D30C0-77C6-49A4-8FED-B675F30F16EA}"/>
+              </a:ext>
+            </a:extLst>
+          </p:cNvPr>
+          <p:cNvSpPr txBox="1"/>
+          <p:nvPr/>
+        </p:nvSpPr>
+        <p:spPr>
+          <a:xfrm>
+            <a:off x="508652" y="1575404"/>
+            <a:ext cx="11067829" cy="4524315"/>
+          </a:xfrm>
+          <a:prstGeom prst="rect">
+            <a:avLst/>
+          </a:prstGeom>
+          <a:noFill/>
+        </p:spPr>
+        <p:txBody>
+          <a:bodyPr wrap="square" rtlCol="0">
+            <a:spAutoFit/>
+          </a:bodyPr>
+          <a:lstStyle/>
+          <a:p>
+            <a:r>
+              <a:rPr lang="it-IT" sz="2400" dirty="0">
+                <a:solidFill>
+                  <a:schemeClr val="bg1"/>
+                </a:solidFill>
+              </a:rPr>
+              <a:t>Python </a:t>
+            </a:r>
+            <a:r>
+              <a:rPr lang="it-IT" sz="2400" dirty="0" err="1">
+                <a:solidFill>
+                  <a:schemeClr val="bg1"/>
+                </a:solidFill>
+              </a:rPr>
+              <a:t>is</a:t>
+            </a:r>
+            <a:r>
+              <a:rPr lang="it-IT" sz="2400" dirty="0">
+                <a:solidFill>
+                  <a:schemeClr val="bg1"/>
+                </a:solidFill>
+              </a:rPr>
+              <a:t> </a:t>
+            </a:r>
+            <a:r>
+              <a:rPr lang="it-IT" sz="2400" i="1" dirty="0">
+                <a:solidFill>
+                  <a:schemeClr val="bg1"/>
+                </a:solidFill>
+              </a:rPr>
+              <a:t>open source</a:t>
+            </a:r>
+          </a:p>
+          <a:p>
+            <a:endParaRPr lang="it-IT" sz="2400" dirty="0">
+              <a:solidFill>
+                <a:schemeClr val="bg1"/>
+              </a:solidFill>
+            </a:endParaRPr>
+          </a:p>
+          <a:p>
+            <a:r>
+              <a:rPr lang="it-IT" sz="2400" dirty="0">
+                <a:solidFill>
+                  <a:schemeClr val="bg1"/>
+                </a:solidFill>
+              </a:rPr>
+              <a:t>it </a:t>
+            </a:r>
+            <a:r>
+              <a:rPr lang="it-IT" sz="2400" dirty="0" err="1">
+                <a:solidFill>
+                  <a:schemeClr val="bg1"/>
+                </a:solidFill>
+              </a:rPr>
+              <a:t>is</a:t>
+            </a:r>
+            <a:r>
+              <a:rPr lang="it-IT" sz="2400" dirty="0">
+                <a:solidFill>
+                  <a:schemeClr val="bg1"/>
+                </a:solidFill>
+              </a:rPr>
+              <a:t> </a:t>
+            </a:r>
+            <a:r>
+              <a:rPr lang="it-IT" sz="2400" dirty="0" err="1">
+                <a:solidFill>
+                  <a:schemeClr val="bg1"/>
+                </a:solidFill>
+              </a:rPr>
+              <a:t>relatively</a:t>
+            </a:r>
+            <a:r>
+              <a:rPr lang="it-IT" sz="2400" dirty="0">
+                <a:solidFill>
+                  <a:schemeClr val="bg1"/>
+                </a:solidFill>
+              </a:rPr>
+              <a:t> </a:t>
+            </a:r>
+            <a:r>
+              <a:rPr lang="it-IT" sz="2400" dirty="0" err="1">
+                <a:solidFill>
+                  <a:schemeClr val="bg1"/>
+                </a:solidFill>
+              </a:rPr>
+              <a:t>young</a:t>
+            </a:r>
+            <a:r>
+              <a:rPr lang="it-IT" sz="2400" dirty="0">
+                <a:solidFill>
+                  <a:schemeClr val="bg1"/>
+                </a:solidFill>
+              </a:rPr>
+              <a:t> (</a:t>
+            </a:r>
+            <a:r>
+              <a:rPr lang="it-IT" sz="2400" i="1" dirty="0" err="1">
+                <a:solidFill>
+                  <a:schemeClr val="bg1"/>
+                </a:solidFill>
+              </a:rPr>
+              <a:t>born</a:t>
+            </a:r>
+            <a:r>
+              <a:rPr lang="it-IT" sz="2400" dirty="0">
+                <a:solidFill>
+                  <a:schemeClr val="bg1"/>
+                </a:solidFill>
+              </a:rPr>
+              <a:t> in the 90s), so </a:t>
+            </a:r>
+            <a:r>
+              <a:rPr lang="it-IT" sz="2400" dirty="0" err="1">
+                <a:solidFill>
+                  <a:schemeClr val="bg1"/>
+                </a:solidFill>
+              </a:rPr>
+              <a:t>probably</a:t>
+            </a:r>
+            <a:r>
+              <a:rPr lang="it-IT" sz="2400" dirty="0">
+                <a:solidFill>
+                  <a:schemeClr val="bg1"/>
+                </a:solidFill>
+              </a:rPr>
+              <a:t> it </a:t>
+            </a:r>
+            <a:r>
+              <a:rPr lang="it-IT" sz="2400" dirty="0" err="1">
+                <a:solidFill>
+                  <a:schemeClr val="bg1"/>
+                </a:solidFill>
+              </a:rPr>
+              <a:t>will</a:t>
+            </a:r>
+            <a:r>
+              <a:rPr lang="it-IT" sz="2400" dirty="0">
+                <a:solidFill>
+                  <a:schemeClr val="bg1"/>
+                </a:solidFill>
+              </a:rPr>
+              <a:t> last for </a:t>
+            </a:r>
+            <a:r>
+              <a:rPr lang="it-IT" sz="2400" dirty="0" err="1">
+                <a:solidFill>
+                  <a:schemeClr val="bg1"/>
+                </a:solidFill>
+              </a:rPr>
+              <a:t>many</a:t>
+            </a:r>
+            <a:r>
+              <a:rPr lang="it-IT" sz="2400" dirty="0">
+                <a:solidFill>
+                  <a:schemeClr val="bg1"/>
+                </a:solidFill>
+              </a:rPr>
+              <a:t> </a:t>
+            </a:r>
+            <a:r>
+              <a:rPr lang="it-IT" sz="2400" dirty="0" err="1">
+                <a:solidFill>
+                  <a:schemeClr val="bg1"/>
+                </a:solidFill>
+              </a:rPr>
+              <a:t>years</a:t>
+            </a:r>
+            <a:r>
+              <a:rPr lang="it-IT" sz="2400" dirty="0">
+                <a:solidFill>
+                  <a:schemeClr val="bg1"/>
+                </a:solidFill>
+              </a:rPr>
+              <a:t> to come</a:t>
+            </a:r>
+          </a:p>
+          <a:p>
+            <a:endParaRPr lang="it-IT" sz="2400" dirty="0">
+              <a:solidFill>
+                <a:schemeClr val="bg1"/>
+              </a:solidFill>
+            </a:endParaRPr>
+          </a:p>
+          <a:p>
+            <a:r>
+              <a:rPr lang="it-IT" sz="2400" dirty="0">
+                <a:solidFill>
+                  <a:schemeClr val="bg1"/>
+                </a:solidFill>
+              </a:rPr>
+              <a:t>it </a:t>
+            </a:r>
+            <a:r>
+              <a:rPr lang="it-IT" sz="2400" dirty="0" err="1">
+                <a:solidFill>
+                  <a:schemeClr val="bg1"/>
+                </a:solidFill>
+              </a:rPr>
+              <a:t>is</a:t>
+            </a:r>
+            <a:r>
+              <a:rPr lang="it-IT" sz="2400" dirty="0">
+                <a:solidFill>
+                  <a:schemeClr val="bg1"/>
+                </a:solidFill>
+              </a:rPr>
+              <a:t> </a:t>
+            </a:r>
+            <a:r>
+              <a:rPr lang="it-IT" sz="2400" dirty="0" err="1">
+                <a:solidFill>
+                  <a:schemeClr val="bg1"/>
+                </a:solidFill>
+              </a:rPr>
+              <a:t>widely</a:t>
+            </a:r>
+            <a:r>
+              <a:rPr lang="it-IT" sz="2400" dirty="0">
+                <a:solidFill>
+                  <a:schemeClr val="bg1"/>
+                </a:solidFill>
+              </a:rPr>
+              <a:t> </a:t>
+            </a:r>
+            <a:r>
+              <a:rPr lang="it-IT" sz="2400" dirty="0" err="1">
+                <a:solidFill>
+                  <a:schemeClr val="bg1"/>
+                </a:solidFill>
+              </a:rPr>
+              <a:t>popular</a:t>
+            </a:r>
+            <a:endParaRPr lang="it-IT" sz="2400" dirty="0">
+              <a:solidFill>
+                <a:schemeClr val="bg1"/>
+              </a:solidFill>
+            </a:endParaRPr>
+          </a:p>
+          <a:p>
+            <a:endParaRPr lang="it-IT" sz="2400" dirty="0">
+              <a:solidFill>
+                <a:schemeClr val="bg1"/>
+              </a:solidFill>
+            </a:endParaRPr>
+          </a:p>
+          <a:p>
+            <a:r>
+              <a:rPr lang="it-IT" sz="2400" dirty="0">
+                <a:solidFill>
+                  <a:schemeClr val="bg1"/>
+                </a:solidFill>
+              </a:rPr>
+              <a:t>it </a:t>
+            </a:r>
+            <a:r>
+              <a:rPr lang="it-IT" sz="2400" dirty="0" err="1">
+                <a:solidFill>
+                  <a:schemeClr val="bg1"/>
+                </a:solidFill>
+              </a:rPr>
+              <a:t>has</a:t>
+            </a:r>
+            <a:r>
+              <a:rPr lang="it-IT" sz="2400" dirty="0">
+                <a:solidFill>
+                  <a:schemeClr val="bg1"/>
+                </a:solidFill>
+              </a:rPr>
+              <a:t> a </a:t>
+            </a:r>
+            <a:r>
+              <a:rPr lang="it-IT" sz="2400" dirty="0" err="1">
+                <a:solidFill>
+                  <a:schemeClr val="bg1"/>
+                </a:solidFill>
+              </a:rPr>
+              <a:t>very</a:t>
+            </a:r>
+            <a:r>
+              <a:rPr lang="it-IT" sz="2400" dirty="0">
+                <a:solidFill>
+                  <a:schemeClr val="bg1"/>
+                </a:solidFill>
+              </a:rPr>
+              <a:t> large community of developers</a:t>
+            </a:r>
+          </a:p>
+          <a:p>
+            <a:endParaRPr lang="it-IT" sz="2400" dirty="0">
+              <a:solidFill>
+                <a:schemeClr val="bg1"/>
+              </a:solidFill>
+            </a:endParaRPr>
+          </a:p>
+          <a:p>
+            <a:r>
+              <a:rPr lang="it-IT" sz="2400" dirty="0">
+                <a:solidFill>
+                  <a:schemeClr val="bg1"/>
+                </a:solidFill>
+              </a:rPr>
+              <a:t>You </a:t>
+            </a:r>
+            <a:r>
+              <a:rPr lang="it-IT" sz="2400" dirty="0" err="1">
+                <a:solidFill>
+                  <a:schemeClr val="bg1"/>
+                </a:solidFill>
+              </a:rPr>
+              <a:t>easily</a:t>
+            </a:r>
+            <a:r>
+              <a:rPr lang="it-IT" sz="2400" dirty="0">
+                <a:solidFill>
+                  <a:schemeClr val="bg1"/>
+                </a:solidFill>
+              </a:rPr>
+              <a:t> </a:t>
+            </a:r>
+            <a:r>
+              <a:rPr lang="it-IT" sz="2400" dirty="0" err="1">
+                <a:solidFill>
+                  <a:schemeClr val="bg1"/>
+                </a:solidFill>
+              </a:rPr>
+              <a:t>find</a:t>
+            </a:r>
+            <a:r>
+              <a:rPr lang="it-IT" sz="2400" dirty="0">
+                <a:solidFill>
+                  <a:schemeClr val="bg1"/>
+                </a:solidFill>
+              </a:rPr>
+              <a:t> help for </a:t>
+            </a:r>
+            <a:r>
+              <a:rPr lang="it-IT" sz="2400" dirty="0" err="1">
+                <a:solidFill>
+                  <a:schemeClr val="bg1"/>
+                </a:solidFill>
+              </a:rPr>
+              <a:t>any</a:t>
+            </a:r>
+            <a:r>
+              <a:rPr lang="it-IT" sz="2400" dirty="0">
+                <a:solidFill>
+                  <a:schemeClr val="bg1"/>
+                </a:solidFill>
+              </a:rPr>
+              <a:t> </a:t>
+            </a:r>
+            <a:r>
+              <a:rPr lang="it-IT" sz="2400" dirty="0" err="1">
+                <a:solidFill>
+                  <a:schemeClr val="bg1"/>
+                </a:solidFill>
+              </a:rPr>
+              <a:t>problem</a:t>
+            </a:r>
+            <a:r>
+              <a:rPr lang="it-IT" sz="2400" dirty="0">
+                <a:solidFill>
+                  <a:schemeClr val="bg1"/>
+                </a:solidFill>
+              </a:rPr>
+              <a:t> </a:t>
+            </a:r>
+            <a:r>
+              <a:rPr lang="it-IT" sz="2400" dirty="0" err="1">
+                <a:solidFill>
+                  <a:schemeClr val="bg1"/>
+                </a:solidFill>
+              </a:rPr>
+              <a:t>you</a:t>
+            </a:r>
+            <a:r>
+              <a:rPr lang="it-IT" sz="2400" dirty="0">
+                <a:solidFill>
+                  <a:schemeClr val="bg1"/>
+                </a:solidFill>
+              </a:rPr>
+              <a:t> </a:t>
+            </a:r>
+            <a:r>
+              <a:rPr lang="it-IT" sz="2400" dirty="0" err="1">
+                <a:solidFill>
+                  <a:schemeClr val="bg1"/>
+                </a:solidFill>
+              </a:rPr>
+              <a:t>might</a:t>
+            </a:r>
+            <a:r>
+              <a:rPr lang="it-IT" sz="2400" dirty="0">
+                <a:solidFill>
+                  <a:schemeClr val="bg1"/>
+                </a:solidFill>
+              </a:rPr>
+              <a:t> </a:t>
+            </a:r>
+            <a:r>
+              <a:rPr lang="it-IT" sz="2400" dirty="0" err="1">
+                <a:solidFill>
+                  <a:schemeClr val="bg1"/>
+                </a:solidFill>
+              </a:rPr>
+              <a:t>have</a:t>
+            </a:r>
+            <a:endParaRPr lang="it-IT" sz="2400" dirty="0">
+              <a:solidFill>
+                <a:schemeClr val="bg1"/>
+              </a:solidFill>
+            </a:endParaRPr>
+          </a:p>
+          <a:p>
+            <a:endParaRPr lang="it-IT" sz="2400" dirty="0">
+              <a:solidFill>
+                <a:schemeClr val="bg1"/>
+              </a:solidFill>
+            </a:endParaRPr>
+          </a:p>
+          <a:p>
+            <a:r>
+              <a:rPr lang="it-IT" sz="2400" dirty="0" err="1">
+                <a:solidFill>
+                  <a:schemeClr val="bg1"/>
+                </a:solidFill>
+              </a:rPr>
+              <a:t>if</a:t>
+            </a:r>
+            <a:r>
+              <a:rPr lang="it-IT" sz="2400" dirty="0">
+                <a:solidFill>
+                  <a:schemeClr val="bg1"/>
+                </a:solidFill>
+              </a:rPr>
+              <a:t> </a:t>
+            </a:r>
+            <a:r>
+              <a:rPr lang="it-IT" sz="2400" dirty="0" err="1">
+                <a:solidFill>
+                  <a:schemeClr val="bg1"/>
+                </a:solidFill>
+              </a:rPr>
+              <a:t>you</a:t>
+            </a:r>
+            <a:r>
+              <a:rPr lang="it-IT" sz="2400" dirty="0">
+                <a:solidFill>
+                  <a:schemeClr val="bg1"/>
+                </a:solidFill>
+              </a:rPr>
+              <a:t> </a:t>
+            </a:r>
+            <a:r>
+              <a:rPr lang="it-IT" sz="2400" dirty="0" err="1">
+                <a:solidFill>
+                  <a:schemeClr val="bg1"/>
+                </a:solidFill>
+              </a:rPr>
+              <a:t>need</a:t>
+            </a:r>
+            <a:r>
+              <a:rPr lang="it-IT" sz="2400" dirty="0">
+                <a:solidFill>
+                  <a:schemeClr val="bg1"/>
+                </a:solidFill>
+              </a:rPr>
+              <a:t> of some </a:t>
+            </a:r>
+            <a:r>
+              <a:rPr lang="it-IT" sz="2400" dirty="0" err="1">
+                <a:solidFill>
+                  <a:schemeClr val="bg1"/>
+                </a:solidFill>
+              </a:rPr>
+              <a:t>particular</a:t>
+            </a:r>
+            <a:r>
+              <a:rPr lang="it-IT" sz="2400" dirty="0">
+                <a:solidFill>
+                  <a:schemeClr val="bg1"/>
+                </a:solidFill>
+              </a:rPr>
+              <a:t> feature or </a:t>
+            </a:r>
+            <a:r>
+              <a:rPr lang="it-IT" sz="2400" dirty="0" err="1">
+                <a:solidFill>
+                  <a:schemeClr val="bg1"/>
+                </a:solidFill>
+              </a:rPr>
+              <a:t>function</a:t>
+            </a:r>
+            <a:r>
+              <a:rPr lang="it-IT" sz="2400" dirty="0">
+                <a:solidFill>
+                  <a:schemeClr val="bg1"/>
+                </a:solidFill>
+              </a:rPr>
+              <a:t>, it </a:t>
+            </a:r>
+            <a:r>
+              <a:rPr lang="it-IT" sz="2400" dirty="0" err="1">
+                <a:solidFill>
+                  <a:schemeClr val="bg1"/>
+                </a:solidFill>
+              </a:rPr>
+              <a:t>is</a:t>
+            </a:r>
+            <a:r>
+              <a:rPr lang="it-IT" sz="2400" dirty="0">
+                <a:solidFill>
+                  <a:schemeClr val="bg1"/>
+                </a:solidFill>
+              </a:rPr>
+              <a:t> </a:t>
+            </a:r>
+            <a:r>
+              <a:rPr lang="it-IT" sz="2400" dirty="0" err="1">
+                <a:solidFill>
+                  <a:schemeClr val="bg1"/>
+                </a:solidFill>
+              </a:rPr>
+              <a:t>probable</a:t>
+            </a:r>
+            <a:r>
+              <a:rPr lang="it-IT" sz="2400" dirty="0">
+                <a:solidFill>
+                  <a:schemeClr val="bg1"/>
+                </a:solidFill>
+              </a:rPr>
+              <a:t> </a:t>
+            </a:r>
+            <a:r>
+              <a:rPr lang="it-IT" sz="2400" dirty="0" err="1">
+                <a:solidFill>
+                  <a:schemeClr val="bg1"/>
+                </a:solidFill>
+              </a:rPr>
+              <a:t>that</a:t>
+            </a:r>
+            <a:r>
+              <a:rPr lang="it-IT" sz="2400" dirty="0">
+                <a:solidFill>
+                  <a:schemeClr val="bg1"/>
+                </a:solidFill>
+              </a:rPr>
+              <a:t> </a:t>
+            </a:r>
+            <a:r>
+              <a:rPr lang="it-IT" sz="2400" dirty="0" err="1">
+                <a:solidFill>
+                  <a:schemeClr val="bg1"/>
+                </a:solidFill>
+              </a:rPr>
+              <a:t>someone</a:t>
+            </a:r>
+            <a:r>
+              <a:rPr lang="it-IT" sz="2400" dirty="0">
+                <a:solidFill>
+                  <a:schemeClr val="bg1"/>
+                </a:solidFill>
+              </a:rPr>
+              <a:t> else </a:t>
+            </a:r>
+            <a:r>
+              <a:rPr lang="it-IT" sz="2400" dirty="0" err="1">
+                <a:solidFill>
+                  <a:schemeClr val="bg1"/>
+                </a:solidFill>
+              </a:rPr>
+              <a:t>already</a:t>
+            </a:r>
+            <a:r>
+              <a:rPr lang="it-IT" sz="2400" dirty="0">
+                <a:solidFill>
+                  <a:schemeClr val="bg1"/>
+                </a:solidFill>
+              </a:rPr>
+              <a:t> </a:t>
+            </a:r>
+            <a:r>
+              <a:rPr lang="it-IT" sz="2400" dirty="0" err="1">
+                <a:solidFill>
+                  <a:schemeClr val="bg1"/>
+                </a:solidFill>
+              </a:rPr>
+              <a:t>developed</a:t>
+            </a:r>
+            <a:r>
+              <a:rPr lang="it-IT" sz="2400" dirty="0">
+                <a:solidFill>
+                  <a:schemeClr val="bg1"/>
+                </a:solidFill>
+              </a:rPr>
+              <a:t> it… </a:t>
+            </a:r>
+          </a:p>
+        </p:txBody>
+      </p:sp>
+    </p:spTree>
+    <p:extLst>
+      <p:ext uri="{BB962C8B-B14F-4D97-AF65-F5344CB8AC3E}">
+        <p14:creationId xmlns:p14="http://schemas.microsoft.com/office/powerpoint/2010/main" val="3620370633"/>
+      </p:ext>
+    </p:extLst>
+  </p:cSld>
+  <p:clrMapOvr>
+    <a:masterClrMapping/>
+  </p:clrMapOvr>
+</p:sld>
+</file>
+
+<file path=ppt/slides/slide8.xml><?xml version="1.0" encoding="utf-8"?>
+<p:sld xmlns:a="http://schemas.openxmlformats.org/drawingml/2006/main" xmlns:r="http://schemas.openxmlformats.org/officeDocument/2006/relationships" xmlns:p="http://schemas.openxmlformats.org/presentationml/2006/main">
+  <p:cSld>
+    <p:spTree>
+      <p:nvGrpSpPr>
+        <p:cNvPr id="1" name=""/>
+        <p:cNvGrpSpPr/>
+        <p:nvPr/>
+      </p:nvGrpSpPr>
+      <p:grpSpPr>
+        <a:xfrm>
+          <a:off x="0" y="0"/>
+          <a:ext cx="0" cy="0"/>
+          <a:chOff x="0" y="0"/>
+          <a:chExt cx="0" cy="0"/>
+        </a:xfrm>
+      </p:grpSpPr>
+      <p:sp>
+        <p:nvSpPr>
+          <p:cNvPr id="2" name="CasellaDiTesto 1">
+            <a:extLst>
+              <a:ext uri="{FF2B5EF4-FFF2-40B4-BE49-F238E27FC236}">
+                <a16:creationId xmlns:a16="http://schemas.microsoft.com/office/drawing/2014/main" id="{293B6E3C-A554-4249-B71F-1F4D272441F5}"/>
+              </a:ext>
+            </a:extLst>
+          </p:cNvPr>
+          <p:cNvSpPr txBox="1"/>
+          <p:nvPr/>
+        </p:nvSpPr>
+        <p:spPr>
+          <a:xfrm>
+            <a:off x="1028700" y="695325"/>
+            <a:ext cx="8417433" cy="5940088"/>
+          </a:xfrm>
+          <a:prstGeom prst="rect">
+            <a:avLst/>
+          </a:prstGeom>
+          <a:noFill/>
+        </p:spPr>
+        <p:txBody>
+          <a:bodyPr wrap="none" rtlCol="0">
+            <a:spAutoFit/>
+          </a:bodyPr>
+          <a:lstStyle/>
+          <a:p>
+            <a:r>
+              <a:rPr lang="it-IT" sz="3600" b="1" i="1" dirty="0" err="1">
+                <a:solidFill>
+                  <a:schemeClr val="bg1"/>
+                </a:solidFill>
+              </a:rPr>
+              <a:t>What</a:t>
+            </a:r>
+            <a:r>
+              <a:rPr lang="it-IT" sz="3600" b="1" i="1" dirty="0">
+                <a:solidFill>
+                  <a:schemeClr val="bg1"/>
+                </a:solidFill>
+              </a:rPr>
+              <a:t> </a:t>
+            </a:r>
+            <a:r>
+              <a:rPr lang="it-IT" sz="3600" b="1" i="1" dirty="0" err="1">
+                <a:solidFill>
+                  <a:schemeClr val="bg1"/>
+                </a:solidFill>
+              </a:rPr>
+              <a:t>is</a:t>
+            </a:r>
+            <a:r>
+              <a:rPr lang="it-IT" sz="3600" b="1" i="1" dirty="0">
+                <a:solidFill>
+                  <a:schemeClr val="bg1"/>
+                </a:solidFill>
+              </a:rPr>
+              <a:t> Python?</a:t>
+            </a:r>
+          </a:p>
+          <a:p>
+            <a:endParaRPr lang="it-IT" sz="3600" b="1" i="1" dirty="0">
+              <a:solidFill>
+                <a:schemeClr val="bg1"/>
+              </a:solidFill>
+            </a:endParaRPr>
+          </a:p>
+          <a:p>
+            <a:pPr marL="0" marR="0" lvl="0" indent="0" algn="l" defTabSz="914400" rtl="0" eaLnBrk="1" fontAlgn="auto" latinLnBrk="0" hangingPunct="1">
+              <a:lnSpc>
+                <a:spcPct val="100000"/>
+              </a:lnSpc>
+              <a:spcBef>
+                <a:spcPts val="0"/>
+              </a:spcBef>
+              <a:spcAft>
+                <a:spcPts val="0"/>
+              </a:spcAft>
+              <a:buClrTx/>
+              <a:buSzTx/>
+              <a:buFontTx/>
+              <a:buNone/>
+              <a:tabLst/>
+              <a:defRPr/>
+            </a:pPr>
+            <a:r>
+              <a:rPr kumimoji="0" lang="it-IT" sz="2800" b="1" i="0" u="none" strike="noStrike" kern="1200" cap="none" spc="0" normalizeH="0" baseline="0" noProof="0" dirty="0">
+                <a:ln>
+                  <a:noFill/>
+                </a:ln>
+                <a:solidFill>
+                  <a:prstClr val="white"/>
+                </a:solidFill>
+                <a:effectLst/>
+                <a:uLnTx/>
+                <a:uFillTx/>
+                <a:latin typeface="Calibri" panose="020F0502020204030204"/>
+                <a:ea typeface="+mn-ea"/>
+                <a:cs typeface="+mn-cs"/>
+              </a:rPr>
+              <a:t>High </a:t>
+            </a:r>
+            <a:r>
+              <a:rPr kumimoji="0" lang="it-IT" sz="2800" b="1" i="0" u="none" strike="noStrike" kern="1200" cap="none" spc="0" normalizeH="0" baseline="0" noProof="0" dirty="0" err="1">
+                <a:ln>
+                  <a:noFill/>
+                </a:ln>
+                <a:solidFill>
+                  <a:prstClr val="white"/>
+                </a:solidFill>
+                <a:effectLst/>
+                <a:uLnTx/>
+                <a:uFillTx/>
+                <a:latin typeface="Calibri" panose="020F0502020204030204"/>
+                <a:ea typeface="+mn-ea"/>
+                <a:cs typeface="+mn-cs"/>
+              </a:rPr>
+              <a:t>level</a:t>
+            </a:r>
+            <a:r>
+              <a:rPr kumimoji="0" lang="it-IT" sz="2800" b="1" i="0" u="none" strike="noStrike" kern="1200" cap="none" spc="0" normalizeH="0" baseline="0" noProof="0" dirty="0">
+                <a:ln>
+                  <a:noFill/>
+                </a:ln>
+                <a:solidFill>
+                  <a:prstClr val="white"/>
+                </a:solidFill>
+                <a:effectLst/>
+                <a:uLnTx/>
+                <a:uFillTx/>
+                <a:latin typeface="Calibri" panose="020F0502020204030204"/>
+                <a:ea typeface="+mn-ea"/>
+                <a:cs typeface="+mn-cs"/>
+              </a:rPr>
+              <a:t> </a:t>
+            </a:r>
+            <a:r>
+              <a:rPr kumimoji="0" lang="it-IT" sz="2800" b="1" i="0" u="none" strike="noStrike" kern="1200" cap="none" spc="0" normalizeH="0" baseline="0" noProof="0" dirty="0" err="1">
+                <a:ln>
+                  <a:noFill/>
+                </a:ln>
+                <a:solidFill>
+                  <a:prstClr val="white"/>
+                </a:solidFill>
+                <a:effectLst/>
+                <a:uLnTx/>
+                <a:uFillTx/>
+                <a:latin typeface="Calibri" panose="020F0502020204030204"/>
+                <a:ea typeface="+mn-ea"/>
+                <a:cs typeface="+mn-cs"/>
+              </a:rPr>
+              <a:t>language</a:t>
+            </a:r>
+            <a:endParaRPr lang="it-IT" sz="2800" b="1" dirty="0">
+              <a:solidFill>
+                <a:schemeClr val="bg1"/>
+              </a:solidFill>
+            </a:endParaRPr>
+          </a:p>
+          <a:p>
+            <a:r>
+              <a:rPr lang="it-IT" sz="2800" b="1" dirty="0" err="1">
+                <a:solidFill>
+                  <a:schemeClr val="bg1"/>
+                </a:solidFill>
+              </a:rPr>
+              <a:t>Interpreted</a:t>
+            </a:r>
+            <a:endParaRPr lang="it-IT" sz="2800" b="1" dirty="0">
+              <a:solidFill>
+                <a:schemeClr val="bg1"/>
+              </a:solidFill>
+            </a:endParaRPr>
+          </a:p>
+          <a:p>
+            <a:r>
+              <a:rPr lang="it-IT" sz="2800" b="1" dirty="0">
+                <a:solidFill>
+                  <a:schemeClr val="bg1"/>
+                </a:solidFill>
+              </a:rPr>
+              <a:t>Supports </a:t>
+            </a:r>
+            <a:r>
+              <a:rPr lang="it-IT" sz="2800" b="1" i="1" dirty="0">
+                <a:solidFill>
+                  <a:schemeClr val="bg1"/>
+                </a:solidFill>
+              </a:rPr>
+              <a:t>OOP</a:t>
+            </a:r>
+            <a:r>
+              <a:rPr lang="it-IT" sz="2800" b="1" dirty="0">
+                <a:solidFill>
+                  <a:schemeClr val="bg1"/>
+                </a:solidFill>
+              </a:rPr>
+              <a:t> (</a:t>
+            </a:r>
+            <a:r>
+              <a:rPr lang="it-IT" sz="2800" b="1" i="1" dirty="0">
+                <a:solidFill>
+                  <a:schemeClr val="bg1"/>
+                </a:solidFill>
+              </a:rPr>
+              <a:t>O</a:t>
+            </a:r>
+            <a:r>
+              <a:rPr lang="it-IT" sz="2800" b="1" dirty="0">
+                <a:solidFill>
+                  <a:schemeClr val="bg1"/>
+                </a:solidFill>
+              </a:rPr>
+              <a:t>bject </a:t>
+            </a:r>
+            <a:r>
+              <a:rPr lang="it-IT" sz="2800" b="1" i="1" dirty="0" err="1">
+                <a:solidFill>
+                  <a:schemeClr val="bg1"/>
+                </a:solidFill>
+              </a:rPr>
+              <a:t>O</a:t>
+            </a:r>
+            <a:r>
+              <a:rPr lang="it-IT" sz="2800" b="1" dirty="0" err="1">
+                <a:solidFill>
+                  <a:schemeClr val="bg1"/>
+                </a:solidFill>
+              </a:rPr>
+              <a:t>riented</a:t>
+            </a:r>
+            <a:r>
+              <a:rPr lang="it-IT" sz="2800" b="1" dirty="0">
+                <a:solidFill>
+                  <a:schemeClr val="bg1"/>
+                </a:solidFill>
+              </a:rPr>
+              <a:t> </a:t>
+            </a:r>
+            <a:r>
+              <a:rPr lang="it-IT" sz="2800" b="1" i="1" dirty="0">
+                <a:solidFill>
+                  <a:schemeClr val="bg1"/>
+                </a:solidFill>
+              </a:rPr>
+              <a:t>P</a:t>
+            </a:r>
+            <a:r>
+              <a:rPr lang="it-IT" sz="2800" b="1" dirty="0">
+                <a:solidFill>
+                  <a:schemeClr val="bg1"/>
+                </a:solidFill>
+              </a:rPr>
+              <a:t>rogramming)</a:t>
+            </a:r>
+          </a:p>
+          <a:p>
+            <a:endParaRPr lang="it-IT" sz="2800" b="1" i="1" dirty="0">
+              <a:solidFill>
+                <a:schemeClr val="bg1"/>
+              </a:solidFill>
+            </a:endParaRPr>
+          </a:p>
+          <a:p>
+            <a:endParaRPr lang="it-IT" sz="2800" b="1" i="1" dirty="0">
+              <a:solidFill>
+                <a:schemeClr val="bg1"/>
+              </a:solidFill>
+            </a:endParaRPr>
+          </a:p>
+          <a:p>
+            <a:endParaRPr lang="it-IT" sz="2800" b="1" i="1" dirty="0">
+              <a:solidFill>
+                <a:schemeClr val="bg1"/>
+              </a:solidFill>
+            </a:endParaRPr>
+          </a:p>
+          <a:p>
+            <a:r>
+              <a:rPr lang="it-IT" sz="2800" b="1" i="1" dirty="0" err="1">
+                <a:solidFill>
+                  <a:schemeClr val="bg1"/>
+                </a:solidFill>
+              </a:rPr>
+              <a:t>Main</a:t>
+            </a:r>
+            <a:r>
+              <a:rPr lang="it-IT" sz="2800" b="1" i="1" dirty="0">
+                <a:solidFill>
+                  <a:schemeClr val="bg1"/>
+                </a:solidFill>
+              </a:rPr>
+              <a:t> </a:t>
+            </a:r>
+            <a:r>
+              <a:rPr lang="it-IT" sz="2800" b="1" i="1" dirty="0" err="1">
+                <a:solidFill>
+                  <a:schemeClr val="bg1"/>
+                </a:solidFill>
+              </a:rPr>
+              <a:t>advantage</a:t>
+            </a:r>
+            <a:r>
+              <a:rPr lang="it-IT" sz="2800" b="1" i="1" dirty="0">
+                <a:solidFill>
+                  <a:schemeClr val="bg1"/>
+                </a:solidFill>
+              </a:rPr>
+              <a:t> over </a:t>
+            </a:r>
+            <a:r>
+              <a:rPr lang="it-IT" sz="2800" b="1" i="1" dirty="0" err="1">
+                <a:solidFill>
+                  <a:schemeClr val="bg1"/>
+                </a:solidFill>
+              </a:rPr>
+              <a:t>compiled</a:t>
+            </a:r>
+            <a:r>
+              <a:rPr lang="it-IT" sz="2800" b="1" i="1" dirty="0">
+                <a:solidFill>
+                  <a:schemeClr val="bg1"/>
+                </a:solidFill>
+              </a:rPr>
+              <a:t> </a:t>
+            </a:r>
+            <a:r>
+              <a:rPr lang="it-IT" sz="2800" b="1" i="1" dirty="0" err="1">
+                <a:solidFill>
+                  <a:schemeClr val="bg1"/>
+                </a:solidFill>
+              </a:rPr>
+              <a:t>languages</a:t>
+            </a:r>
+            <a:r>
+              <a:rPr lang="it-IT" sz="2800" b="1" i="1" dirty="0">
+                <a:solidFill>
+                  <a:schemeClr val="bg1"/>
+                </a:solidFill>
+              </a:rPr>
+              <a:t>: </a:t>
+            </a:r>
+            <a:r>
+              <a:rPr lang="it-IT" sz="2800" b="1" dirty="0" err="1">
+                <a:solidFill>
+                  <a:schemeClr val="accent2">
+                    <a:lumMod val="75000"/>
+                  </a:schemeClr>
+                </a:solidFill>
+              </a:rPr>
+              <a:t>interactivity</a:t>
+            </a:r>
+            <a:endParaRPr lang="it-IT" sz="2800" b="1" dirty="0">
+              <a:solidFill>
+                <a:schemeClr val="accent2">
+                  <a:lumMod val="75000"/>
+                </a:schemeClr>
+              </a:solidFill>
+            </a:endParaRPr>
+          </a:p>
+          <a:p>
+            <a:endParaRPr lang="it-IT" sz="2800" b="1" i="1" dirty="0">
+              <a:solidFill>
+                <a:schemeClr val="bg1"/>
+              </a:solidFill>
+            </a:endParaRPr>
+          </a:p>
+          <a:p>
+            <a:r>
+              <a:rPr lang="it-IT" sz="2800" b="1" i="1" dirty="0" err="1">
+                <a:solidFill>
+                  <a:schemeClr val="bg1"/>
+                </a:solidFill>
+              </a:rPr>
+              <a:t>main</a:t>
+            </a:r>
+            <a:r>
+              <a:rPr lang="it-IT" sz="2800" b="1" i="1" dirty="0">
+                <a:solidFill>
+                  <a:schemeClr val="bg1"/>
+                </a:solidFill>
+              </a:rPr>
+              <a:t> </a:t>
+            </a:r>
+            <a:r>
+              <a:rPr lang="it-IT" sz="2800" b="1" i="1" dirty="0" err="1">
+                <a:solidFill>
+                  <a:schemeClr val="bg1"/>
+                </a:solidFill>
+              </a:rPr>
+              <a:t>disadvantage</a:t>
+            </a:r>
+            <a:r>
+              <a:rPr lang="it-IT" sz="2800" b="1" i="1" dirty="0">
+                <a:solidFill>
+                  <a:schemeClr val="bg1"/>
+                </a:solidFill>
+              </a:rPr>
+              <a:t>: </a:t>
+            </a:r>
+            <a:r>
+              <a:rPr lang="it-IT" sz="2800" b="1" dirty="0" err="1">
+                <a:solidFill>
+                  <a:schemeClr val="accent2">
+                    <a:lumMod val="75000"/>
+                  </a:schemeClr>
+                </a:solidFill>
+              </a:rPr>
+              <a:t>relatively</a:t>
+            </a:r>
+            <a:r>
+              <a:rPr lang="it-IT" sz="2800" b="1" dirty="0">
+                <a:solidFill>
+                  <a:schemeClr val="accent2">
+                    <a:lumMod val="75000"/>
+                  </a:schemeClr>
+                </a:solidFill>
+              </a:rPr>
+              <a:t> low </a:t>
+            </a:r>
+            <a:r>
+              <a:rPr lang="it-IT" sz="2800" b="1" dirty="0" err="1">
+                <a:solidFill>
+                  <a:schemeClr val="accent2">
+                    <a:lumMod val="75000"/>
+                  </a:schemeClr>
+                </a:solidFill>
+              </a:rPr>
+              <a:t>efficiency</a:t>
+            </a:r>
+            <a:endParaRPr lang="it-IT" sz="2800" b="1" dirty="0">
+              <a:solidFill>
+                <a:schemeClr val="accent2">
+                  <a:lumMod val="75000"/>
+                </a:schemeClr>
+              </a:solidFill>
+            </a:endParaRPr>
+          </a:p>
+          <a:p>
+            <a:endParaRPr lang="it-IT" sz="2800" b="1" dirty="0">
+              <a:solidFill>
+                <a:schemeClr val="bg1"/>
+              </a:solidFill>
+            </a:endParaRPr>
+          </a:p>
+          <a:p>
+            <a:endParaRPr lang="it-IT" sz="2800" b="1" i="1" dirty="0"/>
+          </a:p>
+        </p:txBody>
+      </p:sp>
+    </p:spTree>
+    <p:extLst>
+      <p:ext uri="{BB962C8B-B14F-4D97-AF65-F5344CB8AC3E}">
+        <p14:creationId xmlns:p14="http://schemas.microsoft.com/office/powerpoint/2010/main" val="124606187"/>
+      </p:ext>
+    </p:extLst>
+  </p:cSld>
+  <p:clrMapOvr>
+    <a:masterClrMapping/>
+  </p:clrMapOvr>
+</p:sld>
+</file>
+
+<file path=ppt/slides/slide9.xml><?xml version="1.0" encoding="utf-8"?>
+<p:sld xmlns:a="http://schemas.openxmlformats.org/drawingml/2006/main" xmlns:r="http://schemas.openxmlformats.org/officeDocument/2006/relationships" xmlns:p="http://schemas.openxmlformats.org/presentationml/2006/main">
+  <p:cSld>
+    <p:spTree>
+      <p:nvGrpSpPr>
+        <p:cNvPr id="1" name=""/>
+        <p:cNvGrpSpPr/>
+        <p:nvPr/>
+      </p:nvGrpSpPr>
+      <p:grpSpPr>
+        <a:xfrm>
+          <a:off x="0" y="0"/>
+          <a:ext cx="0" cy="0"/>
+          <a:chOff x="0" y="0"/>
+          <a:chExt cx="0" cy="0"/>
+        </a:xfrm>
+      </p:grpSpPr>
+      <p:sp>
+        <p:nvSpPr>
+          <p:cNvPr id="2" name="CasellaDiTesto 1">
+            <a:extLst>
+              <a:ext uri="{FF2B5EF4-FFF2-40B4-BE49-F238E27FC236}">
+                <a16:creationId xmlns:a16="http://schemas.microsoft.com/office/drawing/2014/main" id="{1D2D5F09-5662-41DD-AD78-5C40BF9747A2}"/>
+              </a:ext>
+            </a:extLst>
+          </p:cNvPr>
+          <p:cNvSpPr txBox="1"/>
+          <p:nvPr/>
+        </p:nvSpPr>
+        <p:spPr>
+          <a:xfrm>
+            <a:off x="788565" y="421054"/>
+            <a:ext cx="5302414" cy="523220"/>
+          </a:xfrm>
+          <a:prstGeom prst="rect">
+            <a:avLst/>
+          </a:prstGeom>
+          <a:noFill/>
+        </p:spPr>
+        <p:txBody>
+          <a:bodyPr wrap="none" rtlCol="0">
+            <a:spAutoFit/>
+          </a:bodyPr>
+          <a:lstStyle/>
+          <a:p>
+            <a:r>
+              <a:rPr lang="it-IT" sz="2800" b="1" i="1" dirty="0" err="1">
+                <a:solidFill>
+                  <a:schemeClr val="bg1"/>
+                </a:solidFill>
+              </a:rPr>
+              <a:t>Where</a:t>
+            </a:r>
+            <a:r>
+              <a:rPr lang="it-IT" sz="2800" b="1" i="1" dirty="0">
+                <a:solidFill>
+                  <a:schemeClr val="bg1"/>
+                </a:solidFill>
+              </a:rPr>
+              <a:t> to </a:t>
+            </a:r>
+            <a:r>
+              <a:rPr lang="it-IT" sz="2800" b="1" i="1" dirty="0" err="1">
+                <a:solidFill>
+                  <a:schemeClr val="bg1"/>
+                </a:solidFill>
+              </a:rPr>
+              <a:t>find</a:t>
+            </a:r>
+            <a:r>
+              <a:rPr lang="it-IT" sz="2800" b="1" i="1" dirty="0">
+                <a:solidFill>
+                  <a:schemeClr val="bg1"/>
+                </a:solidFill>
+              </a:rPr>
+              <a:t> (</a:t>
+            </a:r>
+            <a:r>
+              <a:rPr lang="it-IT" sz="2800" b="1" i="1" dirty="0" err="1">
+                <a:solidFill>
+                  <a:schemeClr val="bg1"/>
+                </a:solidFill>
+              </a:rPr>
+              <a:t>valuable</a:t>
+            </a:r>
+            <a:r>
+              <a:rPr lang="it-IT" sz="2800" b="1" i="1" dirty="0">
+                <a:solidFill>
+                  <a:schemeClr val="bg1"/>
+                </a:solidFill>
+              </a:rPr>
+              <a:t>) support…</a:t>
+            </a:r>
+          </a:p>
+        </p:txBody>
+      </p:sp>
+      <p:sp>
+        <p:nvSpPr>
+          <p:cNvPr id="3" name="CasellaDiTesto 2">
+            <a:extLst>
+              <a:ext uri="{FF2B5EF4-FFF2-40B4-BE49-F238E27FC236}">
+                <a16:creationId xmlns:a16="http://schemas.microsoft.com/office/drawing/2014/main" id="{91D64F0B-36E8-44B2-BA43-97DB720C33D8}"/>
+              </a:ext>
+            </a:extLst>
+          </p:cNvPr>
+          <p:cNvSpPr txBox="1"/>
+          <p:nvPr/>
+        </p:nvSpPr>
+        <p:spPr>
+          <a:xfrm>
+            <a:off x="788565" y="2081465"/>
+            <a:ext cx="2027763" cy="3265097"/>
+          </a:xfrm>
+          <a:prstGeom prst="rect">
+            <a:avLst/>
+          </a:prstGeom>
+          <a:solidFill>
+            <a:schemeClr val="accent1"/>
+          </a:solidFill>
+          <a:ln>
+            <a:solidFill>
+              <a:schemeClr val="accent1"/>
+            </a:solidFill>
+          </a:ln>
+          <a:scene3d>
+            <a:camera prst="orthographicFront"/>
+            <a:lightRig rig="threePt" dir="t"/>
+          </a:scene3d>
+          <a:sp3d>
+            <a:bevelT w="101600" h="101600"/>
+          </a:sp3d>
+        </p:spPr>
+        <p:txBody>
+          <a:bodyPr wrap="none" lIns="144000" tIns="108000" rIns="144000" bIns="108000" rtlCol="0">
+            <a:spAutoFit/>
+          </a:bodyPr>
+          <a:lstStyle/>
+          <a:p>
+            <a:r>
+              <a:rPr lang="it-IT" dirty="0">
+                <a:solidFill>
+                  <a:schemeClr val="bg1"/>
+                </a:solidFill>
+                <a:hlinkClick r:id="rId2">
+                  <a:extLst>
+                    <a:ext uri="{A12FA001-AC4F-418D-AE19-62706E023703}">
+                      <ahyp:hlinkClr xmlns:ahyp="http://schemas.microsoft.com/office/drawing/2018/hyperlinkcolor" val="tx"/>
+                    </a:ext>
+                  </a:extLst>
+                </a:hlinkClick>
+              </a:rPr>
+              <a:t>python.org</a:t>
+            </a:r>
+            <a:endParaRPr lang="it-IT" dirty="0">
+              <a:solidFill>
+                <a:schemeClr val="bg1"/>
+              </a:solidFill>
+              <a:hlinkClick r:id="rId3"/>
+            </a:endParaRPr>
+          </a:p>
+          <a:p>
+            <a:endParaRPr lang="it-IT" dirty="0">
+              <a:solidFill>
+                <a:schemeClr val="bg1"/>
+              </a:solidFill>
+              <a:hlinkClick r:id="rId3"/>
+            </a:endParaRPr>
+          </a:p>
+          <a:p>
+            <a:r>
+              <a:rPr lang="it-IT" dirty="0">
+                <a:solidFill>
+                  <a:schemeClr val="bg1"/>
+                </a:solidFill>
+                <a:hlinkClick r:id="rId3">
+                  <a:extLst>
+                    <a:ext uri="{A12FA001-AC4F-418D-AE19-62706E023703}">
+                      <ahyp:hlinkClr xmlns:ahyp="http://schemas.microsoft.com/office/drawing/2018/hyperlinkcolor" val="tx"/>
+                    </a:ext>
+                  </a:extLst>
+                </a:hlinkClick>
+              </a:rPr>
+              <a:t>anaconda.org</a:t>
+            </a:r>
+            <a:endParaRPr lang="it-IT" dirty="0">
+              <a:solidFill>
+                <a:schemeClr val="bg1"/>
+              </a:solidFill>
+            </a:endParaRPr>
+          </a:p>
+          <a:p>
+            <a:endParaRPr lang="it-IT" dirty="0">
+              <a:solidFill>
+                <a:schemeClr val="bg1"/>
+              </a:solidFill>
+            </a:endParaRPr>
+          </a:p>
+          <a:p>
+            <a:r>
+              <a:rPr lang="it-IT" dirty="0">
+                <a:solidFill>
+                  <a:schemeClr val="bg1"/>
+                </a:solidFill>
+                <a:hlinkClick r:id="rId4">
+                  <a:extLst>
+                    <a:ext uri="{A12FA001-AC4F-418D-AE19-62706E023703}">
+                      <ahyp:hlinkClr xmlns:ahyp="http://schemas.microsoft.com/office/drawing/2018/hyperlinkcolor" val="tx"/>
+                    </a:ext>
+                  </a:extLst>
+                </a:hlinkClick>
+              </a:rPr>
+              <a:t>numpy.org</a:t>
+            </a:r>
+            <a:endParaRPr lang="it-IT" dirty="0">
+              <a:solidFill>
+                <a:schemeClr val="bg1"/>
+              </a:solidFill>
+            </a:endParaRPr>
+          </a:p>
+          <a:p>
+            <a:endParaRPr lang="it-IT" dirty="0">
+              <a:solidFill>
+                <a:schemeClr val="bg1"/>
+              </a:solidFill>
+              <a:hlinkClick r:id="rId5"/>
+            </a:endParaRPr>
+          </a:p>
+          <a:p>
+            <a:r>
+              <a:rPr lang="it-IT" dirty="0">
+                <a:solidFill>
+                  <a:schemeClr val="bg1"/>
+                </a:solidFill>
+                <a:hlinkClick r:id="rId5">
+                  <a:extLst>
+                    <a:ext uri="{A12FA001-AC4F-418D-AE19-62706E023703}">
+                      <ahyp:hlinkClr xmlns:ahyp="http://schemas.microsoft.com/office/drawing/2018/hyperlinkcolor" val="tx"/>
+                    </a:ext>
+                  </a:extLst>
+                </a:hlinkClick>
+              </a:rPr>
+              <a:t>scipy.org</a:t>
+            </a:r>
+            <a:endParaRPr lang="it-IT" dirty="0">
+              <a:solidFill>
+                <a:schemeClr val="bg1"/>
+              </a:solidFill>
+            </a:endParaRPr>
+          </a:p>
+          <a:p>
+            <a:endParaRPr lang="it-IT" dirty="0">
+              <a:solidFill>
+                <a:schemeClr val="bg1"/>
+              </a:solidFill>
+            </a:endParaRPr>
+          </a:p>
+          <a:p>
+            <a:r>
+              <a:rPr lang="it-IT" dirty="0">
+                <a:solidFill>
+                  <a:schemeClr val="bg1"/>
+                </a:solidFill>
+                <a:hlinkClick r:id="rId6">
+                  <a:extLst>
+                    <a:ext uri="{A12FA001-AC4F-418D-AE19-62706E023703}">
+                      <ahyp:hlinkClr xmlns:ahyp="http://schemas.microsoft.com/office/drawing/2018/hyperlinkcolor" val="tx"/>
+                    </a:ext>
+                  </a:extLst>
+                </a:hlinkClick>
+              </a:rPr>
+              <a:t>pandas.pydata.org</a:t>
+            </a:r>
+            <a:endParaRPr lang="it-IT" dirty="0">
+              <a:solidFill>
+                <a:schemeClr val="bg1"/>
+              </a:solidFill>
+            </a:endParaRPr>
+          </a:p>
+          <a:p>
+            <a:endParaRPr lang="it-IT" dirty="0">
+              <a:solidFill>
+                <a:schemeClr val="bg1"/>
+              </a:solidFill>
+            </a:endParaRPr>
+          </a:p>
+          <a:p>
+            <a:r>
+              <a:rPr lang="it-IT" dirty="0">
+                <a:solidFill>
+                  <a:schemeClr val="bg1"/>
+                </a:solidFill>
+                <a:hlinkClick r:id="rId7">
+                  <a:extLst>
+                    <a:ext uri="{A12FA001-AC4F-418D-AE19-62706E023703}">
+                      <ahyp:hlinkClr xmlns:ahyp="http://schemas.microsoft.com/office/drawing/2018/hyperlinkcolor" val="tx"/>
+                    </a:ext>
+                  </a:extLst>
+                </a:hlinkClick>
+              </a:rPr>
+              <a:t>sympy.org</a:t>
+            </a:r>
+            <a:endParaRPr lang="it-IT" dirty="0">
+              <a:solidFill>
+                <a:schemeClr val="bg1"/>
+              </a:solidFill>
+            </a:endParaRPr>
+          </a:p>
+        </p:txBody>
+      </p:sp>
+      <p:sp>
+        <p:nvSpPr>
+          <p:cNvPr id="4" name="CasellaDiTesto 3">
+            <a:extLst>
+              <a:ext uri="{FF2B5EF4-FFF2-40B4-BE49-F238E27FC236}">
+                <a16:creationId xmlns:a16="http://schemas.microsoft.com/office/drawing/2014/main" id="{B8F34849-A6DB-40B3-86EB-945093A04F3C}"/>
+              </a:ext>
+            </a:extLst>
+          </p:cNvPr>
+          <p:cNvSpPr txBox="1"/>
+          <p:nvPr/>
+        </p:nvSpPr>
+        <p:spPr>
+          <a:xfrm>
+            <a:off x="788565" y="1315662"/>
+            <a:ext cx="1318053" cy="369332"/>
+          </a:xfrm>
+          <a:prstGeom prst="rect">
+            <a:avLst/>
+          </a:prstGeom>
+          <a:noFill/>
+        </p:spPr>
+        <p:txBody>
+          <a:bodyPr wrap="none" rtlCol="0">
+            <a:spAutoFit/>
+          </a:bodyPr>
+          <a:lstStyle/>
+          <a:p>
+            <a:r>
+              <a:rPr lang="it-IT" i="1" dirty="0" err="1">
+                <a:solidFill>
+                  <a:schemeClr val="bg1"/>
+                </a:solidFill>
+              </a:rPr>
+              <a:t>Official</a:t>
+            </a:r>
+            <a:r>
+              <a:rPr lang="it-IT" dirty="0">
+                <a:solidFill>
+                  <a:schemeClr val="bg1"/>
+                </a:solidFill>
+              </a:rPr>
+              <a:t> </a:t>
+            </a:r>
+            <a:r>
+              <a:rPr lang="it-IT" dirty="0" err="1">
+                <a:solidFill>
+                  <a:schemeClr val="bg1"/>
+                </a:solidFill>
+              </a:rPr>
+              <a:t>sites</a:t>
+            </a:r>
+            <a:endParaRPr lang="it-IT" dirty="0">
+              <a:solidFill>
+                <a:schemeClr val="bg1"/>
+              </a:solidFill>
+            </a:endParaRPr>
+          </a:p>
+        </p:txBody>
+      </p:sp>
+      <p:sp>
+        <p:nvSpPr>
+          <p:cNvPr id="6" name="CasellaDiTesto 5">
+            <a:extLst>
+              <a:ext uri="{FF2B5EF4-FFF2-40B4-BE49-F238E27FC236}">
+                <a16:creationId xmlns:a16="http://schemas.microsoft.com/office/drawing/2014/main" id="{86093197-6957-4566-AF69-E553DBBB8A3F}"/>
+              </a:ext>
+            </a:extLst>
+          </p:cNvPr>
+          <p:cNvSpPr txBox="1"/>
+          <p:nvPr/>
+        </p:nvSpPr>
+        <p:spPr>
+          <a:xfrm>
+            <a:off x="4160939" y="2000164"/>
+            <a:ext cx="2374085" cy="369332"/>
+          </a:xfrm>
+          <a:prstGeom prst="rect">
+            <a:avLst/>
+          </a:prstGeom>
+          <a:noFill/>
+        </p:spPr>
+        <p:txBody>
+          <a:bodyPr wrap="square">
+            <a:spAutoFit/>
+          </a:bodyPr>
+          <a:lstStyle/>
+          <a:p>
+            <a:r>
+              <a:rPr lang="it-IT" dirty="0">
+                <a:solidFill>
+                  <a:schemeClr val="bg1"/>
+                </a:solidFill>
+                <a:hlinkClick r:id="rId8">
+                  <a:extLst>
+                    <a:ext uri="{A12FA001-AC4F-418D-AE19-62706E023703}">
+                      <ahyp:hlinkClr xmlns:ahyp="http://schemas.microsoft.com/office/drawing/2018/hyperlinkcolor" val="tx"/>
+                    </a:ext>
+                  </a:extLst>
+                </a:hlinkClick>
+              </a:rPr>
+              <a:t>conference.scipy.org</a:t>
+            </a:r>
+            <a:endParaRPr lang="it-IT" dirty="0">
+              <a:solidFill>
+                <a:schemeClr val="bg1"/>
+              </a:solidFill>
+            </a:endParaRPr>
+          </a:p>
+        </p:txBody>
+      </p:sp>
+      <p:sp>
+        <p:nvSpPr>
+          <p:cNvPr id="7" name="CasellaDiTesto 6">
+            <a:extLst>
+              <a:ext uri="{FF2B5EF4-FFF2-40B4-BE49-F238E27FC236}">
+                <a16:creationId xmlns:a16="http://schemas.microsoft.com/office/drawing/2014/main" id="{3A622030-B512-46A1-984C-099F00A6DDE8}"/>
+              </a:ext>
+            </a:extLst>
+          </p:cNvPr>
+          <p:cNvSpPr txBox="1"/>
+          <p:nvPr/>
+        </p:nvSpPr>
+        <p:spPr>
+          <a:xfrm>
+            <a:off x="4160939" y="1296078"/>
+            <a:ext cx="2589620" cy="369332"/>
+          </a:xfrm>
+          <a:prstGeom prst="rect">
+            <a:avLst/>
+          </a:prstGeom>
+          <a:noFill/>
+        </p:spPr>
+        <p:txBody>
+          <a:bodyPr wrap="none" rtlCol="0">
+            <a:spAutoFit/>
+          </a:bodyPr>
+          <a:lstStyle/>
+          <a:p>
+            <a:r>
+              <a:rPr lang="it-IT" i="1" dirty="0">
+                <a:solidFill>
+                  <a:schemeClr val="bg1"/>
+                </a:solidFill>
+              </a:rPr>
+              <a:t>Conferences and Tutorials</a:t>
+            </a:r>
+          </a:p>
+        </p:txBody>
+      </p:sp>
+      <p:sp>
+        <p:nvSpPr>
+          <p:cNvPr id="9" name="CasellaDiTesto 8">
+            <a:extLst>
+              <a:ext uri="{FF2B5EF4-FFF2-40B4-BE49-F238E27FC236}">
+                <a16:creationId xmlns:a16="http://schemas.microsoft.com/office/drawing/2014/main" id="{84CB5159-DF56-4D76-BA2A-DEE8ADC49801}"/>
+              </a:ext>
+            </a:extLst>
+          </p:cNvPr>
+          <p:cNvSpPr txBox="1"/>
+          <p:nvPr/>
+        </p:nvSpPr>
+        <p:spPr>
+          <a:xfrm>
+            <a:off x="4160939" y="3441086"/>
+            <a:ext cx="6094602" cy="369332"/>
+          </a:xfrm>
+          <a:prstGeom prst="rect">
+            <a:avLst/>
+          </a:prstGeom>
+          <a:noFill/>
+        </p:spPr>
+        <p:txBody>
+          <a:bodyPr wrap="square">
+            <a:spAutoFit/>
+          </a:bodyPr>
+          <a:lstStyle/>
+          <a:p>
+            <a:r>
+              <a:rPr lang="en-US" dirty="0">
+                <a:solidFill>
+                  <a:schemeClr val="bg1"/>
+                </a:solidFill>
+                <a:hlinkClick r:id="rId9">
+                  <a:extLst>
+                    <a:ext uri="{A12FA001-AC4F-418D-AE19-62706E023703}">
+                      <ahyp:hlinkClr xmlns:ahyp="http://schemas.microsoft.com/office/drawing/2018/hyperlinkcolor" val="tx"/>
+                    </a:ext>
+                  </a:extLst>
+                </a:hlinkClick>
+              </a:rPr>
+              <a:t>2016</a:t>
+            </a:r>
+            <a:endParaRPr lang="it-IT" dirty="0">
+              <a:solidFill>
+                <a:schemeClr val="bg1"/>
+              </a:solidFill>
+            </a:endParaRPr>
+          </a:p>
+        </p:txBody>
+      </p:sp>
+      <p:sp>
+        <p:nvSpPr>
+          <p:cNvPr id="11" name="CasellaDiTesto 10">
+            <a:extLst>
+              <a:ext uri="{FF2B5EF4-FFF2-40B4-BE49-F238E27FC236}">
+                <a16:creationId xmlns:a16="http://schemas.microsoft.com/office/drawing/2014/main" id="{3D912145-09BC-4714-ADCF-86E4444941A2}"/>
+              </a:ext>
+            </a:extLst>
+          </p:cNvPr>
+          <p:cNvSpPr txBox="1"/>
+          <p:nvPr/>
+        </p:nvSpPr>
+        <p:spPr>
+          <a:xfrm>
+            <a:off x="4160939" y="3071754"/>
+            <a:ext cx="6094602" cy="369332"/>
+          </a:xfrm>
+          <a:prstGeom prst="rect">
+            <a:avLst/>
+          </a:prstGeom>
+          <a:noFill/>
+        </p:spPr>
+        <p:txBody>
+          <a:bodyPr wrap="square">
+            <a:spAutoFit/>
+          </a:bodyPr>
+          <a:lstStyle/>
+          <a:p>
+            <a:r>
+              <a:rPr lang="it-IT" dirty="0">
+                <a:solidFill>
+                  <a:schemeClr val="bg1"/>
+                </a:solidFill>
+                <a:hlinkClick r:id="rId10">
+                  <a:extLst>
+                    <a:ext uri="{A12FA001-AC4F-418D-AE19-62706E023703}">
+                      <ahyp:hlinkClr xmlns:ahyp="http://schemas.microsoft.com/office/drawing/2018/hyperlinkcolor" val="tx"/>
+                    </a:ext>
+                  </a:extLst>
+                </a:hlinkClick>
+              </a:rPr>
+              <a:t>2018</a:t>
+            </a:r>
+            <a:endParaRPr lang="it-IT" dirty="0">
+              <a:solidFill>
+                <a:schemeClr val="bg1"/>
+              </a:solidFill>
+            </a:endParaRPr>
+          </a:p>
+        </p:txBody>
+      </p:sp>
+      <p:sp>
+        <p:nvSpPr>
+          <p:cNvPr id="12" name="CasellaDiTesto 11">
+            <a:extLst>
+              <a:ext uri="{FF2B5EF4-FFF2-40B4-BE49-F238E27FC236}">
+                <a16:creationId xmlns:a16="http://schemas.microsoft.com/office/drawing/2014/main" id="{CD5CA685-DA26-43F9-9FF5-56D0C60DC808}"/>
+              </a:ext>
+            </a:extLst>
+          </p:cNvPr>
+          <p:cNvSpPr txBox="1"/>
+          <p:nvPr/>
+        </p:nvSpPr>
+        <p:spPr>
+          <a:xfrm>
+            <a:off x="4160939" y="2720625"/>
+            <a:ext cx="2768130" cy="369332"/>
+          </a:xfrm>
+          <a:prstGeom prst="rect">
+            <a:avLst/>
+          </a:prstGeom>
+          <a:noFill/>
+        </p:spPr>
+        <p:txBody>
+          <a:bodyPr wrap="none" rtlCol="0">
+            <a:spAutoFit/>
+          </a:bodyPr>
+          <a:lstStyle/>
+          <a:p>
+            <a:r>
+              <a:rPr lang="it-IT" i="1" dirty="0">
+                <a:solidFill>
+                  <a:schemeClr val="bg1"/>
+                </a:solidFill>
+              </a:rPr>
+              <a:t>YouTube playlist of tutorials</a:t>
+            </a:r>
+          </a:p>
+        </p:txBody>
+      </p:sp>
+      <p:sp>
+        <p:nvSpPr>
+          <p:cNvPr id="14" name="CasellaDiTesto 13">
+            <a:extLst>
+              <a:ext uri="{FF2B5EF4-FFF2-40B4-BE49-F238E27FC236}">
+                <a16:creationId xmlns:a16="http://schemas.microsoft.com/office/drawing/2014/main" id="{40F53EA7-E23A-4625-A4CD-1943EB602CD2}"/>
+              </a:ext>
+            </a:extLst>
+          </p:cNvPr>
+          <p:cNvSpPr txBox="1"/>
+          <p:nvPr/>
+        </p:nvSpPr>
+        <p:spPr>
+          <a:xfrm>
+            <a:off x="4160939" y="3827468"/>
+            <a:ext cx="1367406" cy="369332"/>
+          </a:xfrm>
+          <a:prstGeom prst="rect">
+            <a:avLst/>
+          </a:prstGeom>
+          <a:noFill/>
+        </p:spPr>
+        <p:txBody>
+          <a:bodyPr wrap="square">
+            <a:spAutoFit/>
+          </a:bodyPr>
+          <a:lstStyle/>
+          <a:p>
+            <a:r>
+              <a:rPr lang="it-IT" dirty="0">
+                <a:solidFill>
+                  <a:schemeClr val="bg1"/>
+                </a:solidFill>
+                <a:hlinkClick r:id="rId11">
+                  <a:extLst>
+                    <a:ext uri="{A12FA001-AC4F-418D-AE19-62706E023703}">
+                      <ahyp:hlinkClr xmlns:ahyp="http://schemas.microsoft.com/office/drawing/2018/hyperlinkcolor" val="tx"/>
+                    </a:ext>
+                  </a:extLst>
+                </a:hlinkClick>
+              </a:rPr>
+              <a:t>2014</a:t>
+            </a:r>
+            <a:endParaRPr lang="it-IT" dirty="0">
+              <a:solidFill>
+                <a:schemeClr val="bg1"/>
+              </a:solidFill>
+            </a:endParaRPr>
+          </a:p>
+        </p:txBody>
+      </p:sp>
+      <p:sp>
+        <p:nvSpPr>
+          <p:cNvPr id="16" name="CasellaDiTesto 15">
+            <a:extLst>
+              <a:ext uri="{FF2B5EF4-FFF2-40B4-BE49-F238E27FC236}">
+                <a16:creationId xmlns:a16="http://schemas.microsoft.com/office/drawing/2014/main" id="{458AD649-90A4-4BD2-974B-021A16320015}"/>
+              </a:ext>
+            </a:extLst>
+          </p:cNvPr>
+          <p:cNvSpPr txBox="1"/>
+          <p:nvPr/>
+        </p:nvSpPr>
+        <p:spPr>
+          <a:xfrm>
+            <a:off x="8256863" y="2017214"/>
+            <a:ext cx="2799670" cy="369332"/>
+          </a:xfrm>
+          <a:prstGeom prst="rect">
+            <a:avLst/>
+          </a:prstGeom>
+          <a:noFill/>
+        </p:spPr>
+        <p:txBody>
+          <a:bodyPr wrap="square">
+            <a:spAutoFit/>
+          </a:bodyPr>
+          <a:lstStyle/>
+          <a:p>
+            <a:r>
+              <a:rPr lang="it-IT" dirty="0" err="1">
+                <a:solidFill>
+                  <a:schemeClr val="bg1"/>
+                </a:solidFill>
+                <a:hlinkClick r:id="rId12">
+                  <a:extLst>
+                    <a:ext uri="{A12FA001-AC4F-418D-AE19-62706E023703}">
+                      <ahyp:hlinkClr xmlns:ahyp="http://schemas.microsoft.com/office/drawing/2018/hyperlinkcolor" val="tx"/>
+                    </a:ext>
+                  </a:extLst>
+                </a:hlinkClick>
+              </a:rPr>
+              <a:t>Pandas</a:t>
+            </a:r>
+            <a:r>
+              <a:rPr lang="it-IT" dirty="0">
+                <a:solidFill>
+                  <a:schemeClr val="bg1"/>
+                </a:solidFill>
+                <a:hlinkClick r:id="rId12">
+                  <a:extLst>
+                    <a:ext uri="{A12FA001-AC4F-418D-AE19-62706E023703}">
+                      <ahyp:hlinkClr xmlns:ahyp="http://schemas.microsoft.com/office/drawing/2018/hyperlinkcolor" val="tx"/>
+                    </a:ext>
+                  </a:extLst>
+                </a:hlinkClick>
+              </a:rPr>
+              <a:t> (David Chen 2019)</a:t>
+            </a:r>
+            <a:endParaRPr lang="it-IT" dirty="0">
+              <a:solidFill>
+                <a:schemeClr val="bg1"/>
+              </a:solidFill>
+            </a:endParaRPr>
+          </a:p>
+        </p:txBody>
+      </p:sp>
+      <p:sp>
+        <p:nvSpPr>
+          <p:cNvPr id="17" name="CasellaDiTesto 16">
+            <a:extLst>
+              <a:ext uri="{FF2B5EF4-FFF2-40B4-BE49-F238E27FC236}">
+                <a16:creationId xmlns:a16="http://schemas.microsoft.com/office/drawing/2014/main" id="{26F33BF3-188C-49C1-AE29-E32F1939C2F8}"/>
+              </a:ext>
+            </a:extLst>
+          </p:cNvPr>
+          <p:cNvSpPr txBox="1"/>
+          <p:nvPr/>
+        </p:nvSpPr>
+        <p:spPr>
+          <a:xfrm>
+            <a:off x="8256863" y="1251403"/>
+            <a:ext cx="1511311" cy="369332"/>
+          </a:xfrm>
+          <a:prstGeom prst="rect">
+            <a:avLst/>
+          </a:prstGeom>
+          <a:noFill/>
+        </p:spPr>
+        <p:txBody>
+          <a:bodyPr wrap="none" rtlCol="0">
+            <a:spAutoFit/>
+          </a:bodyPr>
+          <a:lstStyle/>
+          <a:p>
+            <a:r>
+              <a:rPr lang="it-IT" i="1" dirty="0" err="1">
+                <a:solidFill>
+                  <a:schemeClr val="bg1"/>
+                </a:solidFill>
+              </a:rPr>
+              <a:t>Specific</a:t>
+            </a:r>
+            <a:r>
+              <a:rPr lang="it-IT" i="1" dirty="0">
+                <a:solidFill>
+                  <a:schemeClr val="bg1"/>
+                </a:solidFill>
+              </a:rPr>
+              <a:t> </a:t>
+            </a:r>
+            <a:r>
+              <a:rPr lang="it-IT" i="1" dirty="0" err="1">
+                <a:solidFill>
+                  <a:schemeClr val="bg1"/>
+                </a:solidFill>
+              </a:rPr>
+              <a:t>topics</a:t>
+            </a:r>
+            <a:endParaRPr lang="it-IT" i="1" dirty="0">
+              <a:solidFill>
+                <a:schemeClr val="bg1"/>
+              </a:solidFill>
+            </a:endParaRPr>
+          </a:p>
+        </p:txBody>
+      </p:sp>
+      <p:sp>
+        <p:nvSpPr>
+          <p:cNvPr id="19" name="CasellaDiTesto 18">
+            <a:extLst>
+              <a:ext uri="{FF2B5EF4-FFF2-40B4-BE49-F238E27FC236}">
+                <a16:creationId xmlns:a16="http://schemas.microsoft.com/office/drawing/2014/main" id="{5495BADE-7D42-4755-A89E-7CCADA4C5036}"/>
+              </a:ext>
+            </a:extLst>
+          </p:cNvPr>
+          <p:cNvSpPr txBox="1"/>
+          <p:nvPr/>
+        </p:nvSpPr>
+        <p:spPr>
+          <a:xfrm>
+            <a:off x="8259372" y="2483656"/>
+            <a:ext cx="3594271" cy="369332"/>
+          </a:xfrm>
+          <a:prstGeom prst="rect">
+            <a:avLst/>
+          </a:prstGeom>
+          <a:noFill/>
+        </p:spPr>
+        <p:txBody>
+          <a:bodyPr wrap="square">
+            <a:spAutoFit/>
+          </a:bodyPr>
+          <a:lstStyle/>
+          <a:p>
+            <a:r>
+              <a:rPr lang="it-IT" dirty="0" err="1">
+                <a:solidFill>
+                  <a:schemeClr val="bg1"/>
+                </a:solidFill>
+                <a:hlinkClick r:id="rId13">
+                  <a:extLst>
+                    <a:ext uri="{A12FA001-AC4F-418D-AE19-62706E023703}">
+                      <ahyp:hlinkClr xmlns:ahyp="http://schemas.microsoft.com/office/drawing/2018/hyperlinkcolor" val="tx"/>
+                    </a:ext>
+                  </a:extLst>
+                </a:hlinkClick>
+              </a:rPr>
+              <a:t>Numpy</a:t>
+            </a:r>
+            <a:r>
+              <a:rPr lang="it-IT" dirty="0">
+                <a:solidFill>
+                  <a:schemeClr val="bg1"/>
+                </a:solidFill>
+                <a:hlinkClick r:id="rId13">
+                  <a:extLst>
+                    <a:ext uri="{A12FA001-AC4F-418D-AE19-62706E023703}">
+                      <ahyp:hlinkClr xmlns:ahyp="http://schemas.microsoft.com/office/drawing/2018/hyperlinkcolor" val="tx"/>
+                    </a:ext>
+                  </a:extLst>
+                </a:hlinkClick>
+              </a:rPr>
+              <a:t> (Alex </a:t>
+            </a:r>
+            <a:r>
+              <a:rPr lang="it-IT" dirty="0" err="1">
+                <a:solidFill>
+                  <a:schemeClr val="bg1"/>
+                </a:solidFill>
+                <a:hlinkClick r:id="rId13">
+                  <a:extLst>
+                    <a:ext uri="{A12FA001-AC4F-418D-AE19-62706E023703}">
+                      <ahyp:hlinkClr xmlns:ahyp="http://schemas.microsoft.com/office/drawing/2018/hyperlinkcolor" val="tx"/>
+                    </a:ext>
+                  </a:extLst>
+                </a:hlinkClick>
+              </a:rPr>
+              <a:t>Chabot</a:t>
+            </a:r>
+            <a:r>
+              <a:rPr lang="it-IT" dirty="0">
+                <a:solidFill>
+                  <a:schemeClr val="bg1"/>
+                </a:solidFill>
+                <a:hlinkClick r:id="rId13">
+                  <a:extLst>
+                    <a:ext uri="{A12FA001-AC4F-418D-AE19-62706E023703}">
+                      <ahyp:hlinkClr xmlns:ahyp="http://schemas.microsoft.com/office/drawing/2018/hyperlinkcolor" val="tx"/>
+                    </a:ext>
+                  </a:extLst>
+                </a:hlinkClick>
+              </a:rPr>
+              <a:t>-Leclerc; 2019)</a:t>
+            </a:r>
+            <a:endParaRPr lang="it-IT" dirty="0">
+              <a:solidFill>
+                <a:schemeClr val="bg1"/>
+              </a:solidFill>
+            </a:endParaRPr>
+          </a:p>
+        </p:txBody>
+      </p:sp>
+      <p:grpSp>
+        <p:nvGrpSpPr>
+          <p:cNvPr id="26" name="Gruppo 25">
+            <a:extLst>
+              <a:ext uri="{FF2B5EF4-FFF2-40B4-BE49-F238E27FC236}">
+                <a16:creationId xmlns:a16="http://schemas.microsoft.com/office/drawing/2014/main" id="{F5566FC2-2F41-4A13-A00D-8A798F02F3A5}"/>
+              </a:ext>
+            </a:extLst>
+          </p:cNvPr>
+          <p:cNvGrpSpPr/>
+          <p:nvPr/>
+        </p:nvGrpSpPr>
+        <p:grpSpPr>
+          <a:xfrm>
+            <a:off x="5690341" y="4179750"/>
+            <a:ext cx="3886875" cy="1922857"/>
+            <a:chOff x="5700069" y="4568939"/>
+            <a:chExt cx="3886875" cy="1922857"/>
+          </a:xfrm>
+        </p:grpSpPr>
+        <p:sp>
+          <p:nvSpPr>
+            <p:cNvPr id="21" name="CasellaDiTesto 20">
+              <a:extLst>
+                <a:ext uri="{FF2B5EF4-FFF2-40B4-BE49-F238E27FC236}">
+                  <a16:creationId xmlns:a16="http://schemas.microsoft.com/office/drawing/2014/main" id="{6086B32B-26D0-4F67-B892-D6BD7A755A18}"/>
+                </a:ext>
+              </a:extLst>
+            </p:cNvPr>
+            <p:cNvSpPr txBox="1"/>
+            <p:nvPr/>
+          </p:nvSpPr>
+          <p:spPr>
+            <a:xfrm>
+              <a:off x="5712229" y="5584602"/>
+              <a:ext cx="962636" cy="369332"/>
+            </a:xfrm>
+            <a:prstGeom prst="rect">
+              <a:avLst/>
+            </a:prstGeom>
+            <a:noFill/>
+          </p:spPr>
+          <p:txBody>
+            <a:bodyPr wrap="square">
+              <a:spAutoFit/>
+            </a:bodyPr>
+            <a:lstStyle/>
+            <a:p>
+              <a:r>
+                <a:rPr lang="it-IT" dirty="0" err="1">
+                  <a:solidFill>
+                    <a:schemeClr val="bg1"/>
+                  </a:solidFill>
+                  <a:hlinkClick r:id="rId14">
+                    <a:extLst>
+                      <a:ext uri="{A12FA001-AC4F-418D-AE19-62706E023703}">
+                        <ahyp:hlinkClr xmlns:ahyp="http://schemas.microsoft.com/office/drawing/2018/hyperlinkcolor" val="tx"/>
+                      </a:ext>
+                    </a:extLst>
+                  </a:hlinkClick>
+                </a:rPr>
+                <a:t>Logics</a:t>
+              </a:r>
+              <a:endParaRPr lang="it-IT" dirty="0">
+                <a:solidFill>
+                  <a:schemeClr val="bg1"/>
+                </a:solidFill>
+              </a:endParaRPr>
+            </a:p>
+          </p:txBody>
+        </p:sp>
+        <p:sp>
+          <p:nvSpPr>
+            <p:cNvPr id="23" name="CasellaDiTesto 22">
+              <a:extLst>
+                <a:ext uri="{FF2B5EF4-FFF2-40B4-BE49-F238E27FC236}">
+                  <a16:creationId xmlns:a16="http://schemas.microsoft.com/office/drawing/2014/main" id="{3C5A17B9-481D-4F00-AB1F-AEBE364B3F26}"/>
+                </a:ext>
+              </a:extLst>
+            </p:cNvPr>
+            <p:cNvSpPr txBox="1"/>
+            <p:nvPr/>
+          </p:nvSpPr>
+          <p:spPr>
+            <a:xfrm>
+              <a:off x="5700069" y="6122464"/>
+              <a:ext cx="1505125" cy="369332"/>
+            </a:xfrm>
+            <a:prstGeom prst="rect">
+              <a:avLst/>
+            </a:prstGeom>
+            <a:noFill/>
+          </p:spPr>
+          <p:txBody>
+            <a:bodyPr wrap="square">
+              <a:spAutoFit/>
+            </a:bodyPr>
+            <a:lstStyle/>
+            <a:p>
+              <a:r>
+                <a:rPr lang="it-IT" dirty="0" err="1">
+                  <a:solidFill>
+                    <a:schemeClr val="bg1"/>
+                  </a:solidFill>
+                  <a:hlinkClick r:id="rId15">
+                    <a:extLst>
+                      <a:ext uri="{A12FA001-AC4F-418D-AE19-62706E023703}">
+                        <ahyp:hlinkClr xmlns:ahyp="http://schemas.microsoft.com/office/drawing/2018/hyperlinkcolor" val="tx"/>
+                      </a:ext>
+                    </a:extLst>
+                  </a:hlinkClick>
+                </a:rPr>
+                <a:t>Clean</a:t>
+              </a:r>
+              <a:r>
+                <a:rPr lang="it-IT" dirty="0">
+                  <a:solidFill>
+                    <a:schemeClr val="bg1"/>
+                  </a:solidFill>
+                  <a:hlinkClick r:id="rId15">
+                    <a:extLst>
+                      <a:ext uri="{A12FA001-AC4F-418D-AE19-62706E023703}">
+                        <ahyp:hlinkClr xmlns:ahyp="http://schemas.microsoft.com/office/drawing/2018/hyperlinkcolor" val="tx"/>
+                      </a:ext>
+                    </a:extLst>
+                  </a:hlinkClick>
+                </a:rPr>
+                <a:t> code</a:t>
+              </a:r>
+              <a:endParaRPr lang="it-IT" dirty="0">
+                <a:solidFill>
+                  <a:schemeClr val="bg1"/>
+                </a:solidFill>
+              </a:endParaRPr>
+            </a:p>
+          </p:txBody>
+        </p:sp>
+        <p:sp>
+          <p:nvSpPr>
+            <p:cNvPr id="24" name="CasellaDiTesto 23">
+              <a:extLst>
+                <a:ext uri="{FF2B5EF4-FFF2-40B4-BE49-F238E27FC236}">
+                  <a16:creationId xmlns:a16="http://schemas.microsoft.com/office/drawing/2014/main" id="{368DD608-906E-4D22-BAA7-814E43EAB38F}"/>
+                </a:ext>
+              </a:extLst>
+            </p:cNvPr>
+            <p:cNvSpPr txBox="1"/>
+            <p:nvPr/>
+          </p:nvSpPr>
+          <p:spPr>
+            <a:xfrm>
+              <a:off x="5712229" y="4568939"/>
+              <a:ext cx="3874715" cy="646331"/>
+            </a:xfrm>
+            <a:prstGeom prst="rect">
+              <a:avLst/>
+            </a:prstGeom>
+            <a:noFill/>
+          </p:spPr>
+          <p:txBody>
+            <a:bodyPr wrap="none" rtlCol="0">
+              <a:spAutoFit/>
+            </a:bodyPr>
+            <a:lstStyle/>
+            <a:p>
+              <a:r>
+                <a:rPr lang="it-IT" i="1" dirty="0">
+                  <a:solidFill>
+                    <a:schemeClr val="bg1"/>
+                  </a:solidFill>
+                </a:rPr>
+                <a:t>Conferences by Bob Martin</a:t>
+              </a:r>
+              <a:r>
+                <a:rPr lang="it-IT" dirty="0">
+                  <a:solidFill>
+                    <a:schemeClr val="bg1"/>
+                  </a:solidFill>
+                </a:rPr>
+                <a:t> (</a:t>
+              </a:r>
+              <a:r>
+                <a:rPr lang="it-IT" i="1" dirty="0" err="1">
+                  <a:solidFill>
+                    <a:schemeClr val="bg1"/>
+                  </a:solidFill>
+                </a:rPr>
+                <a:t>Uncle</a:t>
+              </a:r>
+              <a:r>
+                <a:rPr lang="it-IT" i="1" dirty="0">
+                  <a:solidFill>
+                    <a:schemeClr val="bg1"/>
+                  </a:solidFill>
+                </a:rPr>
+                <a:t> Bob</a:t>
+              </a:r>
+              <a:r>
+                <a:rPr lang="it-IT" dirty="0">
+                  <a:solidFill>
+                    <a:schemeClr val="bg1"/>
+                  </a:solidFill>
+                </a:rPr>
+                <a:t>)</a:t>
+              </a:r>
+            </a:p>
+            <a:p>
+              <a:r>
+                <a:rPr lang="it-IT" b="1" i="1" dirty="0">
+                  <a:solidFill>
+                    <a:schemeClr val="bg1"/>
+                  </a:solidFill>
+                </a:rPr>
+                <a:t>A must!</a:t>
+              </a:r>
+            </a:p>
+          </p:txBody>
+        </p:sp>
+      </p:grpSp>
+      <p:pic>
+        <p:nvPicPr>
+          <p:cNvPr id="25" name="Immagine 24">
+            <a:extLst>
+              <a:ext uri="{FF2B5EF4-FFF2-40B4-BE49-F238E27FC236}">
+                <a16:creationId xmlns:a16="http://schemas.microsoft.com/office/drawing/2014/main" id="{1DD95D73-52AD-4303-9C1A-31191A2FD5AE}"/>
+              </a:ext>
+            </a:extLst>
+          </p:cNvPr>
+          <p:cNvPicPr>
+            <a:picLocks noChangeAspect="1"/>
+          </p:cNvPicPr>
+          <p:nvPr/>
+        </p:nvPicPr>
+        <p:blipFill rotWithShape="1">
+          <a:blip r:embed="rId16"/>
+          <a:srcRect r="13644"/>
+          <a:stretch/>
+        </p:blipFill>
+        <p:spPr>
+          <a:xfrm>
+            <a:off x="8772164" y="4744735"/>
+            <a:ext cx="2284369" cy="1487977"/>
+          </a:xfrm>
+          <a:prstGeom prst="rect">
+            <a:avLst/>
+          </a:prstGeom>
+          <a:ln w="190500" cap="sq">
+            <a:solidFill>
+              <a:srgbClr val="C8C6BD"/>
+            </a:solidFill>
+            <a:prstDash val="solid"/>
+            <a:miter lim="800000"/>
+          </a:ln>
+          <a:effectLst>
+            <a:outerShdw blurRad="254000" algn="bl" rotWithShape="0">
+              <a:srgbClr val="000000">
+                <a:alpha val="43000"/>
+              </a:srgbClr>
+            </a:outerShdw>
+          </a:effectLst>
+          <a:scene3d>
+            <a:camera prst="perspectiveFront" fov="5400000"/>
+            <a:lightRig rig="threePt" dir="t">
+              <a:rot lat="0" lon="0" rev="2100000"/>
+            </a:lightRig>
+          </a:scene3d>
+          <a:sp3d extrusionH="25400">
+            <a:bevelT w="304800" h="152400" prst="hardEdge"/>
+            <a:extrusionClr>
+              <a:srgbClr val="000000"/>
+            </a:extrusionClr>
+          </a:sp3d>
+        </p:spPr>
+      </p:pic>
+    </p:spTree>
+    <p:extLst>
+      <p:ext uri="{BB962C8B-B14F-4D97-AF65-F5344CB8AC3E}">
+        <p14:creationId xmlns:p14="http://schemas.microsoft.com/office/powerpoint/2010/main" val="500195976"/>
+      </p:ext>
+    </p:extLst>
+  </p:cSld>
+  <p:clrMapOvr>
+    <a:masterClrMapping/>
+  </p:clrMapOvr>
 </p:sld>
 </file>
 
